--- a/doc/task14/final presentation.pptx
+++ b/doc/task14/final presentation.pptx
@@ -8,18 +8,22 @@
     <p:sldId id="257" r:id="rId2"/>
     <p:sldId id="264" r:id="rId3"/>
     <p:sldId id="276" r:id="rId4"/>
-    <p:sldId id="265" r:id="rId5"/>
-    <p:sldId id="266" r:id="rId6"/>
-    <p:sldId id="267" r:id="rId7"/>
-    <p:sldId id="268" r:id="rId8"/>
-    <p:sldId id="269" r:id="rId9"/>
-    <p:sldId id="270" r:id="rId10"/>
-    <p:sldId id="271" r:id="rId11"/>
-    <p:sldId id="272" r:id="rId12"/>
-    <p:sldId id="273" r:id="rId13"/>
-    <p:sldId id="274" r:id="rId14"/>
-    <p:sldId id="275" r:id="rId15"/>
-    <p:sldId id="259" r:id="rId16"/>
+    <p:sldId id="279" r:id="rId5"/>
+    <p:sldId id="280" r:id="rId6"/>
+    <p:sldId id="277" r:id="rId7"/>
+    <p:sldId id="281" r:id="rId8"/>
+    <p:sldId id="282" r:id="rId9"/>
+    <p:sldId id="265" r:id="rId10"/>
+    <p:sldId id="266" r:id="rId11"/>
+    <p:sldId id="267" r:id="rId12"/>
+    <p:sldId id="268" r:id="rId13"/>
+    <p:sldId id="269" r:id="rId14"/>
+    <p:sldId id="270" r:id="rId15"/>
+    <p:sldId id="272" r:id="rId16"/>
+    <p:sldId id="273" r:id="rId17"/>
+    <p:sldId id="274" r:id="rId18"/>
+    <p:sldId id="275" r:id="rId19"/>
+    <p:sldId id="259" r:id="rId20"/>
   </p:sldIdLst>
   <p:sldSz cx="12192000" cy="6858000"/>
   <p:notesSz cx="6858000" cy="9144000"/>
@@ -4179,6 +4183,1396 @@
           <a:p>
             <a:r>
               <a:rPr lang="de-CH" dirty="0" err="1"/>
+              <a:t>Requirements</a:t>
+            </a:r>
+            <a:endParaRPr lang="de-CH" dirty="0"/>
+          </a:p>
+          <a:p>
+            <a:pPr lvl="1"/>
+            <a:r>
+              <a:rPr lang="de-CH" dirty="0"/>
+              <a:t>Field </a:t>
+            </a:r>
+            <a:r>
+              <a:rPr lang="de-CH" dirty="0" err="1"/>
+              <a:t>study</a:t>
+            </a:r>
+            <a:endParaRPr lang="de-CH" dirty="0"/>
+          </a:p>
+          <a:p>
+            <a:pPr lvl="1"/>
+            <a:endParaRPr lang="de-CH" dirty="0"/>
+          </a:p>
+          <a:p>
+            <a:pPr lvl="1"/>
+            <a:r>
+              <a:rPr lang="de-CH" dirty="0"/>
+              <a:t>Früh </a:t>
+            </a:r>
+            <a:r>
+              <a:rPr lang="de-CH" dirty="0" err="1"/>
+              <a:t>gefreezed</a:t>
+            </a:r>
+            <a:endParaRPr lang="de-CH" dirty="0"/>
+          </a:p>
+          <a:p>
+            <a:pPr lvl="1"/>
+            <a:endParaRPr lang="de-CH" dirty="0"/>
+          </a:p>
+          <a:p>
+            <a:pPr lvl="1"/>
+            <a:r>
+              <a:rPr lang="de-CH" dirty="0"/>
+              <a:t>Validiert durch Interview</a:t>
+            </a:r>
+          </a:p>
+          <a:p>
+            <a:endParaRPr lang="de-CH" dirty="0"/>
+          </a:p>
+          <a:p>
+            <a:pPr lvl="1"/>
+            <a:endParaRPr lang="de-CH" dirty="0"/>
+          </a:p>
+          <a:p>
+            <a:pPr lvl="1"/>
+            <a:endParaRPr lang="de-DE" dirty="0"/>
+          </a:p>
+          <a:p>
+            <a:endParaRPr lang="de-DE" dirty="0"/>
+          </a:p>
+        </p:txBody>
+      </p:sp>
+      <p:pic>
+        <p:nvPicPr>
+          <p:cNvPr id="6" name="Inhaltsplatzhalter 3"/>
+          <p:cNvPicPr>
+            <a:picLocks noChangeAspect="1"/>
+          </p:cNvPicPr>
+          <p:nvPr/>
+        </p:nvPicPr>
+        <p:blipFill>
+          <a:blip r:embed="rId2">
+            <a:extLst>
+              <a:ext uri="{28A0092B-C50C-407E-A947-70E740481C1C}">
+                <a14:useLocalDpi xmlns:a14="http://schemas.microsoft.com/office/drawing/2010/main" val="0"/>
+              </a:ext>
+            </a:extLst>
+          </a:blip>
+          <a:stretch>
+            <a:fillRect/>
+          </a:stretch>
+        </p:blipFill>
+        <p:spPr>
+          <a:xfrm>
+            <a:off x="3557850" y="1420847"/>
+            <a:ext cx="8545484" cy="5700650"/>
+          </a:xfrm>
+          <a:prstGeom prst="rect">
+            <a:avLst/>
+          </a:prstGeom>
+        </p:spPr>
+      </p:pic>
+    </p:spTree>
+    <p:extLst>
+      <p:ext uri="{BB962C8B-B14F-4D97-AF65-F5344CB8AC3E}">
+        <p14:creationId xmlns:p14="http://schemas.microsoft.com/office/powerpoint/2010/main" val="854606116"/>
+      </p:ext>
+    </p:extLst>
+  </p:cSld>
+  <p:clrMapOvr>
+    <a:masterClrMapping/>
+  </p:clrMapOvr>
+  <p:timing>
+    <p:tnLst>
+      <p:par>
+        <p:cTn id="1" dur="indefinite" restart="never" nodeType="tmRoot">
+          <p:childTnLst>
+            <p:seq concurrent="1" nextAc="seek">
+              <p:cTn id="2" dur="indefinite" nodeType="mainSeq">
+                <p:childTnLst>
+                  <p:par>
+                    <p:cTn id="3" fill="hold">
+                      <p:stCondLst>
+                        <p:cond delay="indefinite"/>
+                      </p:stCondLst>
+                      <p:childTnLst>
+                        <p:par>
+                          <p:cTn id="4" fill="hold">
+                            <p:stCondLst>
+                              <p:cond delay="0"/>
+                            </p:stCondLst>
+                            <p:childTnLst>
+                              <p:par>
+                                <p:cTn id="5" presetID="1" presetClass="entr" presetSubtype="0" fill="hold" grpId="0" nodeType="clickEffect">
+                                  <p:stCondLst>
+                                    <p:cond delay="0"/>
+                                  </p:stCondLst>
+                                  <p:childTnLst>
+                                    <p:set>
+                                      <p:cBhvr>
+                                        <p:cTn id="6" dur="1" fill="hold">
+                                          <p:stCondLst>
+                                            <p:cond delay="0"/>
+                                          </p:stCondLst>
+                                        </p:cTn>
+                                        <p:tgtEl>
+                                          <p:spTgt spid="3">
+                                            <p:txEl>
+                                              <p:pRg st="1" end="1"/>
+                                            </p:txEl>
+                                          </p:spTgt>
+                                        </p:tgtEl>
+                                        <p:attrNameLst>
+                                          <p:attrName>style.visibility</p:attrName>
+                                        </p:attrNameLst>
+                                      </p:cBhvr>
+                                      <p:to>
+                                        <p:strVal val="visible"/>
+                                      </p:to>
+                                    </p:set>
+                                  </p:childTnLst>
+                                </p:cTn>
+                              </p:par>
+                            </p:childTnLst>
+                          </p:cTn>
+                        </p:par>
+                      </p:childTnLst>
+                    </p:cTn>
+                  </p:par>
+                  <p:par>
+                    <p:cTn id="7" fill="hold">
+                      <p:stCondLst>
+                        <p:cond delay="indefinite"/>
+                      </p:stCondLst>
+                      <p:childTnLst>
+                        <p:par>
+                          <p:cTn id="8" fill="hold">
+                            <p:stCondLst>
+                              <p:cond delay="0"/>
+                            </p:stCondLst>
+                            <p:childTnLst>
+                              <p:par>
+                                <p:cTn id="9" presetID="1" presetClass="entr" presetSubtype="0" fill="hold" grpId="0" nodeType="clickEffect">
+                                  <p:stCondLst>
+                                    <p:cond delay="0"/>
+                                  </p:stCondLst>
+                                  <p:childTnLst>
+                                    <p:set>
+                                      <p:cBhvr>
+                                        <p:cTn id="10" dur="1" fill="hold">
+                                          <p:stCondLst>
+                                            <p:cond delay="0"/>
+                                          </p:stCondLst>
+                                        </p:cTn>
+                                        <p:tgtEl>
+                                          <p:spTgt spid="3">
+                                            <p:txEl>
+                                              <p:pRg st="3" end="3"/>
+                                            </p:txEl>
+                                          </p:spTgt>
+                                        </p:tgtEl>
+                                        <p:attrNameLst>
+                                          <p:attrName>style.visibility</p:attrName>
+                                        </p:attrNameLst>
+                                      </p:cBhvr>
+                                      <p:to>
+                                        <p:strVal val="visible"/>
+                                      </p:to>
+                                    </p:set>
+                                  </p:childTnLst>
+                                </p:cTn>
+                              </p:par>
+                            </p:childTnLst>
+                          </p:cTn>
+                        </p:par>
+                      </p:childTnLst>
+                    </p:cTn>
+                  </p:par>
+                  <p:par>
+                    <p:cTn id="11" fill="hold">
+                      <p:stCondLst>
+                        <p:cond delay="indefinite"/>
+                      </p:stCondLst>
+                      <p:childTnLst>
+                        <p:par>
+                          <p:cTn id="12" fill="hold">
+                            <p:stCondLst>
+                              <p:cond delay="0"/>
+                            </p:stCondLst>
+                            <p:childTnLst>
+                              <p:par>
+                                <p:cTn id="13" presetID="1" presetClass="entr" presetSubtype="0" fill="hold" grpId="0" nodeType="clickEffect">
+                                  <p:stCondLst>
+                                    <p:cond delay="0"/>
+                                  </p:stCondLst>
+                                  <p:childTnLst>
+                                    <p:set>
+                                      <p:cBhvr>
+                                        <p:cTn id="14" dur="1" fill="hold">
+                                          <p:stCondLst>
+                                            <p:cond delay="0"/>
+                                          </p:stCondLst>
+                                        </p:cTn>
+                                        <p:tgtEl>
+                                          <p:spTgt spid="3">
+                                            <p:txEl>
+                                              <p:pRg st="5" end="5"/>
+                                            </p:txEl>
+                                          </p:spTgt>
+                                        </p:tgtEl>
+                                        <p:attrNameLst>
+                                          <p:attrName>style.visibility</p:attrName>
+                                        </p:attrNameLst>
+                                      </p:cBhvr>
+                                      <p:to>
+                                        <p:strVal val="visible"/>
+                                      </p:to>
+                                    </p:set>
+                                  </p:childTnLst>
+                                </p:cTn>
+                              </p:par>
+                            </p:childTnLst>
+                          </p:cTn>
+                        </p:par>
+                      </p:childTnLst>
+                    </p:cTn>
+                  </p:par>
+                </p:childTnLst>
+              </p:cTn>
+              <p:prevCondLst>
+                <p:cond evt="onPrev" delay="0">
+                  <p:tgtEl>
+                    <p:sldTgt/>
+                  </p:tgtEl>
+                </p:cond>
+              </p:prevCondLst>
+              <p:nextCondLst>
+                <p:cond evt="onNext" delay="0">
+                  <p:tgtEl>
+                    <p:sldTgt/>
+                  </p:tgtEl>
+                </p:cond>
+              </p:nextCondLst>
+            </p:seq>
+          </p:childTnLst>
+        </p:cTn>
+      </p:par>
+    </p:tnLst>
+    <p:bldLst>
+      <p:bldP spid="3" grpId="0" uiExpand="1" build="p"/>
+    </p:bldLst>
+  </p:timing>
+</p:sld>
+</file>
+
+<file path=ppt/slides/slide11.xml><?xml version="1.0" encoding="utf-8"?>
+<p:sld xmlns:a="http://schemas.openxmlformats.org/drawingml/2006/main" xmlns:r="http://schemas.openxmlformats.org/officeDocument/2006/relationships" xmlns:p="http://schemas.openxmlformats.org/presentationml/2006/main">
+  <p:cSld>
+    <p:spTree>
+      <p:nvGrpSpPr>
+        <p:cNvPr id="1" name=""/>
+        <p:cNvGrpSpPr/>
+        <p:nvPr/>
+      </p:nvGrpSpPr>
+      <p:grpSpPr>
+        <a:xfrm>
+          <a:off x="0" y="0"/>
+          <a:ext cx="0" cy="0"/>
+          <a:chOff x="0" y="0"/>
+          <a:chExt cx="0" cy="0"/>
+        </a:xfrm>
+      </p:grpSpPr>
+      <p:sp>
+        <p:nvSpPr>
+          <p:cNvPr id="2" name="Titel 1"/>
+          <p:cNvSpPr>
+            <a:spLocks noGrp="1"/>
+          </p:cNvSpPr>
+          <p:nvPr>
+            <p:ph type="title"/>
+          </p:nvPr>
+        </p:nvSpPr>
+        <p:spPr/>
+        <p:txBody>
+          <a:bodyPr/>
+          <a:lstStyle/>
+          <a:p>
+            <a:r>
+              <a:rPr lang="de-CH" dirty="0" err="1">
+                <a:solidFill>
+                  <a:srgbClr val="FF0000"/>
+                </a:solidFill>
+              </a:rPr>
+              <a:t>Lessons</a:t>
+            </a:r>
+            <a:r>
+              <a:rPr lang="de-CH" dirty="0">
+                <a:solidFill>
+                  <a:srgbClr val="FF0000"/>
+                </a:solidFill>
+              </a:rPr>
+              <a:t> </a:t>
+            </a:r>
+            <a:r>
+              <a:rPr lang="de-CH" dirty="0" err="1">
+                <a:solidFill>
+                  <a:srgbClr val="FF0000"/>
+                </a:solidFill>
+              </a:rPr>
+              <a:t>learned</a:t>
+            </a:r>
+            <a:endParaRPr lang="de-DE" dirty="0">
+              <a:solidFill>
+                <a:srgbClr val="FF0000"/>
+              </a:solidFill>
+            </a:endParaRPr>
+          </a:p>
+        </p:txBody>
+      </p:sp>
+      <p:sp>
+        <p:nvSpPr>
+          <p:cNvPr id="3" name="Inhaltsplatzhalter 2"/>
+          <p:cNvSpPr>
+            <a:spLocks noGrp="1"/>
+          </p:cNvSpPr>
+          <p:nvPr>
+            <p:ph idx="1"/>
+          </p:nvPr>
+        </p:nvSpPr>
+        <p:spPr/>
+        <p:txBody>
+          <a:bodyPr/>
+          <a:lstStyle/>
+          <a:p>
+            <a:r>
+              <a:rPr lang="de-CH" dirty="0"/>
+              <a:t>Design</a:t>
+            </a:r>
+          </a:p>
+          <a:p>
+            <a:pPr lvl="1"/>
+            <a:r>
+              <a:rPr lang="de-CH" dirty="0"/>
+              <a:t>Mock-</a:t>
+            </a:r>
+            <a:r>
+              <a:rPr lang="de-CH" dirty="0" err="1"/>
+              <a:t>up</a:t>
+            </a:r>
+            <a:r>
+              <a:rPr lang="de-CH" dirty="0"/>
+              <a:t> auf Papier genau sein</a:t>
+            </a:r>
+          </a:p>
+          <a:p>
+            <a:pPr lvl="1"/>
+            <a:r>
+              <a:rPr lang="de-CH" dirty="0"/>
+              <a:t> Datenbankmodel</a:t>
+            </a:r>
+          </a:p>
+          <a:p>
+            <a:pPr lvl="1"/>
+            <a:endParaRPr lang="de-CH" dirty="0"/>
+          </a:p>
+          <a:p>
+            <a:endParaRPr lang="de-CH" dirty="0"/>
+          </a:p>
+          <a:p>
+            <a:pPr lvl="1"/>
+            <a:endParaRPr lang="de-CH" dirty="0"/>
+          </a:p>
+          <a:p>
+            <a:pPr lvl="1"/>
+            <a:endParaRPr lang="de-DE" dirty="0"/>
+          </a:p>
+          <a:p>
+            <a:endParaRPr lang="de-DE" dirty="0"/>
+          </a:p>
+        </p:txBody>
+      </p:sp>
+      <p:pic>
+        <p:nvPicPr>
+          <p:cNvPr id="7" name="Grafik 6"/>
+          <p:cNvPicPr>
+            <a:picLocks noChangeAspect="1"/>
+          </p:cNvPicPr>
+          <p:nvPr/>
+        </p:nvPicPr>
+        <p:blipFill rotWithShape="1">
+          <a:blip r:embed="rId2" cstate="print">
+            <a:extLst>
+              <a:ext uri="{28A0092B-C50C-407E-A947-70E740481C1C}">
+                <a14:useLocalDpi xmlns:a14="http://schemas.microsoft.com/office/drawing/2010/main" val="0"/>
+              </a:ext>
+            </a:extLst>
+          </a:blip>
+          <a:srcRect l="7239" t="34927" r="6353" b="7101"/>
+          <a:stretch/>
+        </p:blipFill>
+        <p:spPr>
+          <a:xfrm>
+            <a:off x="5906133" y="558967"/>
+            <a:ext cx="6079435" cy="5748875"/>
+          </a:xfrm>
+          <a:prstGeom prst="rect">
+            <a:avLst/>
+          </a:prstGeom>
+        </p:spPr>
+      </p:pic>
+    </p:spTree>
+    <p:extLst>
+      <p:ext uri="{BB962C8B-B14F-4D97-AF65-F5344CB8AC3E}">
+        <p14:creationId xmlns:p14="http://schemas.microsoft.com/office/powerpoint/2010/main" val="3635984796"/>
+      </p:ext>
+    </p:extLst>
+  </p:cSld>
+  <p:clrMapOvr>
+    <a:masterClrMapping/>
+  </p:clrMapOvr>
+  <p:timing>
+    <p:tnLst>
+      <p:par>
+        <p:cTn id="1" dur="indefinite" restart="never" nodeType="tmRoot">
+          <p:childTnLst>
+            <p:seq concurrent="1" nextAc="seek">
+              <p:cTn id="2" dur="indefinite" nodeType="mainSeq">
+                <p:childTnLst>
+                  <p:par>
+                    <p:cTn id="3" fill="hold">
+                      <p:stCondLst>
+                        <p:cond delay="indefinite"/>
+                      </p:stCondLst>
+                      <p:childTnLst>
+                        <p:par>
+                          <p:cTn id="4" fill="hold">
+                            <p:stCondLst>
+                              <p:cond delay="0"/>
+                            </p:stCondLst>
+                            <p:childTnLst>
+                              <p:par>
+                                <p:cTn id="5" presetID="1" presetClass="entr" presetSubtype="0" fill="hold" grpId="0" nodeType="clickEffect">
+                                  <p:stCondLst>
+                                    <p:cond delay="0"/>
+                                  </p:stCondLst>
+                                  <p:childTnLst>
+                                    <p:set>
+                                      <p:cBhvr>
+                                        <p:cTn id="6" dur="1" fill="hold">
+                                          <p:stCondLst>
+                                            <p:cond delay="0"/>
+                                          </p:stCondLst>
+                                        </p:cTn>
+                                        <p:tgtEl>
+                                          <p:spTgt spid="3">
+                                            <p:txEl>
+                                              <p:pRg st="1" end="1"/>
+                                            </p:txEl>
+                                          </p:spTgt>
+                                        </p:tgtEl>
+                                        <p:attrNameLst>
+                                          <p:attrName>style.visibility</p:attrName>
+                                        </p:attrNameLst>
+                                      </p:cBhvr>
+                                      <p:to>
+                                        <p:strVal val="visible"/>
+                                      </p:to>
+                                    </p:set>
+                                  </p:childTnLst>
+                                </p:cTn>
+                              </p:par>
+                            </p:childTnLst>
+                          </p:cTn>
+                        </p:par>
+                      </p:childTnLst>
+                    </p:cTn>
+                  </p:par>
+                  <p:par>
+                    <p:cTn id="7" fill="hold">
+                      <p:stCondLst>
+                        <p:cond delay="indefinite"/>
+                      </p:stCondLst>
+                      <p:childTnLst>
+                        <p:par>
+                          <p:cTn id="8" fill="hold">
+                            <p:stCondLst>
+                              <p:cond delay="0"/>
+                            </p:stCondLst>
+                            <p:childTnLst>
+                              <p:par>
+                                <p:cTn id="9" presetID="1" presetClass="entr" presetSubtype="0" fill="hold" grpId="0" nodeType="clickEffect">
+                                  <p:stCondLst>
+                                    <p:cond delay="0"/>
+                                  </p:stCondLst>
+                                  <p:childTnLst>
+                                    <p:set>
+                                      <p:cBhvr>
+                                        <p:cTn id="10" dur="1" fill="hold">
+                                          <p:stCondLst>
+                                            <p:cond delay="0"/>
+                                          </p:stCondLst>
+                                        </p:cTn>
+                                        <p:tgtEl>
+                                          <p:spTgt spid="3">
+                                            <p:txEl>
+                                              <p:pRg st="2" end="2"/>
+                                            </p:txEl>
+                                          </p:spTgt>
+                                        </p:tgtEl>
+                                        <p:attrNameLst>
+                                          <p:attrName>style.visibility</p:attrName>
+                                        </p:attrNameLst>
+                                      </p:cBhvr>
+                                      <p:to>
+                                        <p:strVal val="visible"/>
+                                      </p:to>
+                                    </p:set>
+                                  </p:childTnLst>
+                                </p:cTn>
+                              </p:par>
+                            </p:childTnLst>
+                          </p:cTn>
+                        </p:par>
+                      </p:childTnLst>
+                    </p:cTn>
+                  </p:par>
+                </p:childTnLst>
+              </p:cTn>
+              <p:prevCondLst>
+                <p:cond evt="onPrev" delay="0">
+                  <p:tgtEl>
+                    <p:sldTgt/>
+                  </p:tgtEl>
+                </p:cond>
+              </p:prevCondLst>
+              <p:nextCondLst>
+                <p:cond evt="onNext" delay="0">
+                  <p:tgtEl>
+                    <p:sldTgt/>
+                  </p:tgtEl>
+                </p:cond>
+              </p:nextCondLst>
+            </p:seq>
+          </p:childTnLst>
+        </p:cTn>
+      </p:par>
+    </p:tnLst>
+    <p:bldLst>
+      <p:bldP spid="3" grpId="0" uiExpand="1" build="p"/>
+    </p:bldLst>
+  </p:timing>
+</p:sld>
+</file>
+
+<file path=ppt/slides/slide12.xml><?xml version="1.0" encoding="utf-8"?>
+<p:sld xmlns:a="http://schemas.openxmlformats.org/drawingml/2006/main" xmlns:r="http://schemas.openxmlformats.org/officeDocument/2006/relationships" xmlns:p="http://schemas.openxmlformats.org/presentationml/2006/main">
+  <p:cSld>
+    <p:spTree>
+      <p:nvGrpSpPr>
+        <p:cNvPr id="1" name=""/>
+        <p:cNvGrpSpPr/>
+        <p:nvPr/>
+      </p:nvGrpSpPr>
+      <p:grpSpPr>
+        <a:xfrm>
+          <a:off x="0" y="0"/>
+          <a:ext cx="0" cy="0"/>
+          <a:chOff x="0" y="0"/>
+          <a:chExt cx="0" cy="0"/>
+        </a:xfrm>
+      </p:grpSpPr>
+      <p:sp>
+        <p:nvSpPr>
+          <p:cNvPr id="2" name="Titel 1"/>
+          <p:cNvSpPr>
+            <a:spLocks noGrp="1"/>
+          </p:cNvSpPr>
+          <p:nvPr>
+            <p:ph type="title"/>
+          </p:nvPr>
+        </p:nvSpPr>
+        <p:spPr/>
+        <p:txBody>
+          <a:bodyPr/>
+          <a:lstStyle/>
+          <a:p>
+            <a:r>
+              <a:rPr lang="de-CH" dirty="0" err="1">
+                <a:solidFill>
+                  <a:srgbClr val="FF0000"/>
+                </a:solidFill>
+              </a:rPr>
+              <a:t>Lessons</a:t>
+            </a:r>
+            <a:r>
+              <a:rPr lang="de-CH" dirty="0">
+                <a:solidFill>
+                  <a:srgbClr val="FF0000"/>
+                </a:solidFill>
+              </a:rPr>
+              <a:t> </a:t>
+            </a:r>
+            <a:r>
+              <a:rPr lang="de-CH" dirty="0" err="1">
+                <a:solidFill>
+                  <a:srgbClr val="FF0000"/>
+                </a:solidFill>
+              </a:rPr>
+              <a:t>learned</a:t>
+            </a:r>
+            <a:endParaRPr lang="de-DE" dirty="0">
+              <a:solidFill>
+                <a:srgbClr val="FF0000"/>
+              </a:solidFill>
+            </a:endParaRPr>
+          </a:p>
+        </p:txBody>
+      </p:sp>
+      <p:sp>
+        <p:nvSpPr>
+          <p:cNvPr id="3" name="Inhaltsplatzhalter 2"/>
+          <p:cNvSpPr>
+            <a:spLocks noGrp="1"/>
+          </p:cNvSpPr>
+          <p:nvPr>
+            <p:ph idx="1"/>
+          </p:nvPr>
+        </p:nvSpPr>
+        <p:spPr/>
+        <p:txBody>
+          <a:bodyPr/>
+          <a:lstStyle/>
+          <a:p>
+            <a:r>
+              <a:rPr lang="de-CH" dirty="0"/>
+              <a:t>Design</a:t>
+            </a:r>
+          </a:p>
+          <a:p>
+            <a:pPr lvl="1"/>
+            <a:r>
+              <a:rPr lang="de-CH" dirty="0"/>
+              <a:t>Mock-</a:t>
+            </a:r>
+            <a:r>
+              <a:rPr lang="de-CH" dirty="0" err="1"/>
+              <a:t>up</a:t>
+            </a:r>
+            <a:r>
+              <a:rPr lang="de-CH" dirty="0"/>
+              <a:t> auf Papier genau sein</a:t>
+            </a:r>
+          </a:p>
+          <a:p>
+            <a:pPr lvl="1"/>
+            <a:r>
+              <a:rPr lang="de-CH" dirty="0"/>
+              <a:t> Datenbankmodel</a:t>
+            </a:r>
+          </a:p>
+          <a:p>
+            <a:endParaRPr lang="de-CH" dirty="0"/>
+          </a:p>
+          <a:p>
+            <a:pPr lvl="1"/>
+            <a:endParaRPr lang="de-CH" dirty="0"/>
+          </a:p>
+          <a:p>
+            <a:pPr lvl="1"/>
+            <a:endParaRPr lang="de-DE" dirty="0"/>
+          </a:p>
+          <a:p>
+            <a:endParaRPr lang="de-DE" dirty="0"/>
+          </a:p>
+        </p:txBody>
+      </p:sp>
+      <p:pic>
+        <p:nvPicPr>
+          <p:cNvPr id="7" name="Grafik 6"/>
+          <p:cNvPicPr>
+            <a:picLocks noChangeAspect="1"/>
+          </p:cNvPicPr>
+          <p:nvPr/>
+        </p:nvPicPr>
+        <p:blipFill rotWithShape="1">
+          <a:blip r:embed="rId2" cstate="print">
+            <a:extLst>
+              <a:ext uri="{28A0092B-C50C-407E-A947-70E740481C1C}">
+                <a14:useLocalDpi xmlns:a14="http://schemas.microsoft.com/office/drawing/2010/main" val="0"/>
+              </a:ext>
+            </a:extLst>
+          </a:blip>
+          <a:srcRect l="7239" t="34927" r="6353" b="7101"/>
+          <a:stretch/>
+        </p:blipFill>
+        <p:spPr>
+          <a:xfrm>
+            <a:off x="5906133" y="558967"/>
+            <a:ext cx="6079435" cy="5748875"/>
+          </a:xfrm>
+          <a:prstGeom prst="rect">
+            <a:avLst/>
+          </a:prstGeom>
+        </p:spPr>
+      </p:pic>
+      <p:pic>
+        <p:nvPicPr>
+          <p:cNvPr id="10" name="Grafik 9"/>
+          <p:cNvPicPr>
+            <a:picLocks noChangeAspect="1"/>
+          </p:cNvPicPr>
+          <p:nvPr/>
+        </p:nvPicPr>
+        <p:blipFill>
+          <a:blip r:embed="rId3">
+            <a:extLst>
+              <a:ext uri="{28A0092B-C50C-407E-A947-70E740481C1C}">
+                <a14:useLocalDpi xmlns:a14="http://schemas.microsoft.com/office/drawing/2010/main" val="0"/>
+              </a:ext>
+            </a:extLst>
+          </a:blip>
+          <a:stretch>
+            <a:fillRect/>
+          </a:stretch>
+        </p:blipFill>
+        <p:spPr>
+          <a:xfrm>
+            <a:off x="0" y="406731"/>
+            <a:ext cx="12192000" cy="6044537"/>
+          </a:xfrm>
+          <a:prstGeom prst="rect">
+            <a:avLst/>
+          </a:prstGeom>
+        </p:spPr>
+      </p:pic>
+    </p:spTree>
+    <p:extLst>
+      <p:ext uri="{BB962C8B-B14F-4D97-AF65-F5344CB8AC3E}">
+        <p14:creationId xmlns:p14="http://schemas.microsoft.com/office/powerpoint/2010/main" val="3787966195"/>
+      </p:ext>
+    </p:extLst>
+  </p:cSld>
+  <p:clrMapOvr>
+    <a:masterClrMapping/>
+  </p:clrMapOvr>
+</p:sld>
+</file>
+
+<file path=ppt/slides/slide13.xml><?xml version="1.0" encoding="utf-8"?>
+<p:sld xmlns:a="http://schemas.openxmlformats.org/drawingml/2006/main" xmlns:r="http://schemas.openxmlformats.org/officeDocument/2006/relationships" xmlns:p="http://schemas.openxmlformats.org/presentationml/2006/main">
+  <p:cSld>
+    <p:spTree>
+      <p:nvGrpSpPr>
+        <p:cNvPr id="1" name=""/>
+        <p:cNvGrpSpPr/>
+        <p:nvPr/>
+      </p:nvGrpSpPr>
+      <p:grpSpPr>
+        <a:xfrm>
+          <a:off x="0" y="0"/>
+          <a:ext cx="0" cy="0"/>
+          <a:chOff x="0" y="0"/>
+          <a:chExt cx="0" cy="0"/>
+        </a:xfrm>
+      </p:grpSpPr>
+      <p:sp>
+        <p:nvSpPr>
+          <p:cNvPr id="2" name="Titel 1"/>
+          <p:cNvSpPr>
+            <a:spLocks noGrp="1"/>
+          </p:cNvSpPr>
+          <p:nvPr>
+            <p:ph type="title"/>
+          </p:nvPr>
+        </p:nvSpPr>
+        <p:spPr/>
+        <p:txBody>
+          <a:bodyPr/>
+          <a:lstStyle/>
+          <a:p>
+            <a:r>
+              <a:rPr lang="de-CH" dirty="0" err="1">
+                <a:solidFill>
+                  <a:srgbClr val="FF0000"/>
+                </a:solidFill>
+              </a:rPr>
+              <a:t>Lessons</a:t>
+            </a:r>
+            <a:r>
+              <a:rPr lang="de-CH" dirty="0">
+                <a:solidFill>
+                  <a:srgbClr val="FF0000"/>
+                </a:solidFill>
+              </a:rPr>
+              <a:t> </a:t>
+            </a:r>
+            <a:r>
+              <a:rPr lang="de-CH" dirty="0" err="1">
+                <a:solidFill>
+                  <a:srgbClr val="FF0000"/>
+                </a:solidFill>
+              </a:rPr>
+              <a:t>learned</a:t>
+            </a:r>
+            <a:endParaRPr lang="de-DE" dirty="0">
+              <a:solidFill>
+                <a:srgbClr val="FF0000"/>
+              </a:solidFill>
+            </a:endParaRPr>
+          </a:p>
+        </p:txBody>
+      </p:sp>
+      <p:sp>
+        <p:nvSpPr>
+          <p:cNvPr id="3" name="Inhaltsplatzhalter 2"/>
+          <p:cNvSpPr>
+            <a:spLocks noGrp="1"/>
+          </p:cNvSpPr>
+          <p:nvPr>
+            <p:ph idx="1"/>
+          </p:nvPr>
+        </p:nvSpPr>
+        <p:spPr/>
+        <p:txBody>
+          <a:bodyPr/>
+          <a:lstStyle/>
+          <a:p>
+            <a:r>
+              <a:rPr lang="de-CH" dirty="0"/>
+              <a:t>Design</a:t>
+            </a:r>
+          </a:p>
+          <a:p>
+            <a:pPr lvl="1"/>
+            <a:r>
+              <a:rPr lang="de-CH" dirty="0"/>
+              <a:t>Mock-</a:t>
+            </a:r>
+            <a:r>
+              <a:rPr lang="de-CH" dirty="0" err="1"/>
+              <a:t>up</a:t>
+            </a:r>
+            <a:r>
+              <a:rPr lang="de-CH" dirty="0"/>
+              <a:t> auf Papier genau sein</a:t>
+            </a:r>
+          </a:p>
+          <a:p>
+            <a:pPr lvl="1"/>
+            <a:r>
+              <a:rPr lang="de-CH" dirty="0"/>
+              <a:t> Datenbankmodel</a:t>
+            </a:r>
+          </a:p>
+          <a:p>
+            <a:pPr lvl="1"/>
+            <a:r>
+              <a:rPr lang="de-CH" dirty="0"/>
+              <a:t>CRC-Cards hilfreich</a:t>
+            </a:r>
+          </a:p>
+          <a:p>
+            <a:r>
+              <a:rPr lang="de-CH" dirty="0"/>
+              <a:t>Implementation</a:t>
+            </a:r>
+          </a:p>
+          <a:p>
+            <a:pPr lvl="1"/>
+            <a:r>
+              <a:rPr lang="de-CH" dirty="0"/>
+              <a:t>Keine Erfahrung mit </a:t>
+            </a:r>
+            <a:r>
+              <a:rPr lang="de-CH" dirty="0" err="1"/>
+              <a:t>Vaadin</a:t>
+            </a:r>
+            <a:endParaRPr lang="de-CH" dirty="0"/>
+          </a:p>
+          <a:p>
+            <a:pPr lvl="1"/>
+            <a:r>
+              <a:rPr lang="de-CH" dirty="0"/>
+              <a:t>Kompetenzen verschieden</a:t>
+            </a:r>
+          </a:p>
+          <a:p>
+            <a:pPr lvl="1"/>
+            <a:r>
+              <a:rPr lang="de-CH" dirty="0"/>
+              <a:t>Designfragen nachhohlen</a:t>
+            </a:r>
+          </a:p>
+          <a:p>
+            <a:pPr lvl="1"/>
+            <a:r>
+              <a:rPr lang="de-CH" dirty="0"/>
+              <a:t>Refresh funktionierte nicht gut</a:t>
+            </a:r>
+          </a:p>
+          <a:p>
+            <a:pPr lvl="1"/>
+            <a:endParaRPr lang="de-CH" dirty="0"/>
+          </a:p>
+          <a:p>
+            <a:pPr lvl="1"/>
+            <a:endParaRPr lang="de-DE" dirty="0"/>
+          </a:p>
+          <a:p>
+            <a:endParaRPr lang="de-DE" dirty="0"/>
+          </a:p>
+        </p:txBody>
+      </p:sp>
+      <p:pic>
+        <p:nvPicPr>
+          <p:cNvPr id="7" name="Grafik 6"/>
+          <p:cNvPicPr>
+            <a:picLocks noChangeAspect="1"/>
+          </p:cNvPicPr>
+          <p:nvPr/>
+        </p:nvPicPr>
+        <p:blipFill rotWithShape="1">
+          <a:blip r:embed="rId2" cstate="print">
+            <a:extLst>
+              <a:ext uri="{28A0092B-C50C-407E-A947-70E740481C1C}">
+                <a14:useLocalDpi xmlns:a14="http://schemas.microsoft.com/office/drawing/2010/main" val="0"/>
+              </a:ext>
+            </a:extLst>
+          </a:blip>
+          <a:srcRect l="7239" t="34927" r="6353" b="7101"/>
+          <a:stretch/>
+        </p:blipFill>
+        <p:spPr>
+          <a:xfrm>
+            <a:off x="5906133" y="558967"/>
+            <a:ext cx="6079435" cy="5748875"/>
+          </a:xfrm>
+          <a:prstGeom prst="rect">
+            <a:avLst/>
+          </a:prstGeom>
+        </p:spPr>
+      </p:pic>
+    </p:spTree>
+    <p:extLst>
+      <p:ext uri="{BB962C8B-B14F-4D97-AF65-F5344CB8AC3E}">
+        <p14:creationId xmlns:p14="http://schemas.microsoft.com/office/powerpoint/2010/main" val="99153034"/>
+      </p:ext>
+    </p:extLst>
+  </p:cSld>
+  <p:clrMapOvr>
+    <a:masterClrMapping/>
+  </p:clrMapOvr>
+  <p:timing>
+    <p:tnLst>
+      <p:par>
+        <p:cTn id="1" dur="indefinite" restart="never" nodeType="tmRoot">
+          <p:childTnLst>
+            <p:seq concurrent="1" nextAc="seek">
+              <p:cTn id="2" dur="indefinite" nodeType="mainSeq">
+                <p:childTnLst>
+                  <p:par>
+                    <p:cTn id="3" fill="hold">
+                      <p:stCondLst>
+                        <p:cond delay="indefinite"/>
+                      </p:stCondLst>
+                      <p:childTnLst>
+                        <p:par>
+                          <p:cTn id="4" fill="hold">
+                            <p:stCondLst>
+                              <p:cond delay="0"/>
+                            </p:stCondLst>
+                            <p:childTnLst>
+                              <p:par>
+                                <p:cTn id="5" presetID="1" presetClass="entr" presetSubtype="0" fill="hold" grpId="0" nodeType="clickEffect">
+                                  <p:stCondLst>
+                                    <p:cond delay="0"/>
+                                  </p:stCondLst>
+                                  <p:childTnLst>
+                                    <p:set>
+                                      <p:cBhvr>
+                                        <p:cTn id="6" dur="1" fill="hold">
+                                          <p:stCondLst>
+                                            <p:cond delay="0"/>
+                                          </p:stCondLst>
+                                        </p:cTn>
+                                        <p:tgtEl>
+                                          <p:spTgt spid="3">
+                                            <p:txEl>
+                                              <p:pRg st="3" end="3"/>
+                                            </p:txEl>
+                                          </p:spTgt>
+                                        </p:tgtEl>
+                                        <p:attrNameLst>
+                                          <p:attrName>style.visibility</p:attrName>
+                                        </p:attrNameLst>
+                                      </p:cBhvr>
+                                      <p:to>
+                                        <p:strVal val="visible"/>
+                                      </p:to>
+                                    </p:set>
+                                  </p:childTnLst>
+                                </p:cTn>
+                              </p:par>
+                            </p:childTnLst>
+                          </p:cTn>
+                        </p:par>
+                      </p:childTnLst>
+                    </p:cTn>
+                  </p:par>
+                  <p:par>
+                    <p:cTn id="7" fill="hold">
+                      <p:stCondLst>
+                        <p:cond delay="indefinite"/>
+                      </p:stCondLst>
+                      <p:childTnLst>
+                        <p:par>
+                          <p:cTn id="8" fill="hold">
+                            <p:stCondLst>
+                              <p:cond delay="0"/>
+                            </p:stCondLst>
+                            <p:childTnLst>
+                              <p:par>
+                                <p:cTn id="9" presetID="1" presetClass="entr" presetSubtype="0" fill="hold" grpId="0" nodeType="clickEffect">
+                                  <p:stCondLst>
+                                    <p:cond delay="0"/>
+                                  </p:stCondLst>
+                                  <p:childTnLst>
+                                    <p:set>
+                                      <p:cBhvr>
+                                        <p:cTn id="10" dur="1" fill="hold">
+                                          <p:stCondLst>
+                                            <p:cond delay="0"/>
+                                          </p:stCondLst>
+                                        </p:cTn>
+                                        <p:tgtEl>
+                                          <p:spTgt spid="3">
+                                            <p:txEl>
+                                              <p:pRg st="4" end="4"/>
+                                            </p:txEl>
+                                          </p:spTgt>
+                                        </p:tgtEl>
+                                        <p:attrNameLst>
+                                          <p:attrName>style.visibility</p:attrName>
+                                        </p:attrNameLst>
+                                      </p:cBhvr>
+                                      <p:to>
+                                        <p:strVal val="visible"/>
+                                      </p:to>
+                                    </p:set>
+                                  </p:childTnLst>
+                                </p:cTn>
+                              </p:par>
+                            </p:childTnLst>
+                          </p:cTn>
+                        </p:par>
+                      </p:childTnLst>
+                    </p:cTn>
+                  </p:par>
+                  <p:par>
+                    <p:cTn id="11" fill="hold">
+                      <p:stCondLst>
+                        <p:cond delay="indefinite"/>
+                      </p:stCondLst>
+                      <p:childTnLst>
+                        <p:par>
+                          <p:cTn id="12" fill="hold">
+                            <p:stCondLst>
+                              <p:cond delay="0"/>
+                            </p:stCondLst>
+                            <p:childTnLst>
+                              <p:par>
+                                <p:cTn id="13" presetID="1" presetClass="entr" presetSubtype="0" fill="hold" grpId="0" nodeType="clickEffect">
+                                  <p:stCondLst>
+                                    <p:cond delay="0"/>
+                                  </p:stCondLst>
+                                  <p:childTnLst>
+                                    <p:set>
+                                      <p:cBhvr>
+                                        <p:cTn id="14" dur="1" fill="hold">
+                                          <p:stCondLst>
+                                            <p:cond delay="0"/>
+                                          </p:stCondLst>
+                                        </p:cTn>
+                                        <p:tgtEl>
+                                          <p:spTgt spid="3">
+                                            <p:txEl>
+                                              <p:pRg st="5" end="5"/>
+                                            </p:txEl>
+                                          </p:spTgt>
+                                        </p:tgtEl>
+                                        <p:attrNameLst>
+                                          <p:attrName>style.visibility</p:attrName>
+                                        </p:attrNameLst>
+                                      </p:cBhvr>
+                                      <p:to>
+                                        <p:strVal val="visible"/>
+                                      </p:to>
+                                    </p:set>
+                                  </p:childTnLst>
+                                </p:cTn>
+                              </p:par>
+                            </p:childTnLst>
+                          </p:cTn>
+                        </p:par>
+                      </p:childTnLst>
+                    </p:cTn>
+                  </p:par>
+                  <p:par>
+                    <p:cTn id="15" fill="hold">
+                      <p:stCondLst>
+                        <p:cond delay="indefinite"/>
+                      </p:stCondLst>
+                      <p:childTnLst>
+                        <p:par>
+                          <p:cTn id="16" fill="hold">
+                            <p:stCondLst>
+                              <p:cond delay="0"/>
+                            </p:stCondLst>
+                            <p:childTnLst>
+                              <p:par>
+                                <p:cTn id="17" presetID="1" presetClass="entr" presetSubtype="0" fill="hold" grpId="0" nodeType="clickEffect">
+                                  <p:stCondLst>
+                                    <p:cond delay="0"/>
+                                  </p:stCondLst>
+                                  <p:childTnLst>
+                                    <p:set>
+                                      <p:cBhvr>
+                                        <p:cTn id="18" dur="1" fill="hold">
+                                          <p:stCondLst>
+                                            <p:cond delay="0"/>
+                                          </p:stCondLst>
+                                        </p:cTn>
+                                        <p:tgtEl>
+                                          <p:spTgt spid="3">
+                                            <p:txEl>
+                                              <p:pRg st="6" end="6"/>
+                                            </p:txEl>
+                                          </p:spTgt>
+                                        </p:tgtEl>
+                                        <p:attrNameLst>
+                                          <p:attrName>style.visibility</p:attrName>
+                                        </p:attrNameLst>
+                                      </p:cBhvr>
+                                      <p:to>
+                                        <p:strVal val="visible"/>
+                                      </p:to>
+                                    </p:set>
+                                  </p:childTnLst>
+                                </p:cTn>
+                              </p:par>
+                            </p:childTnLst>
+                          </p:cTn>
+                        </p:par>
+                      </p:childTnLst>
+                    </p:cTn>
+                  </p:par>
+                  <p:par>
+                    <p:cTn id="19" fill="hold">
+                      <p:stCondLst>
+                        <p:cond delay="indefinite"/>
+                      </p:stCondLst>
+                      <p:childTnLst>
+                        <p:par>
+                          <p:cTn id="20" fill="hold">
+                            <p:stCondLst>
+                              <p:cond delay="0"/>
+                            </p:stCondLst>
+                            <p:childTnLst>
+                              <p:par>
+                                <p:cTn id="21" presetID="1" presetClass="entr" presetSubtype="0" fill="hold" grpId="0" nodeType="clickEffect">
+                                  <p:stCondLst>
+                                    <p:cond delay="0"/>
+                                  </p:stCondLst>
+                                  <p:childTnLst>
+                                    <p:set>
+                                      <p:cBhvr>
+                                        <p:cTn id="22" dur="1" fill="hold">
+                                          <p:stCondLst>
+                                            <p:cond delay="0"/>
+                                          </p:stCondLst>
+                                        </p:cTn>
+                                        <p:tgtEl>
+                                          <p:spTgt spid="3">
+                                            <p:txEl>
+                                              <p:pRg st="7" end="7"/>
+                                            </p:txEl>
+                                          </p:spTgt>
+                                        </p:tgtEl>
+                                        <p:attrNameLst>
+                                          <p:attrName>style.visibility</p:attrName>
+                                        </p:attrNameLst>
+                                      </p:cBhvr>
+                                      <p:to>
+                                        <p:strVal val="visible"/>
+                                      </p:to>
+                                    </p:set>
+                                  </p:childTnLst>
+                                </p:cTn>
+                              </p:par>
+                            </p:childTnLst>
+                          </p:cTn>
+                        </p:par>
+                      </p:childTnLst>
+                    </p:cTn>
+                  </p:par>
+                  <p:par>
+                    <p:cTn id="23" fill="hold">
+                      <p:stCondLst>
+                        <p:cond delay="indefinite"/>
+                      </p:stCondLst>
+                      <p:childTnLst>
+                        <p:par>
+                          <p:cTn id="24" fill="hold">
+                            <p:stCondLst>
+                              <p:cond delay="0"/>
+                            </p:stCondLst>
+                            <p:childTnLst>
+                              <p:par>
+                                <p:cTn id="25" presetID="1" presetClass="entr" presetSubtype="0" fill="hold" grpId="0" nodeType="clickEffect">
+                                  <p:stCondLst>
+                                    <p:cond delay="0"/>
+                                  </p:stCondLst>
+                                  <p:childTnLst>
+                                    <p:set>
+                                      <p:cBhvr>
+                                        <p:cTn id="26" dur="1" fill="hold">
+                                          <p:stCondLst>
+                                            <p:cond delay="0"/>
+                                          </p:stCondLst>
+                                        </p:cTn>
+                                        <p:tgtEl>
+                                          <p:spTgt spid="3">
+                                            <p:txEl>
+                                              <p:pRg st="8" end="8"/>
+                                            </p:txEl>
+                                          </p:spTgt>
+                                        </p:tgtEl>
+                                        <p:attrNameLst>
+                                          <p:attrName>style.visibility</p:attrName>
+                                        </p:attrNameLst>
+                                      </p:cBhvr>
+                                      <p:to>
+                                        <p:strVal val="visible"/>
+                                      </p:to>
+                                    </p:set>
+                                  </p:childTnLst>
+                                </p:cTn>
+                              </p:par>
+                            </p:childTnLst>
+                          </p:cTn>
+                        </p:par>
+                      </p:childTnLst>
+                    </p:cTn>
+                  </p:par>
+                </p:childTnLst>
+              </p:cTn>
+              <p:prevCondLst>
+                <p:cond evt="onPrev" delay="0">
+                  <p:tgtEl>
+                    <p:sldTgt/>
+                  </p:tgtEl>
+                </p:cond>
+              </p:prevCondLst>
+              <p:nextCondLst>
+                <p:cond evt="onNext" delay="0">
+                  <p:tgtEl>
+                    <p:sldTgt/>
+                  </p:tgtEl>
+                </p:cond>
+              </p:nextCondLst>
+            </p:seq>
+          </p:childTnLst>
+        </p:cTn>
+      </p:par>
+    </p:tnLst>
+    <p:bldLst>
+      <p:bldP spid="3" grpId="0" uiExpand="1" build="p"/>
+    </p:bldLst>
+  </p:timing>
+</p:sld>
+</file>
+
+<file path=ppt/slides/slide14.xml><?xml version="1.0" encoding="utf-8"?>
+<p:sld xmlns:a="http://schemas.openxmlformats.org/drawingml/2006/main" xmlns:r="http://schemas.openxmlformats.org/officeDocument/2006/relationships" xmlns:p="http://schemas.openxmlformats.org/presentationml/2006/main">
+  <p:cSld>
+    <p:spTree>
+      <p:nvGrpSpPr>
+        <p:cNvPr id="1" name=""/>
+        <p:cNvGrpSpPr/>
+        <p:nvPr/>
+      </p:nvGrpSpPr>
+      <p:grpSpPr>
+        <a:xfrm>
+          <a:off x="0" y="0"/>
+          <a:ext cx="0" cy="0"/>
+          <a:chOff x="0" y="0"/>
+          <a:chExt cx="0" cy="0"/>
+        </a:xfrm>
+      </p:grpSpPr>
+      <p:sp>
+        <p:nvSpPr>
+          <p:cNvPr id="2" name="Titel 1"/>
+          <p:cNvSpPr>
+            <a:spLocks noGrp="1"/>
+          </p:cNvSpPr>
+          <p:nvPr>
+            <p:ph type="title"/>
+          </p:nvPr>
+        </p:nvSpPr>
+        <p:spPr/>
+        <p:txBody>
+          <a:bodyPr/>
+          <a:lstStyle/>
+          <a:p>
+            <a:r>
+              <a:rPr lang="de-CH" dirty="0" err="1">
+                <a:solidFill>
+                  <a:srgbClr val="FF0000"/>
+                </a:solidFill>
+              </a:rPr>
+              <a:t>Lessons</a:t>
+            </a:r>
+            <a:r>
+              <a:rPr lang="de-CH" dirty="0">
+                <a:solidFill>
+                  <a:srgbClr val="FF0000"/>
+                </a:solidFill>
+              </a:rPr>
+              <a:t> </a:t>
+            </a:r>
+            <a:r>
+              <a:rPr lang="de-CH" dirty="0" err="1">
+                <a:solidFill>
+                  <a:srgbClr val="FF0000"/>
+                </a:solidFill>
+              </a:rPr>
+              <a:t>learned</a:t>
+            </a:r>
+            <a:endParaRPr lang="de-DE" dirty="0">
+              <a:solidFill>
+                <a:srgbClr val="FF0000"/>
+              </a:solidFill>
+            </a:endParaRPr>
+          </a:p>
+        </p:txBody>
+      </p:sp>
+      <p:sp>
+        <p:nvSpPr>
+          <p:cNvPr id="3" name="Inhaltsplatzhalter 2"/>
+          <p:cNvSpPr>
+            <a:spLocks noGrp="1"/>
+          </p:cNvSpPr>
+          <p:nvPr>
+            <p:ph idx="1"/>
+          </p:nvPr>
+        </p:nvSpPr>
+        <p:spPr/>
+        <p:txBody>
+          <a:bodyPr/>
+          <a:lstStyle/>
+          <a:p>
+            <a:r>
+              <a:rPr lang="de-CH" dirty="0" err="1"/>
               <a:t>Scrum</a:t>
             </a:r>
             <a:r>
@@ -4260,7 +5654,7 @@
         </p:blipFill>
         <p:spPr>
           <a:xfrm>
-            <a:off x="39197" y="2703262"/>
+            <a:off x="103502" y="2703262"/>
             <a:ext cx="12088498" cy="2922494"/>
           </a:xfrm>
           <a:prstGeom prst="rect">
@@ -4271,7 +5665,7 @@
     </p:spTree>
     <p:extLst>
       <p:ext uri="{BB962C8B-B14F-4D97-AF65-F5344CB8AC3E}">
-        <p14:creationId xmlns:p14="http://schemas.microsoft.com/office/powerpoint/2010/main" val="4229231334"/>
+        <p14:creationId xmlns:p14="http://schemas.microsoft.com/office/powerpoint/2010/main" val="2266546869"/>
       </p:ext>
     </p:extLst>
   </p:cSld>
@@ -4281,7 +5675,7 @@
 </p:sld>
 </file>
 
-<file path=ppt/slides/slide11.xml><?xml version="1.0" encoding="utf-8"?>
+<file path=ppt/slides/slide15.xml><?xml version="1.0" encoding="utf-8"?>
 <p:sld xmlns:a="http://schemas.openxmlformats.org/drawingml/2006/main" xmlns:r="http://schemas.openxmlformats.org/officeDocument/2006/relationships" xmlns:p="http://schemas.openxmlformats.org/presentationml/2006/main">
   <p:cSld>
     <p:spTree>
@@ -4518,7 +5912,7 @@
 </p:sld>
 </file>
 
-<file path=ppt/slides/slide12.xml><?xml version="1.0" encoding="utf-8"?>
+<file path=ppt/slides/slide16.xml><?xml version="1.0" encoding="utf-8"?>
 <p:sld xmlns:a="http://schemas.openxmlformats.org/drawingml/2006/main" xmlns:r="http://schemas.openxmlformats.org/officeDocument/2006/relationships" xmlns:p="http://schemas.openxmlformats.org/presentationml/2006/main">
   <p:cSld>
     <p:spTree>
@@ -4660,7 +6054,7 @@
 </p:sld>
 </file>
 
-<file path=ppt/slides/slide13.xml><?xml version="1.0" encoding="utf-8"?>
+<file path=ppt/slides/slide17.xml><?xml version="1.0" encoding="utf-8"?>
 <p:sld xmlns:a="http://schemas.openxmlformats.org/drawingml/2006/main" xmlns:r="http://schemas.openxmlformats.org/officeDocument/2006/relationships" xmlns:p="http://schemas.openxmlformats.org/presentationml/2006/main">
   <p:cSld>
     <p:spTree>
@@ -4826,7 +6220,7 @@
 </p:sld>
 </file>
 
-<file path=ppt/slides/slide14.xml><?xml version="1.0" encoding="utf-8"?>
+<file path=ppt/slides/slide18.xml><?xml version="1.0" encoding="utf-8"?>
 <p:sld xmlns:a="http://schemas.openxmlformats.org/drawingml/2006/main" xmlns:r="http://schemas.openxmlformats.org/officeDocument/2006/relationships" xmlns:p="http://schemas.openxmlformats.org/presentationml/2006/main">
   <p:cSld>
     <p:spTree>
@@ -4968,10 +6362,386 @@
   <p:clrMapOvr>
     <a:masterClrMapping/>
   </p:clrMapOvr>
+  <p:timing>
+    <p:tnLst>
+      <p:par>
+        <p:cTn id="1" dur="indefinite" restart="never" nodeType="tmRoot">
+          <p:childTnLst>
+            <p:seq concurrent="1" nextAc="seek">
+              <p:cTn id="2" dur="indefinite" nodeType="mainSeq">
+                <p:childTnLst>
+                  <p:par>
+                    <p:cTn id="3" fill="hold">
+                      <p:stCondLst>
+                        <p:cond delay="indefinite"/>
+                      </p:stCondLst>
+                      <p:childTnLst>
+                        <p:par>
+                          <p:cTn id="4" fill="hold">
+                            <p:stCondLst>
+                              <p:cond delay="0"/>
+                            </p:stCondLst>
+                            <p:childTnLst>
+                              <p:par>
+                                <p:cTn id="5" presetID="1" presetClass="entr" presetSubtype="0" fill="hold" grpId="0" nodeType="clickEffect">
+                                  <p:stCondLst>
+                                    <p:cond delay="0"/>
+                                  </p:stCondLst>
+                                  <p:childTnLst>
+                                    <p:set>
+                                      <p:cBhvr>
+                                        <p:cTn id="6" dur="1" fill="hold">
+                                          <p:stCondLst>
+                                            <p:cond delay="0"/>
+                                          </p:stCondLst>
+                                        </p:cTn>
+                                        <p:tgtEl>
+                                          <p:spTgt spid="3">
+                                            <p:txEl>
+                                              <p:pRg st="0" end="0"/>
+                                            </p:txEl>
+                                          </p:spTgt>
+                                        </p:tgtEl>
+                                        <p:attrNameLst>
+                                          <p:attrName>style.visibility</p:attrName>
+                                        </p:attrNameLst>
+                                      </p:cBhvr>
+                                      <p:to>
+                                        <p:strVal val="visible"/>
+                                      </p:to>
+                                    </p:set>
+                                  </p:childTnLst>
+                                </p:cTn>
+                              </p:par>
+                            </p:childTnLst>
+                          </p:cTn>
+                        </p:par>
+                      </p:childTnLst>
+                    </p:cTn>
+                  </p:par>
+                  <p:par>
+                    <p:cTn id="7" fill="hold">
+                      <p:stCondLst>
+                        <p:cond delay="indefinite"/>
+                      </p:stCondLst>
+                      <p:childTnLst>
+                        <p:par>
+                          <p:cTn id="8" fill="hold">
+                            <p:stCondLst>
+                              <p:cond delay="0"/>
+                            </p:stCondLst>
+                            <p:childTnLst>
+                              <p:par>
+                                <p:cTn id="9" presetID="1" presetClass="entr" presetSubtype="0" fill="hold" grpId="0" nodeType="clickEffect">
+                                  <p:stCondLst>
+                                    <p:cond delay="0"/>
+                                  </p:stCondLst>
+                                  <p:childTnLst>
+                                    <p:set>
+                                      <p:cBhvr>
+                                        <p:cTn id="10" dur="1" fill="hold">
+                                          <p:stCondLst>
+                                            <p:cond delay="0"/>
+                                          </p:stCondLst>
+                                        </p:cTn>
+                                        <p:tgtEl>
+                                          <p:spTgt spid="3">
+                                            <p:txEl>
+                                              <p:pRg st="1" end="1"/>
+                                            </p:txEl>
+                                          </p:spTgt>
+                                        </p:tgtEl>
+                                        <p:attrNameLst>
+                                          <p:attrName>style.visibility</p:attrName>
+                                        </p:attrNameLst>
+                                      </p:cBhvr>
+                                      <p:to>
+                                        <p:strVal val="visible"/>
+                                      </p:to>
+                                    </p:set>
+                                  </p:childTnLst>
+                                </p:cTn>
+                              </p:par>
+                            </p:childTnLst>
+                          </p:cTn>
+                        </p:par>
+                      </p:childTnLst>
+                    </p:cTn>
+                  </p:par>
+                  <p:par>
+                    <p:cTn id="11" fill="hold">
+                      <p:stCondLst>
+                        <p:cond delay="indefinite"/>
+                      </p:stCondLst>
+                      <p:childTnLst>
+                        <p:par>
+                          <p:cTn id="12" fill="hold">
+                            <p:stCondLst>
+                              <p:cond delay="0"/>
+                            </p:stCondLst>
+                            <p:childTnLst>
+                              <p:par>
+                                <p:cTn id="13" presetID="1" presetClass="entr" presetSubtype="0" fill="hold" grpId="0" nodeType="clickEffect">
+                                  <p:stCondLst>
+                                    <p:cond delay="0"/>
+                                  </p:stCondLst>
+                                  <p:childTnLst>
+                                    <p:set>
+                                      <p:cBhvr>
+                                        <p:cTn id="14" dur="1" fill="hold">
+                                          <p:stCondLst>
+                                            <p:cond delay="0"/>
+                                          </p:stCondLst>
+                                        </p:cTn>
+                                        <p:tgtEl>
+                                          <p:spTgt spid="3">
+                                            <p:txEl>
+                                              <p:pRg st="2" end="2"/>
+                                            </p:txEl>
+                                          </p:spTgt>
+                                        </p:tgtEl>
+                                        <p:attrNameLst>
+                                          <p:attrName>style.visibility</p:attrName>
+                                        </p:attrNameLst>
+                                      </p:cBhvr>
+                                      <p:to>
+                                        <p:strVal val="visible"/>
+                                      </p:to>
+                                    </p:set>
+                                  </p:childTnLst>
+                                </p:cTn>
+                              </p:par>
+                            </p:childTnLst>
+                          </p:cTn>
+                        </p:par>
+                      </p:childTnLst>
+                    </p:cTn>
+                  </p:par>
+                  <p:par>
+                    <p:cTn id="15" fill="hold">
+                      <p:stCondLst>
+                        <p:cond delay="indefinite"/>
+                      </p:stCondLst>
+                      <p:childTnLst>
+                        <p:par>
+                          <p:cTn id="16" fill="hold">
+                            <p:stCondLst>
+                              <p:cond delay="0"/>
+                            </p:stCondLst>
+                            <p:childTnLst>
+                              <p:par>
+                                <p:cTn id="17" presetID="1" presetClass="entr" presetSubtype="0" fill="hold" grpId="0" nodeType="clickEffect">
+                                  <p:stCondLst>
+                                    <p:cond delay="0"/>
+                                  </p:stCondLst>
+                                  <p:childTnLst>
+                                    <p:set>
+                                      <p:cBhvr>
+                                        <p:cTn id="18" dur="1" fill="hold">
+                                          <p:stCondLst>
+                                            <p:cond delay="0"/>
+                                          </p:stCondLst>
+                                        </p:cTn>
+                                        <p:tgtEl>
+                                          <p:spTgt spid="3">
+                                            <p:txEl>
+                                              <p:pRg st="3" end="3"/>
+                                            </p:txEl>
+                                          </p:spTgt>
+                                        </p:tgtEl>
+                                        <p:attrNameLst>
+                                          <p:attrName>style.visibility</p:attrName>
+                                        </p:attrNameLst>
+                                      </p:cBhvr>
+                                      <p:to>
+                                        <p:strVal val="visible"/>
+                                      </p:to>
+                                    </p:set>
+                                  </p:childTnLst>
+                                </p:cTn>
+                              </p:par>
+                            </p:childTnLst>
+                          </p:cTn>
+                        </p:par>
+                      </p:childTnLst>
+                    </p:cTn>
+                  </p:par>
+                  <p:par>
+                    <p:cTn id="19" fill="hold">
+                      <p:stCondLst>
+                        <p:cond delay="indefinite"/>
+                      </p:stCondLst>
+                      <p:childTnLst>
+                        <p:par>
+                          <p:cTn id="20" fill="hold">
+                            <p:stCondLst>
+                              <p:cond delay="0"/>
+                            </p:stCondLst>
+                            <p:childTnLst>
+                              <p:par>
+                                <p:cTn id="21" presetID="1" presetClass="entr" presetSubtype="0" fill="hold" grpId="0" nodeType="clickEffect">
+                                  <p:stCondLst>
+                                    <p:cond delay="0"/>
+                                  </p:stCondLst>
+                                  <p:childTnLst>
+                                    <p:set>
+                                      <p:cBhvr>
+                                        <p:cTn id="22" dur="1" fill="hold">
+                                          <p:stCondLst>
+                                            <p:cond delay="0"/>
+                                          </p:stCondLst>
+                                        </p:cTn>
+                                        <p:tgtEl>
+                                          <p:spTgt spid="3">
+                                            <p:txEl>
+                                              <p:pRg st="4" end="4"/>
+                                            </p:txEl>
+                                          </p:spTgt>
+                                        </p:tgtEl>
+                                        <p:attrNameLst>
+                                          <p:attrName>style.visibility</p:attrName>
+                                        </p:attrNameLst>
+                                      </p:cBhvr>
+                                      <p:to>
+                                        <p:strVal val="visible"/>
+                                      </p:to>
+                                    </p:set>
+                                  </p:childTnLst>
+                                </p:cTn>
+                              </p:par>
+                            </p:childTnLst>
+                          </p:cTn>
+                        </p:par>
+                      </p:childTnLst>
+                    </p:cTn>
+                  </p:par>
+                  <p:par>
+                    <p:cTn id="23" fill="hold">
+                      <p:stCondLst>
+                        <p:cond delay="indefinite"/>
+                      </p:stCondLst>
+                      <p:childTnLst>
+                        <p:par>
+                          <p:cTn id="24" fill="hold">
+                            <p:stCondLst>
+                              <p:cond delay="0"/>
+                            </p:stCondLst>
+                            <p:childTnLst>
+                              <p:par>
+                                <p:cTn id="25" presetID="1" presetClass="entr" presetSubtype="0" fill="hold" grpId="0" nodeType="clickEffect">
+                                  <p:stCondLst>
+                                    <p:cond delay="0"/>
+                                  </p:stCondLst>
+                                  <p:childTnLst>
+                                    <p:set>
+                                      <p:cBhvr>
+                                        <p:cTn id="26" dur="1" fill="hold">
+                                          <p:stCondLst>
+                                            <p:cond delay="0"/>
+                                          </p:stCondLst>
+                                        </p:cTn>
+                                        <p:tgtEl>
+                                          <p:spTgt spid="3">
+                                            <p:txEl>
+                                              <p:pRg st="5" end="5"/>
+                                            </p:txEl>
+                                          </p:spTgt>
+                                        </p:tgtEl>
+                                        <p:attrNameLst>
+                                          <p:attrName>style.visibility</p:attrName>
+                                        </p:attrNameLst>
+                                      </p:cBhvr>
+                                      <p:to>
+                                        <p:strVal val="visible"/>
+                                      </p:to>
+                                    </p:set>
+                                  </p:childTnLst>
+                                </p:cTn>
+                              </p:par>
+                            </p:childTnLst>
+                          </p:cTn>
+                        </p:par>
+                      </p:childTnLst>
+                    </p:cTn>
+                  </p:par>
+                  <p:par>
+                    <p:cTn id="27" fill="hold">
+                      <p:stCondLst>
+                        <p:cond delay="indefinite"/>
+                      </p:stCondLst>
+                      <p:childTnLst>
+                        <p:par>
+                          <p:cTn id="28" fill="hold">
+                            <p:stCondLst>
+                              <p:cond delay="0"/>
+                            </p:stCondLst>
+                            <p:childTnLst>
+                              <p:par>
+                                <p:cTn id="29" presetID="1" presetClass="entr" presetSubtype="0" fill="hold" grpId="0" nodeType="clickEffect">
+                                  <p:stCondLst>
+                                    <p:cond delay="0"/>
+                                  </p:stCondLst>
+                                  <p:childTnLst>
+                                    <p:set>
+                                      <p:cBhvr>
+                                        <p:cTn id="30" dur="1" fill="hold">
+                                          <p:stCondLst>
+                                            <p:cond delay="0"/>
+                                          </p:stCondLst>
+                                        </p:cTn>
+                                        <p:tgtEl>
+                                          <p:spTgt spid="3">
+                                            <p:txEl>
+                                              <p:pRg st="6" end="6"/>
+                                            </p:txEl>
+                                          </p:spTgt>
+                                        </p:tgtEl>
+                                        <p:attrNameLst>
+                                          <p:attrName>style.visibility</p:attrName>
+                                        </p:attrNameLst>
+                                      </p:cBhvr>
+                                      <p:to>
+                                        <p:strVal val="visible"/>
+                                      </p:to>
+                                    </p:set>
+                                  </p:childTnLst>
+                                </p:cTn>
+                              </p:par>
+                            </p:childTnLst>
+                          </p:cTn>
+                        </p:par>
+                      </p:childTnLst>
+                    </p:cTn>
+                  </p:par>
+                </p:childTnLst>
+              </p:cTn>
+              <p:prevCondLst>
+                <p:cond evt="onPrev" delay="0">
+                  <p:tgtEl>
+                    <p:sldTgt/>
+                  </p:tgtEl>
+                </p:cond>
+              </p:prevCondLst>
+              <p:nextCondLst>
+                <p:cond evt="onNext" delay="0">
+                  <p:tgtEl>
+                    <p:sldTgt/>
+                  </p:tgtEl>
+                </p:cond>
+              </p:nextCondLst>
+            </p:seq>
+          </p:childTnLst>
+        </p:cTn>
+      </p:par>
+    </p:tnLst>
+    <p:bldLst>
+      <p:bldP spid="3" grpId="0" build="p"/>
+    </p:bldLst>
+  </p:timing>
 </p:sld>
 </file>
 
-<file path=ppt/slides/slide15.xml><?xml version="1.0" encoding="utf-8"?>
+<file path=ppt/slides/slide19.xml><?xml version="1.0" encoding="utf-8"?>
 <p:sld xmlns:a="http://schemas.openxmlformats.org/drawingml/2006/main" xmlns:r="http://schemas.openxmlformats.org/officeDocument/2006/relationships" xmlns:p="http://schemas.openxmlformats.org/presentationml/2006/main">
   <p:cSld>
     <p:spTree>
@@ -5204,7 +6974,15 @@
                   <a:srgbClr val="FF0000"/>
                 </a:solidFill>
               </a:rPr>
-              <a:t>contributios</a:t>
+              <a:t>contributions</a:t>
+            </a:r>
+            <a:r>
+              <a:rPr lang="de-CH" dirty="0">
+                <a:solidFill>
+                  <a:srgbClr val="FF0000"/>
+                </a:solidFill>
+              </a:rPr>
+              <a:t> Code </a:t>
             </a:r>
             <a:endParaRPr lang="de-DE" dirty="0">
               <a:solidFill>
@@ -5231,8 +7009,13 @@
           <a:p>
             <a:r>
               <a:rPr lang="de-CH" dirty="0"/>
-              <a:t>Code:</a:t>
-            </a:r>
+              <a:t>Ludovic </a:t>
+            </a:r>
+            <a:r>
+              <a:rPr lang="de-CH" dirty="0" err="1"/>
+              <a:t>Frehner</a:t>
+            </a:r>
+            <a:endParaRPr lang="de-CH" dirty="0"/>
           </a:p>
           <a:p>
             <a:pPr lvl="1"/>
@@ -5240,18 +7023,7 @@
               <a:rPr lang="de-CH" dirty="0" err="1"/>
               <a:t>Persistence</a:t>
             </a:r>
-            <a:r>
-              <a:rPr lang="de-CH" dirty="0"/>
-              <a:t> (Ludovic </a:t>
-            </a:r>
-            <a:r>
-              <a:rPr lang="de-CH" dirty="0" err="1"/>
-              <a:t>Frehner</a:t>
-            </a:r>
-            <a:r>
-              <a:rPr lang="de-CH" dirty="0"/>
-              <a:t>)</a:t>
-            </a:r>
+            <a:endParaRPr lang="de-CH" dirty="0"/>
           </a:p>
           <a:p>
             <a:pPr lvl="1"/>
@@ -5261,69 +7033,9 @@
             </a:r>
             <a:r>
               <a:rPr lang="de-CH" dirty="0" err="1"/>
-              <a:t>implemented</a:t>
-            </a:r>
-            <a:r>
-              <a:rPr lang="de-CH" dirty="0"/>
-              <a:t> (Ludovic </a:t>
-            </a:r>
-            <a:r>
-              <a:rPr lang="de-CH" dirty="0" err="1"/>
-              <a:t>Frehner</a:t>
-            </a:r>
-            <a:r>
-              <a:rPr lang="de-CH" dirty="0"/>
-              <a:t>)</a:t>
-            </a:r>
-          </a:p>
-          <a:p>
-            <a:pPr lvl="1"/>
-            <a:r>
-              <a:rPr lang="de-CH" dirty="0" err="1"/>
-              <a:t>Tabtreatment</a:t>
-            </a:r>
-            <a:r>
-              <a:rPr lang="de-CH" dirty="0"/>
-              <a:t> (Luca Ramos)</a:t>
-            </a:r>
-          </a:p>
-          <a:p>
-            <a:pPr lvl="1"/>
-            <a:r>
-              <a:rPr lang="de-CH" dirty="0" err="1"/>
-              <a:t>TabAddictions</a:t>
-            </a:r>
-            <a:r>
-              <a:rPr lang="de-CH" dirty="0"/>
-              <a:t> (Antoni Tomic, </a:t>
-            </a:r>
-            <a:r>
-              <a:rPr lang="de-CH" dirty="0" err="1"/>
-              <a:t>Massah</a:t>
-            </a:r>
-            <a:r>
-              <a:rPr lang="de-CH" dirty="0"/>
-              <a:t> Hamidi)</a:t>
-            </a:r>
-          </a:p>
-          <a:p>
-            <a:pPr lvl="1"/>
-            <a:r>
-              <a:rPr lang="de-CH" dirty="0" err="1"/>
-              <a:t>TabPatients</a:t>
-            </a:r>
-            <a:r>
-              <a:rPr lang="de-CH" dirty="0"/>
-              <a:t> (Hager Magdub, Roberto </a:t>
-            </a:r>
-            <a:r>
-              <a:rPr lang="de-CH" dirty="0" err="1"/>
-              <a:t>Tangarife</a:t>
-            </a:r>
-            <a:r>
-              <a:rPr lang="de-CH" dirty="0"/>
-              <a:t>)</a:t>
-            </a:r>
+              <a:t>implementation</a:t>
+            </a:r>
+            <a:endParaRPr lang="de-CH" dirty="0"/>
           </a:p>
           <a:p>
             <a:pPr lvl="1"/>
@@ -5331,41 +7043,7 @@
               <a:rPr lang="de-CH" dirty="0" err="1"/>
               <a:t>TabInstitution</a:t>
             </a:r>
-            <a:r>
-              <a:rPr lang="de-CH" dirty="0"/>
-              <a:t> (Ludovic </a:t>
-            </a:r>
-            <a:r>
-              <a:rPr lang="de-CH" dirty="0" err="1"/>
-              <a:t>Frehner</a:t>
-            </a:r>
-            <a:r>
-              <a:rPr lang="de-CH" dirty="0"/>
-              <a:t>)</a:t>
-            </a:r>
-          </a:p>
-          <a:p>
-            <a:pPr lvl="1"/>
-            <a:r>
-              <a:rPr lang="de-CH" dirty="0"/>
-              <a:t>Login (Hager Magdub, Roberto </a:t>
-            </a:r>
-            <a:r>
-              <a:rPr lang="de-CH" dirty="0" err="1"/>
-              <a:t>Tangarife</a:t>
-            </a:r>
-            <a:r>
-              <a:rPr lang="de-CH" dirty="0"/>
-              <a:t>, </a:t>
-            </a:r>
-            <a:r>
-              <a:rPr lang="de-CH" dirty="0" err="1"/>
-              <a:t>Massah</a:t>
-            </a:r>
-            <a:r>
-              <a:rPr lang="de-CH" dirty="0"/>
-              <a:t> Hamdi)</a:t>
-            </a:r>
+            <a:endParaRPr lang="de-CH" dirty="0"/>
           </a:p>
           <a:p>
             <a:pPr lvl="1"/>
@@ -5381,17 +7059,49 @@
               <a:rPr lang="de-CH" dirty="0" err="1"/>
               <a:t>statistic</a:t>
             </a:r>
+            <a:endParaRPr lang="de-CH" dirty="0"/>
+          </a:p>
+          <a:p>
+            <a:pPr lvl="1"/>
             <a:r>
               <a:rPr lang="de-CH" dirty="0"/>
-              <a:t> (Luca Ramos, Antoni Tomic, Ludovic </a:t>
+              <a:t>Review / </a:t>
             </a:r>
             <a:r>
               <a:rPr lang="de-CH" dirty="0" err="1"/>
-              <a:t>Frehner</a:t>
+              <a:t>control</a:t>
             </a:r>
             <a:r>
               <a:rPr lang="de-CH" dirty="0"/>
-              <a:t>)</a:t>
+              <a:t> / </a:t>
+            </a:r>
+            <a:r>
+              <a:rPr lang="de-CH" dirty="0" err="1"/>
+              <a:t>improvement</a:t>
+            </a:r>
+            <a:r>
+              <a:rPr lang="de-CH" dirty="0"/>
+              <a:t> </a:t>
+            </a:r>
+            <a:r>
+              <a:rPr lang="de-CH" dirty="0" err="1"/>
+              <a:t>of</a:t>
+            </a:r>
+            <a:r>
+              <a:rPr lang="de-CH" dirty="0"/>
+              <a:t> </a:t>
+            </a:r>
+            <a:r>
+              <a:rPr lang="de-CH" dirty="0" err="1"/>
+              <a:t>other</a:t>
+            </a:r>
+            <a:r>
+              <a:rPr lang="de-CH" dirty="0"/>
+              <a:t> </a:t>
+            </a:r>
+            <a:r>
+              <a:rPr lang="de-CH" dirty="0" err="1"/>
+              <a:t>code</a:t>
             </a:r>
             <a:endParaRPr lang="de-DE" dirty="0"/>
           </a:p>
@@ -5411,6 +7121,2830 @@
 </file>
 
 <file path=ppt/slides/slide4.xml><?xml version="1.0" encoding="utf-8"?>
+<p:sld xmlns:a="http://schemas.openxmlformats.org/drawingml/2006/main" xmlns:r="http://schemas.openxmlformats.org/officeDocument/2006/relationships" xmlns:p="http://schemas.openxmlformats.org/presentationml/2006/main">
+  <p:cSld>
+    <p:spTree>
+      <p:nvGrpSpPr>
+        <p:cNvPr id="1" name=""/>
+        <p:cNvGrpSpPr/>
+        <p:nvPr/>
+      </p:nvGrpSpPr>
+      <p:grpSpPr>
+        <a:xfrm>
+          <a:off x="0" y="0"/>
+          <a:ext cx="0" cy="0"/>
+          <a:chOff x="0" y="0"/>
+          <a:chExt cx="0" cy="0"/>
+        </a:xfrm>
+      </p:grpSpPr>
+      <p:sp>
+        <p:nvSpPr>
+          <p:cNvPr id="2" name="Titel 1"/>
+          <p:cNvSpPr>
+            <a:spLocks noGrp="1"/>
+          </p:cNvSpPr>
+          <p:nvPr>
+            <p:ph type="title"/>
+          </p:nvPr>
+        </p:nvSpPr>
+        <p:spPr/>
+        <p:txBody>
+          <a:bodyPr/>
+          <a:lstStyle/>
+          <a:p>
+            <a:r>
+              <a:rPr lang="de-CH" dirty="0">
+                <a:solidFill>
+                  <a:srgbClr val="FF0000"/>
+                </a:solidFill>
+              </a:rPr>
+              <a:t>Personal </a:t>
+            </a:r>
+            <a:r>
+              <a:rPr lang="de-CH" dirty="0" err="1">
+                <a:solidFill>
+                  <a:srgbClr val="FF0000"/>
+                </a:solidFill>
+              </a:rPr>
+              <a:t>contributions</a:t>
+            </a:r>
+            <a:r>
+              <a:rPr lang="de-CH" dirty="0">
+                <a:solidFill>
+                  <a:srgbClr val="FF0000"/>
+                </a:solidFill>
+              </a:rPr>
+              <a:t> Code </a:t>
+            </a:r>
+            <a:endParaRPr lang="de-DE" dirty="0">
+              <a:solidFill>
+                <a:srgbClr val="FF0000"/>
+              </a:solidFill>
+            </a:endParaRPr>
+          </a:p>
+        </p:txBody>
+      </p:sp>
+      <p:sp>
+        <p:nvSpPr>
+          <p:cNvPr id="3" name="Inhaltsplatzhalter 2"/>
+          <p:cNvSpPr>
+            <a:spLocks noGrp="1"/>
+          </p:cNvSpPr>
+          <p:nvPr>
+            <p:ph idx="1"/>
+          </p:nvPr>
+        </p:nvSpPr>
+        <p:spPr/>
+        <p:txBody>
+          <a:bodyPr/>
+          <a:lstStyle/>
+          <a:p>
+            <a:r>
+              <a:rPr lang="de-CH" dirty="0"/>
+              <a:t>Luca Ramos</a:t>
+            </a:r>
+          </a:p>
+          <a:p>
+            <a:pPr lvl="1"/>
+            <a:r>
+              <a:rPr lang="de-CH" dirty="0" err="1"/>
+              <a:t>Tabtreatment</a:t>
+            </a:r>
+            <a:endParaRPr lang="de-CH" dirty="0"/>
+          </a:p>
+          <a:p>
+            <a:pPr lvl="1"/>
+            <a:r>
+              <a:rPr lang="de-CH" dirty="0" err="1"/>
+              <a:t>Calculation</a:t>
+            </a:r>
+            <a:r>
+              <a:rPr lang="de-CH" dirty="0"/>
+              <a:t> </a:t>
+            </a:r>
+            <a:r>
+              <a:rPr lang="de-CH" dirty="0" err="1"/>
+              <a:t>statistic</a:t>
+            </a:r>
+            <a:endParaRPr lang="de-CH" dirty="0"/>
+          </a:p>
+          <a:p>
+            <a:pPr lvl="1"/>
+            <a:endParaRPr lang="de-CH" dirty="0"/>
+          </a:p>
+          <a:p>
+            <a:r>
+              <a:rPr lang="de-CH" dirty="0"/>
+              <a:t>Antoni Tomic</a:t>
+            </a:r>
+          </a:p>
+          <a:p>
+            <a:pPr lvl="1"/>
+            <a:r>
+              <a:rPr lang="de-CH" dirty="0" err="1"/>
+              <a:t>TabAddictions</a:t>
+            </a:r>
+            <a:endParaRPr lang="de-CH" dirty="0"/>
+          </a:p>
+          <a:p>
+            <a:pPr lvl="1"/>
+            <a:r>
+              <a:rPr lang="de-CH" dirty="0" err="1"/>
+              <a:t>Calculation</a:t>
+            </a:r>
+            <a:r>
+              <a:rPr lang="de-CH" dirty="0"/>
+              <a:t> </a:t>
+            </a:r>
+            <a:r>
+              <a:rPr lang="de-CH" dirty="0" err="1"/>
+              <a:t>statistic</a:t>
+            </a:r>
+            <a:endParaRPr lang="de-CH" dirty="0"/>
+          </a:p>
+          <a:p>
+            <a:pPr lvl="1"/>
+            <a:endParaRPr lang="de-DE" dirty="0"/>
+          </a:p>
+        </p:txBody>
+      </p:sp>
+    </p:spTree>
+    <p:extLst>
+      <p:ext uri="{BB962C8B-B14F-4D97-AF65-F5344CB8AC3E}">
+        <p14:creationId xmlns:p14="http://schemas.microsoft.com/office/powerpoint/2010/main" val="3367358277"/>
+      </p:ext>
+    </p:extLst>
+  </p:cSld>
+  <p:clrMapOvr>
+    <a:masterClrMapping/>
+  </p:clrMapOvr>
+  <p:timing>
+    <p:tnLst>
+      <p:par>
+        <p:cTn id="1" dur="indefinite" restart="never" nodeType="tmRoot">
+          <p:childTnLst>
+            <p:seq concurrent="1" nextAc="seek">
+              <p:cTn id="2" dur="indefinite" nodeType="mainSeq">
+                <p:childTnLst>
+                  <p:par>
+                    <p:cTn id="3" fill="hold">
+                      <p:stCondLst>
+                        <p:cond delay="indefinite"/>
+                      </p:stCondLst>
+                      <p:childTnLst>
+                        <p:par>
+                          <p:cTn id="4" fill="hold">
+                            <p:stCondLst>
+                              <p:cond delay="0"/>
+                            </p:stCondLst>
+                            <p:childTnLst>
+                              <p:par>
+                                <p:cTn id="5" presetID="1" presetClass="entr" presetSubtype="0" fill="hold" grpId="0" nodeType="clickEffect">
+                                  <p:stCondLst>
+                                    <p:cond delay="0"/>
+                                  </p:stCondLst>
+                                  <p:childTnLst>
+                                    <p:set>
+                                      <p:cBhvr>
+                                        <p:cTn id="6" dur="1" fill="hold">
+                                          <p:stCondLst>
+                                            <p:cond delay="0"/>
+                                          </p:stCondLst>
+                                        </p:cTn>
+                                        <p:tgtEl>
+                                          <p:spTgt spid="3">
+                                            <p:txEl>
+                                              <p:pRg st="0" end="0"/>
+                                            </p:txEl>
+                                          </p:spTgt>
+                                        </p:tgtEl>
+                                        <p:attrNameLst>
+                                          <p:attrName>style.visibility</p:attrName>
+                                        </p:attrNameLst>
+                                      </p:cBhvr>
+                                      <p:to>
+                                        <p:strVal val="visible"/>
+                                      </p:to>
+                                    </p:set>
+                                  </p:childTnLst>
+                                </p:cTn>
+                              </p:par>
+                              <p:par>
+                                <p:cTn id="7" presetID="1" presetClass="entr" presetSubtype="0" fill="hold" grpId="0" nodeType="withEffect">
+                                  <p:stCondLst>
+                                    <p:cond delay="0"/>
+                                  </p:stCondLst>
+                                  <p:childTnLst>
+                                    <p:set>
+                                      <p:cBhvr>
+                                        <p:cTn id="8" dur="1" fill="hold">
+                                          <p:stCondLst>
+                                            <p:cond delay="0"/>
+                                          </p:stCondLst>
+                                        </p:cTn>
+                                        <p:tgtEl>
+                                          <p:spTgt spid="3">
+                                            <p:txEl>
+                                              <p:pRg st="1" end="1"/>
+                                            </p:txEl>
+                                          </p:spTgt>
+                                        </p:tgtEl>
+                                        <p:attrNameLst>
+                                          <p:attrName>style.visibility</p:attrName>
+                                        </p:attrNameLst>
+                                      </p:cBhvr>
+                                      <p:to>
+                                        <p:strVal val="visible"/>
+                                      </p:to>
+                                    </p:set>
+                                  </p:childTnLst>
+                                </p:cTn>
+                              </p:par>
+                              <p:par>
+                                <p:cTn id="9" presetID="1" presetClass="entr" presetSubtype="0" fill="hold" grpId="0" nodeType="withEffect">
+                                  <p:stCondLst>
+                                    <p:cond delay="0"/>
+                                  </p:stCondLst>
+                                  <p:childTnLst>
+                                    <p:set>
+                                      <p:cBhvr>
+                                        <p:cTn id="10" dur="1" fill="hold">
+                                          <p:stCondLst>
+                                            <p:cond delay="0"/>
+                                          </p:stCondLst>
+                                        </p:cTn>
+                                        <p:tgtEl>
+                                          <p:spTgt spid="3">
+                                            <p:txEl>
+                                              <p:pRg st="2" end="2"/>
+                                            </p:txEl>
+                                          </p:spTgt>
+                                        </p:tgtEl>
+                                        <p:attrNameLst>
+                                          <p:attrName>style.visibility</p:attrName>
+                                        </p:attrNameLst>
+                                      </p:cBhvr>
+                                      <p:to>
+                                        <p:strVal val="visible"/>
+                                      </p:to>
+                                    </p:set>
+                                  </p:childTnLst>
+                                </p:cTn>
+                              </p:par>
+                            </p:childTnLst>
+                          </p:cTn>
+                        </p:par>
+                      </p:childTnLst>
+                    </p:cTn>
+                  </p:par>
+                  <p:par>
+                    <p:cTn id="11" fill="hold">
+                      <p:stCondLst>
+                        <p:cond delay="indefinite"/>
+                      </p:stCondLst>
+                      <p:childTnLst>
+                        <p:par>
+                          <p:cTn id="12" fill="hold">
+                            <p:stCondLst>
+                              <p:cond delay="0"/>
+                            </p:stCondLst>
+                            <p:childTnLst>
+                              <p:par>
+                                <p:cTn id="13" presetID="1" presetClass="entr" presetSubtype="0" fill="hold" grpId="0" nodeType="clickEffect">
+                                  <p:stCondLst>
+                                    <p:cond delay="0"/>
+                                  </p:stCondLst>
+                                  <p:childTnLst>
+                                    <p:set>
+                                      <p:cBhvr>
+                                        <p:cTn id="14" dur="1" fill="hold">
+                                          <p:stCondLst>
+                                            <p:cond delay="0"/>
+                                          </p:stCondLst>
+                                        </p:cTn>
+                                        <p:tgtEl>
+                                          <p:spTgt spid="3">
+                                            <p:txEl>
+                                              <p:pRg st="4" end="4"/>
+                                            </p:txEl>
+                                          </p:spTgt>
+                                        </p:tgtEl>
+                                        <p:attrNameLst>
+                                          <p:attrName>style.visibility</p:attrName>
+                                        </p:attrNameLst>
+                                      </p:cBhvr>
+                                      <p:to>
+                                        <p:strVal val="visible"/>
+                                      </p:to>
+                                    </p:set>
+                                  </p:childTnLst>
+                                </p:cTn>
+                              </p:par>
+                              <p:par>
+                                <p:cTn id="15" presetID="1" presetClass="entr" presetSubtype="0" fill="hold" grpId="0" nodeType="withEffect">
+                                  <p:stCondLst>
+                                    <p:cond delay="0"/>
+                                  </p:stCondLst>
+                                  <p:childTnLst>
+                                    <p:set>
+                                      <p:cBhvr>
+                                        <p:cTn id="16" dur="1" fill="hold">
+                                          <p:stCondLst>
+                                            <p:cond delay="0"/>
+                                          </p:stCondLst>
+                                        </p:cTn>
+                                        <p:tgtEl>
+                                          <p:spTgt spid="3">
+                                            <p:txEl>
+                                              <p:pRg st="5" end="5"/>
+                                            </p:txEl>
+                                          </p:spTgt>
+                                        </p:tgtEl>
+                                        <p:attrNameLst>
+                                          <p:attrName>style.visibility</p:attrName>
+                                        </p:attrNameLst>
+                                      </p:cBhvr>
+                                      <p:to>
+                                        <p:strVal val="visible"/>
+                                      </p:to>
+                                    </p:set>
+                                  </p:childTnLst>
+                                </p:cTn>
+                              </p:par>
+                              <p:par>
+                                <p:cTn id="17" presetID="1" presetClass="entr" presetSubtype="0" fill="hold" grpId="0" nodeType="withEffect">
+                                  <p:stCondLst>
+                                    <p:cond delay="0"/>
+                                  </p:stCondLst>
+                                  <p:childTnLst>
+                                    <p:set>
+                                      <p:cBhvr>
+                                        <p:cTn id="18" dur="1" fill="hold">
+                                          <p:stCondLst>
+                                            <p:cond delay="0"/>
+                                          </p:stCondLst>
+                                        </p:cTn>
+                                        <p:tgtEl>
+                                          <p:spTgt spid="3">
+                                            <p:txEl>
+                                              <p:pRg st="6" end="6"/>
+                                            </p:txEl>
+                                          </p:spTgt>
+                                        </p:tgtEl>
+                                        <p:attrNameLst>
+                                          <p:attrName>style.visibility</p:attrName>
+                                        </p:attrNameLst>
+                                      </p:cBhvr>
+                                      <p:to>
+                                        <p:strVal val="visible"/>
+                                      </p:to>
+                                    </p:set>
+                                  </p:childTnLst>
+                                </p:cTn>
+                              </p:par>
+                            </p:childTnLst>
+                          </p:cTn>
+                        </p:par>
+                      </p:childTnLst>
+                    </p:cTn>
+                  </p:par>
+                </p:childTnLst>
+              </p:cTn>
+              <p:prevCondLst>
+                <p:cond evt="onPrev" delay="0">
+                  <p:tgtEl>
+                    <p:sldTgt/>
+                  </p:tgtEl>
+                </p:cond>
+              </p:prevCondLst>
+              <p:nextCondLst>
+                <p:cond evt="onNext" delay="0">
+                  <p:tgtEl>
+                    <p:sldTgt/>
+                  </p:tgtEl>
+                </p:cond>
+              </p:nextCondLst>
+            </p:seq>
+          </p:childTnLst>
+        </p:cTn>
+      </p:par>
+    </p:tnLst>
+    <p:bldLst>
+      <p:bldP spid="3" grpId="0" build="p"/>
+    </p:bldLst>
+  </p:timing>
+</p:sld>
+</file>
+
+<file path=ppt/slides/slide5.xml><?xml version="1.0" encoding="utf-8"?>
+<p:sld xmlns:a="http://schemas.openxmlformats.org/drawingml/2006/main" xmlns:r="http://schemas.openxmlformats.org/officeDocument/2006/relationships" xmlns:p="http://schemas.openxmlformats.org/presentationml/2006/main">
+  <p:cSld>
+    <p:spTree>
+      <p:nvGrpSpPr>
+        <p:cNvPr id="1" name=""/>
+        <p:cNvGrpSpPr/>
+        <p:nvPr/>
+      </p:nvGrpSpPr>
+      <p:grpSpPr>
+        <a:xfrm>
+          <a:off x="0" y="0"/>
+          <a:ext cx="0" cy="0"/>
+          <a:chOff x="0" y="0"/>
+          <a:chExt cx="0" cy="0"/>
+        </a:xfrm>
+      </p:grpSpPr>
+      <p:sp>
+        <p:nvSpPr>
+          <p:cNvPr id="2" name="Titel 1"/>
+          <p:cNvSpPr>
+            <a:spLocks noGrp="1"/>
+          </p:cNvSpPr>
+          <p:nvPr>
+            <p:ph type="title"/>
+          </p:nvPr>
+        </p:nvSpPr>
+        <p:spPr/>
+        <p:txBody>
+          <a:bodyPr/>
+          <a:lstStyle/>
+          <a:p>
+            <a:r>
+              <a:rPr lang="de-CH" dirty="0">
+                <a:solidFill>
+                  <a:srgbClr val="FF0000"/>
+                </a:solidFill>
+              </a:rPr>
+              <a:t>Personal </a:t>
+            </a:r>
+            <a:r>
+              <a:rPr lang="de-CH" dirty="0" err="1">
+                <a:solidFill>
+                  <a:srgbClr val="FF0000"/>
+                </a:solidFill>
+              </a:rPr>
+              <a:t>contributions</a:t>
+            </a:r>
+            <a:r>
+              <a:rPr lang="de-CH" dirty="0">
+                <a:solidFill>
+                  <a:srgbClr val="FF0000"/>
+                </a:solidFill>
+              </a:rPr>
+              <a:t> Code </a:t>
+            </a:r>
+            <a:endParaRPr lang="de-DE" dirty="0">
+              <a:solidFill>
+                <a:srgbClr val="FF0000"/>
+              </a:solidFill>
+            </a:endParaRPr>
+          </a:p>
+        </p:txBody>
+      </p:sp>
+      <p:sp>
+        <p:nvSpPr>
+          <p:cNvPr id="3" name="Inhaltsplatzhalter 2"/>
+          <p:cNvSpPr>
+            <a:spLocks noGrp="1"/>
+          </p:cNvSpPr>
+          <p:nvPr>
+            <p:ph idx="1"/>
+          </p:nvPr>
+        </p:nvSpPr>
+        <p:spPr>
+          <a:xfrm>
+            <a:off x="838200" y="1825624"/>
+            <a:ext cx="10515600" cy="4691553"/>
+          </a:xfrm>
+        </p:spPr>
+        <p:txBody>
+          <a:bodyPr>
+            <a:normAutofit/>
+          </a:bodyPr>
+          <a:lstStyle/>
+          <a:p>
+            <a:r>
+              <a:rPr lang="de-CH" dirty="0" err="1"/>
+              <a:t>Massah</a:t>
+            </a:r>
+            <a:r>
+              <a:rPr lang="de-CH" dirty="0"/>
+              <a:t> Hamidi</a:t>
+            </a:r>
+          </a:p>
+          <a:p>
+            <a:pPr lvl="1"/>
+            <a:r>
+              <a:rPr lang="de-CH" dirty="0" err="1"/>
+              <a:t>TabAddictions</a:t>
+            </a:r>
+            <a:endParaRPr lang="de-CH" dirty="0"/>
+          </a:p>
+          <a:p>
+            <a:pPr lvl="1"/>
+            <a:r>
+              <a:rPr lang="de-CH" dirty="0"/>
+              <a:t>Login</a:t>
+            </a:r>
+          </a:p>
+          <a:p>
+            <a:pPr lvl="1"/>
+            <a:endParaRPr lang="de-CH" dirty="0"/>
+          </a:p>
+          <a:p>
+            <a:r>
+              <a:rPr lang="de-CH" dirty="0"/>
+              <a:t>Roberto </a:t>
+            </a:r>
+            <a:r>
+              <a:rPr lang="de-CH" dirty="0" err="1"/>
+              <a:t>Tangarife</a:t>
+            </a:r>
+            <a:endParaRPr lang="de-CH" dirty="0"/>
+          </a:p>
+          <a:p>
+            <a:pPr lvl="1"/>
+            <a:r>
+              <a:rPr lang="de-CH" dirty="0" err="1"/>
+              <a:t>TabPatients</a:t>
+            </a:r>
+            <a:endParaRPr lang="de-CH" dirty="0"/>
+          </a:p>
+          <a:p>
+            <a:pPr lvl="1"/>
+            <a:r>
+              <a:rPr lang="de-CH" dirty="0"/>
+              <a:t>Login</a:t>
+            </a:r>
+          </a:p>
+          <a:p>
+            <a:pPr lvl="1"/>
+            <a:endParaRPr lang="de-CH" dirty="0"/>
+          </a:p>
+          <a:p>
+            <a:r>
+              <a:rPr lang="de-CH" dirty="0"/>
+              <a:t>Hager Magdub</a:t>
+            </a:r>
+          </a:p>
+          <a:p>
+            <a:pPr lvl="1"/>
+            <a:r>
+              <a:rPr lang="de-CH" dirty="0" err="1"/>
+              <a:t>TabPatients</a:t>
+            </a:r>
+            <a:endParaRPr lang="de-CH" dirty="0"/>
+          </a:p>
+          <a:p>
+            <a:pPr lvl="1"/>
+            <a:r>
+              <a:rPr lang="de-CH" dirty="0"/>
+              <a:t>Login</a:t>
+            </a:r>
+          </a:p>
+          <a:p>
+            <a:pPr lvl="1"/>
+            <a:endParaRPr lang="de-CH" dirty="0"/>
+          </a:p>
+          <a:p>
+            <a:pPr lvl="1"/>
+            <a:endParaRPr lang="de-CH" dirty="0"/>
+          </a:p>
+          <a:p>
+            <a:pPr lvl="1"/>
+            <a:endParaRPr lang="de-DE" dirty="0"/>
+          </a:p>
+        </p:txBody>
+      </p:sp>
+    </p:spTree>
+    <p:extLst>
+      <p:ext uri="{BB962C8B-B14F-4D97-AF65-F5344CB8AC3E}">
+        <p14:creationId xmlns:p14="http://schemas.microsoft.com/office/powerpoint/2010/main" val="1396892385"/>
+      </p:ext>
+    </p:extLst>
+  </p:cSld>
+  <p:clrMapOvr>
+    <a:masterClrMapping/>
+  </p:clrMapOvr>
+  <p:timing>
+    <p:tnLst>
+      <p:par>
+        <p:cTn id="1" dur="indefinite" restart="never" nodeType="tmRoot">
+          <p:childTnLst>
+            <p:seq concurrent="1" nextAc="seek">
+              <p:cTn id="2" dur="indefinite" nodeType="mainSeq">
+                <p:childTnLst>
+                  <p:par>
+                    <p:cTn id="3" fill="hold">
+                      <p:stCondLst>
+                        <p:cond delay="indefinite"/>
+                      </p:stCondLst>
+                      <p:childTnLst>
+                        <p:par>
+                          <p:cTn id="4" fill="hold">
+                            <p:stCondLst>
+                              <p:cond delay="0"/>
+                            </p:stCondLst>
+                            <p:childTnLst>
+                              <p:par>
+                                <p:cTn id="5" presetID="1" presetClass="entr" presetSubtype="0" fill="hold" grpId="0" nodeType="clickEffect">
+                                  <p:stCondLst>
+                                    <p:cond delay="0"/>
+                                  </p:stCondLst>
+                                  <p:childTnLst>
+                                    <p:set>
+                                      <p:cBhvr>
+                                        <p:cTn id="6" dur="1" fill="hold">
+                                          <p:stCondLst>
+                                            <p:cond delay="0"/>
+                                          </p:stCondLst>
+                                        </p:cTn>
+                                        <p:tgtEl>
+                                          <p:spTgt spid="3">
+                                            <p:txEl>
+                                              <p:pRg st="0" end="0"/>
+                                            </p:txEl>
+                                          </p:spTgt>
+                                        </p:tgtEl>
+                                        <p:attrNameLst>
+                                          <p:attrName>style.visibility</p:attrName>
+                                        </p:attrNameLst>
+                                      </p:cBhvr>
+                                      <p:to>
+                                        <p:strVal val="visible"/>
+                                      </p:to>
+                                    </p:set>
+                                  </p:childTnLst>
+                                </p:cTn>
+                              </p:par>
+                              <p:par>
+                                <p:cTn id="7" presetID="1" presetClass="entr" presetSubtype="0" fill="hold" grpId="0" nodeType="withEffect">
+                                  <p:stCondLst>
+                                    <p:cond delay="0"/>
+                                  </p:stCondLst>
+                                  <p:childTnLst>
+                                    <p:set>
+                                      <p:cBhvr>
+                                        <p:cTn id="8" dur="1" fill="hold">
+                                          <p:stCondLst>
+                                            <p:cond delay="0"/>
+                                          </p:stCondLst>
+                                        </p:cTn>
+                                        <p:tgtEl>
+                                          <p:spTgt spid="3">
+                                            <p:txEl>
+                                              <p:pRg st="1" end="1"/>
+                                            </p:txEl>
+                                          </p:spTgt>
+                                        </p:tgtEl>
+                                        <p:attrNameLst>
+                                          <p:attrName>style.visibility</p:attrName>
+                                        </p:attrNameLst>
+                                      </p:cBhvr>
+                                      <p:to>
+                                        <p:strVal val="visible"/>
+                                      </p:to>
+                                    </p:set>
+                                  </p:childTnLst>
+                                </p:cTn>
+                              </p:par>
+                              <p:par>
+                                <p:cTn id="9" presetID="1" presetClass="entr" presetSubtype="0" fill="hold" grpId="0" nodeType="withEffect">
+                                  <p:stCondLst>
+                                    <p:cond delay="0"/>
+                                  </p:stCondLst>
+                                  <p:childTnLst>
+                                    <p:set>
+                                      <p:cBhvr>
+                                        <p:cTn id="10" dur="1" fill="hold">
+                                          <p:stCondLst>
+                                            <p:cond delay="0"/>
+                                          </p:stCondLst>
+                                        </p:cTn>
+                                        <p:tgtEl>
+                                          <p:spTgt spid="3">
+                                            <p:txEl>
+                                              <p:pRg st="2" end="2"/>
+                                            </p:txEl>
+                                          </p:spTgt>
+                                        </p:tgtEl>
+                                        <p:attrNameLst>
+                                          <p:attrName>style.visibility</p:attrName>
+                                        </p:attrNameLst>
+                                      </p:cBhvr>
+                                      <p:to>
+                                        <p:strVal val="visible"/>
+                                      </p:to>
+                                    </p:set>
+                                  </p:childTnLst>
+                                </p:cTn>
+                              </p:par>
+                            </p:childTnLst>
+                          </p:cTn>
+                        </p:par>
+                      </p:childTnLst>
+                    </p:cTn>
+                  </p:par>
+                  <p:par>
+                    <p:cTn id="11" fill="hold">
+                      <p:stCondLst>
+                        <p:cond delay="indefinite"/>
+                      </p:stCondLst>
+                      <p:childTnLst>
+                        <p:par>
+                          <p:cTn id="12" fill="hold">
+                            <p:stCondLst>
+                              <p:cond delay="0"/>
+                            </p:stCondLst>
+                            <p:childTnLst>
+                              <p:par>
+                                <p:cTn id="13" presetID="1" presetClass="entr" presetSubtype="0" fill="hold" grpId="0" nodeType="clickEffect">
+                                  <p:stCondLst>
+                                    <p:cond delay="0"/>
+                                  </p:stCondLst>
+                                  <p:childTnLst>
+                                    <p:set>
+                                      <p:cBhvr>
+                                        <p:cTn id="14" dur="1" fill="hold">
+                                          <p:stCondLst>
+                                            <p:cond delay="0"/>
+                                          </p:stCondLst>
+                                        </p:cTn>
+                                        <p:tgtEl>
+                                          <p:spTgt spid="3">
+                                            <p:txEl>
+                                              <p:pRg st="4" end="4"/>
+                                            </p:txEl>
+                                          </p:spTgt>
+                                        </p:tgtEl>
+                                        <p:attrNameLst>
+                                          <p:attrName>style.visibility</p:attrName>
+                                        </p:attrNameLst>
+                                      </p:cBhvr>
+                                      <p:to>
+                                        <p:strVal val="visible"/>
+                                      </p:to>
+                                    </p:set>
+                                  </p:childTnLst>
+                                </p:cTn>
+                              </p:par>
+                              <p:par>
+                                <p:cTn id="15" presetID="1" presetClass="entr" presetSubtype="0" fill="hold" grpId="0" nodeType="withEffect">
+                                  <p:stCondLst>
+                                    <p:cond delay="0"/>
+                                  </p:stCondLst>
+                                  <p:childTnLst>
+                                    <p:set>
+                                      <p:cBhvr>
+                                        <p:cTn id="16" dur="1" fill="hold">
+                                          <p:stCondLst>
+                                            <p:cond delay="0"/>
+                                          </p:stCondLst>
+                                        </p:cTn>
+                                        <p:tgtEl>
+                                          <p:spTgt spid="3">
+                                            <p:txEl>
+                                              <p:pRg st="5" end="5"/>
+                                            </p:txEl>
+                                          </p:spTgt>
+                                        </p:tgtEl>
+                                        <p:attrNameLst>
+                                          <p:attrName>style.visibility</p:attrName>
+                                        </p:attrNameLst>
+                                      </p:cBhvr>
+                                      <p:to>
+                                        <p:strVal val="visible"/>
+                                      </p:to>
+                                    </p:set>
+                                  </p:childTnLst>
+                                </p:cTn>
+                              </p:par>
+                              <p:par>
+                                <p:cTn id="17" presetID="1" presetClass="entr" presetSubtype="0" fill="hold" grpId="0" nodeType="withEffect">
+                                  <p:stCondLst>
+                                    <p:cond delay="0"/>
+                                  </p:stCondLst>
+                                  <p:childTnLst>
+                                    <p:set>
+                                      <p:cBhvr>
+                                        <p:cTn id="18" dur="1" fill="hold">
+                                          <p:stCondLst>
+                                            <p:cond delay="0"/>
+                                          </p:stCondLst>
+                                        </p:cTn>
+                                        <p:tgtEl>
+                                          <p:spTgt spid="3">
+                                            <p:txEl>
+                                              <p:pRg st="6" end="6"/>
+                                            </p:txEl>
+                                          </p:spTgt>
+                                        </p:tgtEl>
+                                        <p:attrNameLst>
+                                          <p:attrName>style.visibility</p:attrName>
+                                        </p:attrNameLst>
+                                      </p:cBhvr>
+                                      <p:to>
+                                        <p:strVal val="visible"/>
+                                      </p:to>
+                                    </p:set>
+                                  </p:childTnLst>
+                                </p:cTn>
+                              </p:par>
+                            </p:childTnLst>
+                          </p:cTn>
+                        </p:par>
+                      </p:childTnLst>
+                    </p:cTn>
+                  </p:par>
+                  <p:par>
+                    <p:cTn id="19" fill="hold">
+                      <p:stCondLst>
+                        <p:cond delay="indefinite"/>
+                      </p:stCondLst>
+                      <p:childTnLst>
+                        <p:par>
+                          <p:cTn id="20" fill="hold">
+                            <p:stCondLst>
+                              <p:cond delay="0"/>
+                            </p:stCondLst>
+                            <p:childTnLst>
+                              <p:par>
+                                <p:cTn id="21" presetID="1" presetClass="entr" presetSubtype="0" fill="hold" grpId="0" nodeType="clickEffect">
+                                  <p:stCondLst>
+                                    <p:cond delay="0"/>
+                                  </p:stCondLst>
+                                  <p:childTnLst>
+                                    <p:set>
+                                      <p:cBhvr>
+                                        <p:cTn id="22" dur="1" fill="hold">
+                                          <p:stCondLst>
+                                            <p:cond delay="0"/>
+                                          </p:stCondLst>
+                                        </p:cTn>
+                                        <p:tgtEl>
+                                          <p:spTgt spid="3">
+                                            <p:txEl>
+                                              <p:pRg st="8" end="8"/>
+                                            </p:txEl>
+                                          </p:spTgt>
+                                        </p:tgtEl>
+                                        <p:attrNameLst>
+                                          <p:attrName>style.visibility</p:attrName>
+                                        </p:attrNameLst>
+                                      </p:cBhvr>
+                                      <p:to>
+                                        <p:strVal val="visible"/>
+                                      </p:to>
+                                    </p:set>
+                                  </p:childTnLst>
+                                </p:cTn>
+                              </p:par>
+                              <p:par>
+                                <p:cTn id="23" presetID="1" presetClass="entr" presetSubtype="0" fill="hold" grpId="0" nodeType="withEffect">
+                                  <p:stCondLst>
+                                    <p:cond delay="0"/>
+                                  </p:stCondLst>
+                                  <p:childTnLst>
+                                    <p:set>
+                                      <p:cBhvr>
+                                        <p:cTn id="24" dur="1" fill="hold">
+                                          <p:stCondLst>
+                                            <p:cond delay="0"/>
+                                          </p:stCondLst>
+                                        </p:cTn>
+                                        <p:tgtEl>
+                                          <p:spTgt spid="3">
+                                            <p:txEl>
+                                              <p:pRg st="9" end="9"/>
+                                            </p:txEl>
+                                          </p:spTgt>
+                                        </p:tgtEl>
+                                        <p:attrNameLst>
+                                          <p:attrName>style.visibility</p:attrName>
+                                        </p:attrNameLst>
+                                      </p:cBhvr>
+                                      <p:to>
+                                        <p:strVal val="visible"/>
+                                      </p:to>
+                                    </p:set>
+                                  </p:childTnLst>
+                                </p:cTn>
+                              </p:par>
+                              <p:par>
+                                <p:cTn id="25" presetID="1" presetClass="entr" presetSubtype="0" fill="hold" grpId="0" nodeType="withEffect">
+                                  <p:stCondLst>
+                                    <p:cond delay="0"/>
+                                  </p:stCondLst>
+                                  <p:childTnLst>
+                                    <p:set>
+                                      <p:cBhvr>
+                                        <p:cTn id="26" dur="1" fill="hold">
+                                          <p:stCondLst>
+                                            <p:cond delay="0"/>
+                                          </p:stCondLst>
+                                        </p:cTn>
+                                        <p:tgtEl>
+                                          <p:spTgt spid="3">
+                                            <p:txEl>
+                                              <p:pRg st="10" end="10"/>
+                                            </p:txEl>
+                                          </p:spTgt>
+                                        </p:tgtEl>
+                                        <p:attrNameLst>
+                                          <p:attrName>style.visibility</p:attrName>
+                                        </p:attrNameLst>
+                                      </p:cBhvr>
+                                      <p:to>
+                                        <p:strVal val="visible"/>
+                                      </p:to>
+                                    </p:set>
+                                  </p:childTnLst>
+                                </p:cTn>
+                              </p:par>
+                            </p:childTnLst>
+                          </p:cTn>
+                        </p:par>
+                      </p:childTnLst>
+                    </p:cTn>
+                  </p:par>
+                </p:childTnLst>
+              </p:cTn>
+              <p:prevCondLst>
+                <p:cond evt="onPrev" delay="0">
+                  <p:tgtEl>
+                    <p:sldTgt/>
+                  </p:tgtEl>
+                </p:cond>
+              </p:prevCondLst>
+              <p:nextCondLst>
+                <p:cond evt="onNext" delay="0">
+                  <p:tgtEl>
+                    <p:sldTgt/>
+                  </p:tgtEl>
+                </p:cond>
+              </p:nextCondLst>
+            </p:seq>
+          </p:childTnLst>
+        </p:cTn>
+      </p:par>
+    </p:tnLst>
+    <p:bldLst>
+      <p:bldP spid="3" grpId="0" build="p"/>
+    </p:bldLst>
+  </p:timing>
+</p:sld>
+</file>
+
+<file path=ppt/slides/slide6.xml><?xml version="1.0" encoding="utf-8"?>
+<p:sld xmlns:a="http://schemas.openxmlformats.org/drawingml/2006/main" xmlns:r="http://schemas.openxmlformats.org/officeDocument/2006/relationships" xmlns:p="http://schemas.openxmlformats.org/presentationml/2006/main">
+  <p:cSld>
+    <p:spTree>
+      <p:nvGrpSpPr>
+        <p:cNvPr id="1" name=""/>
+        <p:cNvGrpSpPr/>
+        <p:nvPr/>
+      </p:nvGrpSpPr>
+      <p:grpSpPr>
+        <a:xfrm>
+          <a:off x="0" y="0"/>
+          <a:ext cx="0" cy="0"/>
+          <a:chOff x="0" y="0"/>
+          <a:chExt cx="0" cy="0"/>
+        </a:xfrm>
+      </p:grpSpPr>
+      <p:sp>
+        <p:nvSpPr>
+          <p:cNvPr id="2" name="Titel 1"/>
+          <p:cNvSpPr>
+            <a:spLocks noGrp="1"/>
+          </p:cNvSpPr>
+          <p:nvPr>
+            <p:ph type="title"/>
+          </p:nvPr>
+        </p:nvSpPr>
+        <p:spPr/>
+        <p:txBody>
+          <a:bodyPr/>
+          <a:lstStyle/>
+          <a:p>
+            <a:r>
+              <a:rPr lang="de-CH" dirty="0">
+                <a:solidFill>
+                  <a:srgbClr val="FF0000"/>
+                </a:solidFill>
+              </a:rPr>
+              <a:t>Personal </a:t>
+            </a:r>
+            <a:r>
+              <a:rPr lang="de-CH" dirty="0" err="1">
+                <a:solidFill>
+                  <a:srgbClr val="FF0000"/>
+                </a:solidFill>
+              </a:rPr>
+              <a:t>contributions</a:t>
+            </a:r>
+            <a:r>
+              <a:rPr lang="de-CH" dirty="0">
+                <a:solidFill>
+                  <a:srgbClr val="FF0000"/>
+                </a:solidFill>
+              </a:rPr>
+              <a:t> </a:t>
+            </a:r>
+            <a:endParaRPr lang="de-DE" dirty="0">
+              <a:solidFill>
+                <a:srgbClr val="FF0000"/>
+              </a:solidFill>
+            </a:endParaRPr>
+          </a:p>
+        </p:txBody>
+      </p:sp>
+      <p:sp>
+        <p:nvSpPr>
+          <p:cNvPr id="3" name="Inhaltsplatzhalter 2"/>
+          <p:cNvSpPr>
+            <a:spLocks noGrp="1"/>
+          </p:cNvSpPr>
+          <p:nvPr>
+            <p:ph idx="1"/>
+          </p:nvPr>
+        </p:nvSpPr>
+        <p:spPr>
+          <a:xfrm>
+            <a:off x="838200" y="1825624"/>
+            <a:ext cx="10515600" cy="5032375"/>
+          </a:xfrm>
+        </p:spPr>
+        <p:txBody>
+          <a:bodyPr/>
+          <a:lstStyle/>
+          <a:p>
+            <a:r>
+              <a:rPr lang="de-CH" dirty="0"/>
+              <a:t>Ludovic </a:t>
+            </a:r>
+            <a:r>
+              <a:rPr lang="de-CH" dirty="0" err="1"/>
+              <a:t>Frehner</a:t>
+            </a:r>
+            <a:endParaRPr lang="de-CH" dirty="0"/>
+          </a:p>
+          <a:p>
+            <a:pPr lvl="1"/>
+            <a:r>
+              <a:rPr lang="de-CH" dirty="0"/>
+              <a:t>Prototype Papier</a:t>
+            </a:r>
+          </a:p>
+          <a:p>
+            <a:pPr lvl="1"/>
+            <a:r>
+              <a:rPr lang="de-CH" dirty="0"/>
+              <a:t>UML Domain Model</a:t>
+            </a:r>
+          </a:p>
+          <a:p>
+            <a:pPr lvl="1"/>
+            <a:r>
+              <a:rPr lang="de-CH" dirty="0" err="1"/>
+              <a:t>Sequence</a:t>
+            </a:r>
+            <a:r>
+              <a:rPr lang="de-CH" dirty="0"/>
+              <a:t> Diagramm</a:t>
+            </a:r>
+          </a:p>
+          <a:p>
+            <a:pPr lvl="1"/>
+            <a:r>
+              <a:rPr lang="de-CH" dirty="0" err="1"/>
+              <a:t>Scrum</a:t>
+            </a:r>
+            <a:endParaRPr lang="de-CH" dirty="0"/>
+          </a:p>
+          <a:p>
+            <a:pPr lvl="1"/>
+            <a:endParaRPr lang="de-CH" dirty="0"/>
+          </a:p>
+          <a:p>
+            <a:r>
+              <a:rPr lang="de-CH" dirty="0"/>
+              <a:t>Antoni Tomic</a:t>
+            </a:r>
+          </a:p>
+          <a:p>
+            <a:pPr lvl="1"/>
+            <a:r>
+              <a:rPr lang="de-CH" dirty="0"/>
+              <a:t>SVN Setup</a:t>
+            </a:r>
+          </a:p>
+          <a:p>
+            <a:pPr lvl="1"/>
+            <a:r>
+              <a:rPr lang="de-CH" dirty="0" err="1"/>
+              <a:t>Requirements</a:t>
+            </a:r>
+            <a:endParaRPr lang="de-CH" dirty="0"/>
+          </a:p>
+          <a:p>
+            <a:pPr lvl="1"/>
+            <a:r>
+              <a:rPr lang="de-CH" dirty="0"/>
+              <a:t>CRC-Cards</a:t>
+            </a:r>
+          </a:p>
+          <a:p>
+            <a:pPr lvl="1"/>
+            <a:r>
+              <a:rPr lang="de-CH" dirty="0"/>
+              <a:t>UML Domain Model</a:t>
+            </a:r>
+          </a:p>
+          <a:p>
+            <a:pPr lvl="1"/>
+            <a:r>
+              <a:rPr lang="de-CH" dirty="0" err="1"/>
+              <a:t>Scrum</a:t>
+            </a:r>
+            <a:endParaRPr lang="de-CH" dirty="0"/>
+          </a:p>
+          <a:p>
+            <a:pPr lvl="1"/>
+            <a:endParaRPr lang="de-CH" dirty="0"/>
+          </a:p>
+          <a:p>
+            <a:pPr lvl="1"/>
+            <a:endParaRPr lang="de-CH" dirty="0"/>
+          </a:p>
+          <a:p>
+            <a:endParaRPr lang="de-DE" dirty="0"/>
+          </a:p>
+        </p:txBody>
+      </p:sp>
+    </p:spTree>
+    <p:extLst>
+      <p:ext uri="{BB962C8B-B14F-4D97-AF65-F5344CB8AC3E}">
+        <p14:creationId xmlns:p14="http://schemas.microsoft.com/office/powerpoint/2010/main" val="272352925"/>
+      </p:ext>
+    </p:extLst>
+  </p:cSld>
+  <p:clrMapOvr>
+    <a:masterClrMapping/>
+  </p:clrMapOvr>
+  <p:timing>
+    <p:tnLst>
+      <p:par>
+        <p:cTn id="1" dur="indefinite" restart="never" nodeType="tmRoot">
+          <p:childTnLst>
+            <p:seq concurrent="1" nextAc="seek">
+              <p:cTn id="2" dur="indefinite" nodeType="mainSeq">
+                <p:childTnLst>
+                  <p:par>
+                    <p:cTn id="3" fill="hold">
+                      <p:stCondLst>
+                        <p:cond delay="indefinite"/>
+                      </p:stCondLst>
+                      <p:childTnLst>
+                        <p:par>
+                          <p:cTn id="4" fill="hold">
+                            <p:stCondLst>
+                              <p:cond delay="0"/>
+                            </p:stCondLst>
+                            <p:childTnLst>
+                              <p:par>
+                                <p:cTn id="5" presetID="1" presetClass="entr" presetSubtype="0" fill="hold" grpId="0" nodeType="clickEffect">
+                                  <p:stCondLst>
+                                    <p:cond delay="0"/>
+                                  </p:stCondLst>
+                                  <p:childTnLst>
+                                    <p:set>
+                                      <p:cBhvr>
+                                        <p:cTn id="6" dur="1" fill="hold">
+                                          <p:stCondLst>
+                                            <p:cond delay="0"/>
+                                          </p:stCondLst>
+                                        </p:cTn>
+                                        <p:tgtEl>
+                                          <p:spTgt spid="3">
+                                            <p:txEl>
+                                              <p:pRg st="0" end="0"/>
+                                            </p:txEl>
+                                          </p:spTgt>
+                                        </p:tgtEl>
+                                        <p:attrNameLst>
+                                          <p:attrName>style.visibility</p:attrName>
+                                        </p:attrNameLst>
+                                      </p:cBhvr>
+                                      <p:to>
+                                        <p:strVal val="visible"/>
+                                      </p:to>
+                                    </p:set>
+                                  </p:childTnLst>
+                                </p:cTn>
+                              </p:par>
+                              <p:par>
+                                <p:cTn id="7" presetID="1" presetClass="entr" presetSubtype="0" fill="hold" grpId="0" nodeType="withEffect">
+                                  <p:stCondLst>
+                                    <p:cond delay="0"/>
+                                  </p:stCondLst>
+                                  <p:childTnLst>
+                                    <p:set>
+                                      <p:cBhvr>
+                                        <p:cTn id="8" dur="1" fill="hold">
+                                          <p:stCondLst>
+                                            <p:cond delay="0"/>
+                                          </p:stCondLst>
+                                        </p:cTn>
+                                        <p:tgtEl>
+                                          <p:spTgt spid="3">
+                                            <p:txEl>
+                                              <p:pRg st="1" end="1"/>
+                                            </p:txEl>
+                                          </p:spTgt>
+                                        </p:tgtEl>
+                                        <p:attrNameLst>
+                                          <p:attrName>style.visibility</p:attrName>
+                                        </p:attrNameLst>
+                                      </p:cBhvr>
+                                      <p:to>
+                                        <p:strVal val="visible"/>
+                                      </p:to>
+                                    </p:set>
+                                  </p:childTnLst>
+                                </p:cTn>
+                              </p:par>
+                              <p:par>
+                                <p:cTn id="9" presetID="1" presetClass="entr" presetSubtype="0" fill="hold" grpId="0" nodeType="withEffect">
+                                  <p:stCondLst>
+                                    <p:cond delay="0"/>
+                                  </p:stCondLst>
+                                  <p:childTnLst>
+                                    <p:set>
+                                      <p:cBhvr>
+                                        <p:cTn id="10" dur="1" fill="hold">
+                                          <p:stCondLst>
+                                            <p:cond delay="0"/>
+                                          </p:stCondLst>
+                                        </p:cTn>
+                                        <p:tgtEl>
+                                          <p:spTgt spid="3">
+                                            <p:txEl>
+                                              <p:pRg st="2" end="2"/>
+                                            </p:txEl>
+                                          </p:spTgt>
+                                        </p:tgtEl>
+                                        <p:attrNameLst>
+                                          <p:attrName>style.visibility</p:attrName>
+                                        </p:attrNameLst>
+                                      </p:cBhvr>
+                                      <p:to>
+                                        <p:strVal val="visible"/>
+                                      </p:to>
+                                    </p:set>
+                                  </p:childTnLst>
+                                </p:cTn>
+                              </p:par>
+                              <p:par>
+                                <p:cTn id="11" presetID="1" presetClass="entr" presetSubtype="0" fill="hold" grpId="0" nodeType="withEffect">
+                                  <p:stCondLst>
+                                    <p:cond delay="0"/>
+                                  </p:stCondLst>
+                                  <p:childTnLst>
+                                    <p:set>
+                                      <p:cBhvr>
+                                        <p:cTn id="12" dur="1" fill="hold">
+                                          <p:stCondLst>
+                                            <p:cond delay="0"/>
+                                          </p:stCondLst>
+                                        </p:cTn>
+                                        <p:tgtEl>
+                                          <p:spTgt spid="3">
+                                            <p:txEl>
+                                              <p:pRg st="3" end="3"/>
+                                            </p:txEl>
+                                          </p:spTgt>
+                                        </p:tgtEl>
+                                        <p:attrNameLst>
+                                          <p:attrName>style.visibility</p:attrName>
+                                        </p:attrNameLst>
+                                      </p:cBhvr>
+                                      <p:to>
+                                        <p:strVal val="visible"/>
+                                      </p:to>
+                                    </p:set>
+                                  </p:childTnLst>
+                                </p:cTn>
+                              </p:par>
+                              <p:par>
+                                <p:cTn id="13" presetID="1" presetClass="entr" presetSubtype="0" fill="hold" grpId="0" nodeType="withEffect">
+                                  <p:stCondLst>
+                                    <p:cond delay="0"/>
+                                  </p:stCondLst>
+                                  <p:childTnLst>
+                                    <p:set>
+                                      <p:cBhvr>
+                                        <p:cTn id="14" dur="1" fill="hold">
+                                          <p:stCondLst>
+                                            <p:cond delay="0"/>
+                                          </p:stCondLst>
+                                        </p:cTn>
+                                        <p:tgtEl>
+                                          <p:spTgt spid="3">
+                                            <p:txEl>
+                                              <p:pRg st="4" end="4"/>
+                                            </p:txEl>
+                                          </p:spTgt>
+                                        </p:tgtEl>
+                                        <p:attrNameLst>
+                                          <p:attrName>style.visibility</p:attrName>
+                                        </p:attrNameLst>
+                                      </p:cBhvr>
+                                      <p:to>
+                                        <p:strVal val="visible"/>
+                                      </p:to>
+                                    </p:set>
+                                  </p:childTnLst>
+                                </p:cTn>
+                              </p:par>
+                            </p:childTnLst>
+                          </p:cTn>
+                        </p:par>
+                      </p:childTnLst>
+                    </p:cTn>
+                  </p:par>
+                  <p:par>
+                    <p:cTn id="15" fill="hold">
+                      <p:stCondLst>
+                        <p:cond delay="indefinite"/>
+                      </p:stCondLst>
+                      <p:childTnLst>
+                        <p:par>
+                          <p:cTn id="16" fill="hold">
+                            <p:stCondLst>
+                              <p:cond delay="0"/>
+                            </p:stCondLst>
+                            <p:childTnLst>
+                              <p:par>
+                                <p:cTn id="17" presetID="1" presetClass="entr" presetSubtype="0" fill="hold" grpId="0" nodeType="clickEffect">
+                                  <p:stCondLst>
+                                    <p:cond delay="0"/>
+                                  </p:stCondLst>
+                                  <p:childTnLst>
+                                    <p:set>
+                                      <p:cBhvr>
+                                        <p:cTn id="18" dur="1" fill="hold">
+                                          <p:stCondLst>
+                                            <p:cond delay="0"/>
+                                          </p:stCondLst>
+                                        </p:cTn>
+                                        <p:tgtEl>
+                                          <p:spTgt spid="3">
+                                            <p:txEl>
+                                              <p:pRg st="6" end="6"/>
+                                            </p:txEl>
+                                          </p:spTgt>
+                                        </p:tgtEl>
+                                        <p:attrNameLst>
+                                          <p:attrName>style.visibility</p:attrName>
+                                        </p:attrNameLst>
+                                      </p:cBhvr>
+                                      <p:to>
+                                        <p:strVal val="visible"/>
+                                      </p:to>
+                                    </p:set>
+                                  </p:childTnLst>
+                                </p:cTn>
+                              </p:par>
+                              <p:par>
+                                <p:cTn id="19" presetID="1" presetClass="entr" presetSubtype="0" fill="hold" grpId="0" nodeType="withEffect">
+                                  <p:stCondLst>
+                                    <p:cond delay="0"/>
+                                  </p:stCondLst>
+                                  <p:childTnLst>
+                                    <p:set>
+                                      <p:cBhvr>
+                                        <p:cTn id="20" dur="1" fill="hold">
+                                          <p:stCondLst>
+                                            <p:cond delay="0"/>
+                                          </p:stCondLst>
+                                        </p:cTn>
+                                        <p:tgtEl>
+                                          <p:spTgt spid="3">
+                                            <p:txEl>
+                                              <p:pRg st="7" end="7"/>
+                                            </p:txEl>
+                                          </p:spTgt>
+                                        </p:tgtEl>
+                                        <p:attrNameLst>
+                                          <p:attrName>style.visibility</p:attrName>
+                                        </p:attrNameLst>
+                                      </p:cBhvr>
+                                      <p:to>
+                                        <p:strVal val="visible"/>
+                                      </p:to>
+                                    </p:set>
+                                  </p:childTnLst>
+                                </p:cTn>
+                              </p:par>
+                              <p:par>
+                                <p:cTn id="21" presetID="1" presetClass="entr" presetSubtype="0" fill="hold" grpId="0" nodeType="withEffect">
+                                  <p:stCondLst>
+                                    <p:cond delay="0"/>
+                                  </p:stCondLst>
+                                  <p:childTnLst>
+                                    <p:set>
+                                      <p:cBhvr>
+                                        <p:cTn id="22" dur="1" fill="hold">
+                                          <p:stCondLst>
+                                            <p:cond delay="0"/>
+                                          </p:stCondLst>
+                                        </p:cTn>
+                                        <p:tgtEl>
+                                          <p:spTgt spid="3">
+                                            <p:txEl>
+                                              <p:pRg st="8" end="8"/>
+                                            </p:txEl>
+                                          </p:spTgt>
+                                        </p:tgtEl>
+                                        <p:attrNameLst>
+                                          <p:attrName>style.visibility</p:attrName>
+                                        </p:attrNameLst>
+                                      </p:cBhvr>
+                                      <p:to>
+                                        <p:strVal val="visible"/>
+                                      </p:to>
+                                    </p:set>
+                                  </p:childTnLst>
+                                </p:cTn>
+                              </p:par>
+                              <p:par>
+                                <p:cTn id="23" presetID="1" presetClass="entr" presetSubtype="0" fill="hold" grpId="0" nodeType="withEffect">
+                                  <p:stCondLst>
+                                    <p:cond delay="0"/>
+                                  </p:stCondLst>
+                                  <p:childTnLst>
+                                    <p:set>
+                                      <p:cBhvr>
+                                        <p:cTn id="24" dur="1" fill="hold">
+                                          <p:stCondLst>
+                                            <p:cond delay="0"/>
+                                          </p:stCondLst>
+                                        </p:cTn>
+                                        <p:tgtEl>
+                                          <p:spTgt spid="3">
+                                            <p:txEl>
+                                              <p:pRg st="9" end="9"/>
+                                            </p:txEl>
+                                          </p:spTgt>
+                                        </p:tgtEl>
+                                        <p:attrNameLst>
+                                          <p:attrName>style.visibility</p:attrName>
+                                        </p:attrNameLst>
+                                      </p:cBhvr>
+                                      <p:to>
+                                        <p:strVal val="visible"/>
+                                      </p:to>
+                                    </p:set>
+                                  </p:childTnLst>
+                                </p:cTn>
+                              </p:par>
+                              <p:par>
+                                <p:cTn id="25" presetID="1" presetClass="entr" presetSubtype="0" fill="hold" grpId="0" nodeType="withEffect">
+                                  <p:stCondLst>
+                                    <p:cond delay="0"/>
+                                  </p:stCondLst>
+                                  <p:childTnLst>
+                                    <p:set>
+                                      <p:cBhvr>
+                                        <p:cTn id="26" dur="1" fill="hold">
+                                          <p:stCondLst>
+                                            <p:cond delay="0"/>
+                                          </p:stCondLst>
+                                        </p:cTn>
+                                        <p:tgtEl>
+                                          <p:spTgt spid="3">
+                                            <p:txEl>
+                                              <p:pRg st="10" end="10"/>
+                                            </p:txEl>
+                                          </p:spTgt>
+                                        </p:tgtEl>
+                                        <p:attrNameLst>
+                                          <p:attrName>style.visibility</p:attrName>
+                                        </p:attrNameLst>
+                                      </p:cBhvr>
+                                      <p:to>
+                                        <p:strVal val="visible"/>
+                                      </p:to>
+                                    </p:set>
+                                  </p:childTnLst>
+                                </p:cTn>
+                              </p:par>
+                              <p:par>
+                                <p:cTn id="27" presetID="1" presetClass="entr" presetSubtype="0" fill="hold" grpId="0" nodeType="withEffect">
+                                  <p:stCondLst>
+                                    <p:cond delay="0"/>
+                                  </p:stCondLst>
+                                  <p:childTnLst>
+                                    <p:set>
+                                      <p:cBhvr>
+                                        <p:cTn id="28" dur="1" fill="hold">
+                                          <p:stCondLst>
+                                            <p:cond delay="0"/>
+                                          </p:stCondLst>
+                                        </p:cTn>
+                                        <p:tgtEl>
+                                          <p:spTgt spid="3">
+                                            <p:txEl>
+                                              <p:pRg st="11" end="11"/>
+                                            </p:txEl>
+                                          </p:spTgt>
+                                        </p:tgtEl>
+                                        <p:attrNameLst>
+                                          <p:attrName>style.visibility</p:attrName>
+                                        </p:attrNameLst>
+                                      </p:cBhvr>
+                                      <p:to>
+                                        <p:strVal val="visible"/>
+                                      </p:to>
+                                    </p:set>
+                                  </p:childTnLst>
+                                </p:cTn>
+                              </p:par>
+                            </p:childTnLst>
+                          </p:cTn>
+                        </p:par>
+                      </p:childTnLst>
+                    </p:cTn>
+                  </p:par>
+                </p:childTnLst>
+              </p:cTn>
+              <p:prevCondLst>
+                <p:cond evt="onPrev" delay="0">
+                  <p:tgtEl>
+                    <p:sldTgt/>
+                  </p:tgtEl>
+                </p:cond>
+              </p:prevCondLst>
+              <p:nextCondLst>
+                <p:cond evt="onNext" delay="0">
+                  <p:tgtEl>
+                    <p:sldTgt/>
+                  </p:tgtEl>
+                </p:cond>
+              </p:nextCondLst>
+            </p:seq>
+          </p:childTnLst>
+        </p:cTn>
+      </p:par>
+    </p:tnLst>
+    <p:bldLst>
+      <p:bldP spid="3" grpId="0" uiExpand="1" build="p"/>
+    </p:bldLst>
+  </p:timing>
+</p:sld>
+</file>
+
+<file path=ppt/slides/slide7.xml><?xml version="1.0" encoding="utf-8"?>
+<p:sld xmlns:a="http://schemas.openxmlformats.org/drawingml/2006/main" xmlns:r="http://schemas.openxmlformats.org/officeDocument/2006/relationships" xmlns:p="http://schemas.openxmlformats.org/presentationml/2006/main">
+  <p:cSld>
+    <p:spTree>
+      <p:nvGrpSpPr>
+        <p:cNvPr id="1" name=""/>
+        <p:cNvGrpSpPr/>
+        <p:nvPr/>
+      </p:nvGrpSpPr>
+      <p:grpSpPr>
+        <a:xfrm>
+          <a:off x="0" y="0"/>
+          <a:ext cx="0" cy="0"/>
+          <a:chOff x="0" y="0"/>
+          <a:chExt cx="0" cy="0"/>
+        </a:xfrm>
+      </p:grpSpPr>
+      <p:sp>
+        <p:nvSpPr>
+          <p:cNvPr id="2" name="Titel 1"/>
+          <p:cNvSpPr>
+            <a:spLocks noGrp="1"/>
+          </p:cNvSpPr>
+          <p:nvPr>
+            <p:ph type="title"/>
+          </p:nvPr>
+        </p:nvSpPr>
+        <p:spPr/>
+        <p:txBody>
+          <a:bodyPr/>
+          <a:lstStyle/>
+          <a:p>
+            <a:r>
+              <a:rPr lang="de-CH" dirty="0">
+                <a:solidFill>
+                  <a:srgbClr val="FF0000"/>
+                </a:solidFill>
+              </a:rPr>
+              <a:t>Personal </a:t>
+            </a:r>
+            <a:r>
+              <a:rPr lang="de-CH" dirty="0" err="1">
+                <a:solidFill>
+                  <a:srgbClr val="FF0000"/>
+                </a:solidFill>
+              </a:rPr>
+              <a:t>contributions</a:t>
+            </a:r>
+            <a:r>
+              <a:rPr lang="de-CH" dirty="0">
+                <a:solidFill>
+                  <a:srgbClr val="FF0000"/>
+                </a:solidFill>
+              </a:rPr>
+              <a:t> </a:t>
+            </a:r>
+            <a:endParaRPr lang="de-DE" dirty="0">
+              <a:solidFill>
+                <a:srgbClr val="FF0000"/>
+              </a:solidFill>
+            </a:endParaRPr>
+          </a:p>
+        </p:txBody>
+      </p:sp>
+      <p:sp>
+        <p:nvSpPr>
+          <p:cNvPr id="3" name="Inhaltsplatzhalter 2"/>
+          <p:cNvSpPr>
+            <a:spLocks noGrp="1"/>
+          </p:cNvSpPr>
+          <p:nvPr>
+            <p:ph idx="1"/>
+          </p:nvPr>
+        </p:nvSpPr>
+        <p:spPr>
+          <a:xfrm>
+            <a:off x="838200" y="1825625"/>
+            <a:ext cx="10515600" cy="4658302"/>
+          </a:xfrm>
+        </p:spPr>
+        <p:txBody>
+          <a:bodyPr>
+            <a:normAutofit/>
+          </a:bodyPr>
+          <a:lstStyle/>
+          <a:p>
+            <a:r>
+              <a:rPr lang="de-CH" dirty="0"/>
+              <a:t>Hager Magdub</a:t>
+            </a:r>
+          </a:p>
+          <a:p>
+            <a:pPr lvl="1"/>
+            <a:r>
+              <a:rPr lang="de-CH" dirty="0"/>
+              <a:t>Research</a:t>
+            </a:r>
+          </a:p>
+          <a:p>
+            <a:pPr lvl="1"/>
+            <a:r>
+              <a:rPr lang="de-CH" dirty="0"/>
+              <a:t>CRC-Cards</a:t>
+            </a:r>
+          </a:p>
+          <a:p>
+            <a:pPr lvl="1"/>
+            <a:r>
+              <a:rPr lang="de-CH" dirty="0" err="1"/>
+              <a:t>Architectual</a:t>
+            </a:r>
+            <a:r>
+              <a:rPr lang="de-CH" dirty="0"/>
+              <a:t> design </a:t>
+            </a:r>
+            <a:r>
+              <a:rPr lang="de-CH" dirty="0" err="1"/>
+              <a:t>pattern</a:t>
+            </a:r>
+            <a:endParaRPr lang="de-CH" dirty="0"/>
+          </a:p>
+          <a:p>
+            <a:pPr lvl="1"/>
+            <a:r>
+              <a:rPr lang="de-CH" dirty="0"/>
+              <a:t>Software </a:t>
+            </a:r>
+            <a:r>
+              <a:rPr lang="de-CH" dirty="0" err="1"/>
+              <a:t>architecture</a:t>
+            </a:r>
+            <a:endParaRPr lang="de-CH" dirty="0"/>
+          </a:p>
+          <a:p>
+            <a:pPr lvl="1"/>
+            <a:endParaRPr lang="de-CH" dirty="0"/>
+          </a:p>
+          <a:p>
+            <a:r>
+              <a:rPr lang="de-CH" dirty="0" err="1"/>
+              <a:t>Massah</a:t>
+            </a:r>
+            <a:r>
+              <a:rPr lang="de-CH" dirty="0"/>
+              <a:t> Hamidi</a:t>
+            </a:r>
+          </a:p>
+          <a:p>
+            <a:pPr lvl="1"/>
+            <a:r>
+              <a:rPr lang="de-CH" dirty="0"/>
+              <a:t>Interview Herr Lehmann</a:t>
+            </a:r>
+          </a:p>
+          <a:p>
+            <a:pPr lvl="1"/>
+            <a:r>
+              <a:rPr lang="de-CH" dirty="0" err="1"/>
+              <a:t>Diary</a:t>
+            </a:r>
+            <a:endParaRPr lang="de-CH" dirty="0"/>
+          </a:p>
+          <a:p>
+            <a:pPr lvl="1"/>
+            <a:r>
+              <a:rPr lang="de-CH" dirty="0" err="1"/>
+              <a:t>Architectual</a:t>
+            </a:r>
+            <a:r>
+              <a:rPr lang="de-CH" dirty="0"/>
+              <a:t> </a:t>
+            </a:r>
+            <a:r>
+              <a:rPr lang="de-CH" dirty="0" err="1"/>
+              <a:t>desing</a:t>
+            </a:r>
+            <a:r>
+              <a:rPr lang="de-CH" dirty="0"/>
+              <a:t> </a:t>
+            </a:r>
+            <a:r>
+              <a:rPr lang="de-CH" dirty="0" err="1"/>
+              <a:t>pattern</a:t>
+            </a:r>
+            <a:endParaRPr lang="de-CH" dirty="0"/>
+          </a:p>
+          <a:p>
+            <a:pPr lvl="1"/>
+            <a:r>
+              <a:rPr lang="de-CH" dirty="0"/>
+              <a:t>Software </a:t>
+            </a:r>
+            <a:r>
+              <a:rPr lang="de-CH" dirty="0" err="1"/>
+              <a:t>architecture</a:t>
+            </a:r>
+            <a:endParaRPr lang="de-CH" dirty="0"/>
+          </a:p>
+        </p:txBody>
+      </p:sp>
+    </p:spTree>
+    <p:extLst>
+      <p:ext uri="{BB962C8B-B14F-4D97-AF65-F5344CB8AC3E}">
+        <p14:creationId xmlns:p14="http://schemas.microsoft.com/office/powerpoint/2010/main" val="1237764175"/>
+      </p:ext>
+    </p:extLst>
+  </p:cSld>
+  <p:clrMapOvr>
+    <a:masterClrMapping/>
+  </p:clrMapOvr>
+  <p:timing>
+    <p:tnLst>
+      <p:par>
+        <p:cTn id="1" dur="indefinite" restart="never" nodeType="tmRoot">
+          <p:childTnLst>
+            <p:seq concurrent="1" nextAc="seek">
+              <p:cTn id="2" dur="indefinite" nodeType="mainSeq">
+                <p:childTnLst>
+                  <p:par>
+                    <p:cTn id="3" fill="hold">
+                      <p:stCondLst>
+                        <p:cond delay="indefinite"/>
+                      </p:stCondLst>
+                      <p:childTnLst>
+                        <p:par>
+                          <p:cTn id="4" fill="hold">
+                            <p:stCondLst>
+                              <p:cond delay="0"/>
+                            </p:stCondLst>
+                            <p:childTnLst>
+                              <p:par>
+                                <p:cTn id="5" presetID="1" presetClass="entr" presetSubtype="0" fill="hold" grpId="0" nodeType="clickEffect">
+                                  <p:stCondLst>
+                                    <p:cond delay="0"/>
+                                  </p:stCondLst>
+                                  <p:childTnLst>
+                                    <p:set>
+                                      <p:cBhvr>
+                                        <p:cTn id="6" dur="1" fill="hold">
+                                          <p:stCondLst>
+                                            <p:cond delay="0"/>
+                                          </p:stCondLst>
+                                        </p:cTn>
+                                        <p:tgtEl>
+                                          <p:spTgt spid="3">
+                                            <p:txEl>
+                                              <p:pRg st="0" end="0"/>
+                                            </p:txEl>
+                                          </p:spTgt>
+                                        </p:tgtEl>
+                                        <p:attrNameLst>
+                                          <p:attrName>style.visibility</p:attrName>
+                                        </p:attrNameLst>
+                                      </p:cBhvr>
+                                      <p:to>
+                                        <p:strVal val="visible"/>
+                                      </p:to>
+                                    </p:set>
+                                  </p:childTnLst>
+                                </p:cTn>
+                              </p:par>
+                              <p:par>
+                                <p:cTn id="7" presetID="1" presetClass="entr" presetSubtype="0" fill="hold" grpId="0" nodeType="withEffect">
+                                  <p:stCondLst>
+                                    <p:cond delay="0"/>
+                                  </p:stCondLst>
+                                  <p:childTnLst>
+                                    <p:set>
+                                      <p:cBhvr>
+                                        <p:cTn id="8" dur="1" fill="hold">
+                                          <p:stCondLst>
+                                            <p:cond delay="0"/>
+                                          </p:stCondLst>
+                                        </p:cTn>
+                                        <p:tgtEl>
+                                          <p:spTgt spid="3">
+                                            <p:txEl>
+                                              <p:pRg st="1" end="1"/>
+                                            </p:txEl>
+                                          </p:spTgt>
+                                        </p:tgtEl>
+                                        <p:attrNameLst>
+                                          <p:attrName>style.visibility</p:attrName>
+                                        </p:attrNameLst>
+                                      </p:cBhvr>
+                                      <p:to>
+                                        <p:strVal val="visible"/>
+                                      </p:to>
+                                    </p:set>
+                                  </p:childTnLst>
+                                </p:cTn>
+                              </p:par>
+                              <p:par>
+                                <p:cTn id="9" presetID="1" presetClass="entr" presetSubtype="0" fill="hold" grpId="0" nodeType="withEffect">
+                                  <p:stCondLst>
+                                    <p:cond delay="0"/>
+                                  </p:stCondLst>
+                                  <p:childTnLst>
+                                    <p:set>
+                                      <p:cBhvr>
+                                        <p:cTn id="10" dur="1" fill="hold">
+                                          <p:stCondLst>
+                                            <p:cond delay="0"/>
+                                          </p:stCondLst>
+                                        </p:cTn>
+                                        <p:tgtEl>
+                                          <p:spTgt spid="3">
+                                            <p:txEl>
+                                              <p:pRg st="2" end="2"/>
+                                            </p:txEl>
+                                          </p:spTgt>
+                                        </p:tgtEl>
+                                        <p:attrNameLst>
+                                          <p:attrName>style.visibility</p:attrName>
+                                        </p:attrNameLst>
+                                      </p:cBhvr>
+                                      <p:to>
+                                        <p:strVal val="visible"/>
+                                      </p:to>
+                                    </p:set>
+                                  </p:childTnLst>
+                                </p:cTn>
+                              </p:par>
+                              <p:par>
+                                <p:cTn id="11" presetID="1" presetClass="entr" presetSubtype="0" fill="hold" grpId="0" nodeType="withEffect">
+                                  <p:stCondLst>
+                                    <p:cond delay="0"/>
+                                  </p:stCondLst>
+                                  <p:childTnLst>
+                                    <p:set>
+                                      <p:cBhvr>
+                                        <p:cTn id="12" dur="1" fill="hold">
+                                          <p:stCondLst>
+                                            <p:cond delay="0"/>
+                                          </p:stCondLst>
+                                        </p:cTn>
+                                        <p:tgtEl>
+                                          <p:spTgt spid="3">
+                                            <p:txEl>
+                                              <p:pRg st="3" end="3"/>
+                                            </p:txEl>
+                                          </p:spTgt>
+                                        </p:tgtEl>
+                                        <p:attrNameLst>
+                                          <p:attrName>style.visibility</p:attrName>
+                                        </p:attrNameLst>
+                                      </p:cBhvr>
+                                      <p:to>
+                                        <p:strVal val="visible"/>
+                                      </p:to>
+                                    </p:set>
+                                  </p:childTnLst>
+                                </p:cTn>
+                              </p:par>
+                              <p:par>
+                                <p:cTn id="13" presetID="1" presetClass="entr" presetSubtype="0" fill="hold" grpId="0" nodeType="withEffect">
+                                  <p:stCondLst>
+                                    <p:cond delay="0"/>
+                                  </p:stCondLst>
+                                  <p:childTnLst>
+                                    <p:set>
+                                      <p:cBhvr>
+                                        <p:cTn id="14" dur="1" fill="hold">
+                                          <p:stCondLst>
+                                            <p:cond delay="0"/>
+                                          </p:stCondLst>
+                                        </p:cTn>
+                                        <p:tgtEl>
+                                          <p:spTgt spid="3">
+                                            <p:txEl>
+                                              <p:pRg st="4" end="4"/>
+                                            </p:txEl>
+                                          </p:spTgt>
+                                        </p:tgtEl>
+                                        <p:attrNameLst>
+                                          <p:attrName>style.visibility</p:attrName>
+                                        </p:attrNameLst>
+                                      </p:cBhvr>
+                                      <p:to>
+                                        <p:strVal val="visible"/>
+                                      </p:to>
+                                    </p:set>
+                                  </p:childTnLst>
+                                </p:cTn>
+                              </p:par>
+                            </p:childTnLst>
+                          </p:cTn>
+                        </p:par>
+                      </p:childTnLst>
+                    </p:cTn>
+                  </p:par>
+                  <p:par>
+                    <p:cTn id="15" fill="hold">
+                      <p:stCondLst>
+                        <p:cond delay="indefinite"/>
+                      </p:stCondLst>
+                      <p:childTnLst>
+                        <p:par>
+                          <p:cTn id="16" fill="hold">
+                            <p:stCondLst>
+                              <p:cond delay="0"/>
+                            </p:stCondLst>
+                            <p:childTnLst>
+                              <p:par>
+                                <p:cTn id="17" presetID="1" presetClass="entr" presetSubtype="0" fill="hold" grpId="0" nodeType="clickEffect">
+                                  <p:stCondLst>
+                                    <p:cond delay="0"/>
+                                  </p:stCondLst>
+                                  <p:childTnLst>
+                                    <p:set>
+                                      <p:cBhvr>
+                                        <p:cTn id="18" dur="1" fill="hold">
+                                          <p:stCondLst>
+                                            <p:cond delay="0"/>
+                                          </p:stCondLst>
+                                        </p:cTn>
+                                        <p:tgtEl>
+                                          <p:spTgt spid="3">
+                                            <p:txEl>
+                                              <p:pRg st="6" end="6"/>
+                                            </p:txEl>
+                                          </p:spTgt>
+                                        </p:tgtEl>
+                                        <p:attrNameLst>
+                                          <p:attrName>style.visibility</p:attrName>
+                                        </p:attrNameLst>
+                                      </p:cBhvr>
+                                      <p:to>
+                                        <p:strVal val="visible"/>
+                                      </p:to>
+                                    </p:set>
+                                  </p:childTnLst>
+                                </p:cTn>
+                              </p:par>
+                              <p:par>
+                                <p:cTn id="19" presetID="1" presetClass="entr" presetSubtype="0" fill="hold" grpId="0" nodeType="withEffect">
+                                  <p:stCondLst>
+                                    <p:cond delay="0"/>
+                                  </p:stCondLst>
+                                  <p:childTnLst>
+                                    <p:set>
+                                      <p:cBhvr>
+                                        <p:cTn id="20" dur="1" fill="hold">
+                                          <p:stCondLst>
+                                            <p:cond delay="0"/>
+                                          </p:stCondLst>
+                                        </p:cTn>
+                                        <p:tgtEl>
+                                          <p:spTgt spid="3">
+                                            <p:txEl>
+                                              <p:pRg st="7" end="7"/>
+                                            </p:txEl>
+                                          </p:spTgt>
+                                        </p:tgtEl>
+                                        <p:attrNameLst>
+                                          <p:attrName>style.visibility</p:attrName>
+                                        </p:attrNameLst>
+                                      </p:cBhvr>
+                                      <p:to>
+                                        <p:strVal val="visible"/>
+                                      </p:to>
+                                    </p:set>
+                                  </p:childTnLst>
+                                </p:cTn>
+                              </p:par>
+                              <p:par>
+                                <p:cTn id="21" presetID="1" presetClass="entr" presetSubtype="0" fill="hold" grpId="0" nodeType="withEffect">
+                                  <p:stCondLst>
+                                    <p:cond delay="0"/>
+                                  </p:stCondLst>
+                                  <p:childTnLst>
+                                    <p:set>
+                                      <p:cBhvr>
+                                        <p:cTn id="22" dur="1" fill="hold">
+                                          <p:stCondLst>
+                                            <p:cond delay="0"/>
+                                          </p:stCondLst>
+                                        </p:cTn>
+                                        <p:tgtEl>
+                                          <p:spTgt spid="3">
+                                            <p:txEl>
+                                              <p:pRg st="8" end="8"/>
+                                            </p:txEl>
+                                          </p:spTgt>
+                                        </p:tgtEl>
+                                        <p:attrNameLst>
+                                          <p:attrName>style.visibility</p:attrName>
+                                        </p:attrNameLst>
+                                      </p:cBhvr>
+                                      <p:to>
+                                        <p:strVal val="visible"/>
+                                      </p:to>
+                                    </p:set>
+                                  </p:childTnLst>
+                                </p:cTn>
+                              </p:par>
+                              <p:par>
+                                <p:cTn id="23" presetID="1" presetClass="entr" presetSubtype="0" fill="hold" grpId="0" nodeType="withEffect">
+                                  <p:stCondLst>
+                                    <p:cond delay="0"/>
+                                  </p:stCondLst>
+                                  <p:childTnLst>
+                                    <p:set>
+                                      <p:cBhvr>
+                                        <p:cTn id="24" dur="1" fill="hold">
+                                          <p:stCondLst>
+                                            <p:cond delay="0"/>
+                                          </p:stCondLst>
+                                        </p:cTn>
+                                        <p:tgtEl>
+                                          <p:spTgt spid="3">
+                                            <p:txEl>
+                                              <p:pRg st="9" end="9"/>
+                                            </p:txEl>
+                                          </p:spTgt>
+                                        </p:tgtEl>
+                                        <p:attrNameLst>
+                                          <p:attrName>style.visibility</p:attrName>
+                                        </p:attrNameLst>
+                                      </p:cBhvr>
+                                      <p:to>
+                                        <p:strVal val="visible"/>
+                                      </p:to>
+                                    </p:set>
+                                  </p:childTnLst>
+                                </p:cTn>
+                              </p:par>
+                              <p:par>
+                                <p:cTn id="25" presetID="1" presetClass="entr" presetSubtype="0" fill="hold" grpId="0" nodeType="withEffect">
+                                  <p:stCondLst>
+                                    <p:cond delay="0"/>
+                                  </p:stCondLst>
+                                  <p:childTnLst>
+                                    <p:set>
+                                      <p:cBhvr>
+                                        <p:cTn id="26" dur="1" fill="hold">
+                                          <p:stCondLst>
+                                            <p:cond delay="0"/>
+                                          </p:stCondLst>
+                                        </p:cTn>
+                                        <p:tgtEl>
+                                          <p:spTgt spid="3">
+                                            <p:txEl>
+                                              <p:pRg st="10" end="10"/>
+                                            </p:txEl>
+                                          </p:spTgt>
+                                        </p:tgtEl>
+                                        <p:attrNameLst>
+                                          <p:attrName>style.visibility</p:attrName>
+                                        </p:attrNameLst>
+                                      </p:cBhvr>
+                                      <p:to>
+                                        <p:strVal val="visible"/>
+                                      </p:to>
+                                    </p:set>
+                                  </p:childTnLst>
+                                </p:cTn>
+                              </p:par>
+                            </p:childTnLst>
+                          </p:cTn>
+                        </p:par>
+                      </p:childTnLst>
+                    </p:cTn>
+                  </p:par>
+                </p:childTnLst>
+              </p:cTn>
+              <p:prevCondLst>
+                <p:cond evt="onPrev" delay="0">
+                  <p:tgtEl>
+                    <p:sldTgt/>
+                  </p:tgtEl>
+                </p:cond>
+              </p:prevCondLst>
+              <p:nextCondLst>
+                <p:cond evt="onNext" delay="0">
+                  <p:tgtEl>
+                    <p:sldTgt/>
+                  </p:tgtEl>
+                </p:cond>
+              </p:nextCondLst>
+            </p:seq>
+          </p:childTnLst>
+        </p:cTn>
+      </p:par>
+    </p:tnLst>
+    <p:bldLst>
+      <p:bldP spid="3" grpId="0" build="p"/>
+    </p:bldLst>
+  </p:timing>
+</p:sld>
+</file>
+
+<file path=ppt/slides/slide8.xml><?xml version="1.0" encoding="utf-8"?>
+<p:sld xmlns:a="http://schemas.openxmlformats.org/drawingml/2006/main" xmlns:r="http://schemas.openxmlformats.org/officeDocument/2006/relationships" xmlns:p="http://schemas.openxmlformats.org/presentationml/2006/main">
+  <p:cSld>
+    <p:spTree>
+      <p:nvGrpSpPr>
+        <p:cNvPr id="1" name=""/>
+        <p:cNvGrpSpPr/>
+        <p:nvPr/>
+      </p:nvGrpSpPr>
+      <p:grpSpPr>
+        <a:xfrm>
+          <a:off x="0" y="0"/>
+          <a:ext cx="0" cy="0"/>
+          <a:chOff x="0" y="0"/>
+          <a:chExt cx="0" cy="0"/>
+        </a:xfrm>
+      </p:grpSpPr>
+      <p:sp>
+        <p:nvSpPr>
+          <p:cNvPr id="2" name="Titel 1"/>
+          <p:cNvSpPr>
+            <a:spLocks noGrp="1"/>
+          </p:cNvSpPr>
+          <p:nvPr>
+            <p:ph type="title"/>
+          </p:nvPr>
+        </p:nvSpPr>
+        <p:spPr/>
+        <p:txBody>
+          <a:bodyPr/>
+          <a:lstStyle/>
+          <a:p>
+            <a:r>
+              <a:rPr lang="de-CH" dirty="0">
+                <a:solidFill>
+                  <a:srgbClr val="FF0000"/>
+                </a:solidFill>
+              </a:rPr>
+              <a:t>Personal </a:t>
+            </a:r>
+            <a:r>
+              <a:rPr lang="de-CH" dirty="0" err="1">
+                <a:solidFill>
+                  <a:srgbClr val="FF0000"/>
+                </a:solidFill>
+              </a:rPr>
+              <a:t>contributions</a:t>
+            </a:r>
+            <a:r>
+              <a:rPr lang="de-CH" dirty="0">
+                <a:solidFill>
+                  <a:srgbClr val="FF0000"/>
+                </a:solidFill>
+              </a:rPr>
+              <a:t> </a:t>
+            </a:r>
+            <a:endParaRPr lang="de-DE" dirty="0">
+              <a:solidFill>
+                <a:srgbClr val="FF0000"/>
+              </a:solidFill>
+            </a:endParaRPr>
+          </a:p>
+        </p:txBody>
+      </p:sp>
+      <p:sp>
+        <p:nvSpPr>
+          <p:cNvPr id="3" name="Inhaltsplatzhalter 2"/>
+          <p:cNvSpPr>
+            <a:spLocks noGrp="1"/>
+          </p:cNvSpPr>
+          <p:nvPr>
+            <p:ph idx="1"/>
+          </p:nvPr>
+        </p:nvSpPr>
+        <p:spPr>
+          <a:xfrm>
+            <a:off x="838200" y="1825624"/>
+            <a:ext cx="10515600" cy="5032375"/>
+          </a:xfrm>
+        </p:spPr>
+        <p:txBody>
+          <a:bodyPr>
+            <a:normAutofit/>
+          </a:bodyPr>
+          <a:lstStyle/>
+          <a:p>
+            <a:r>
+              <a:rPr lang="de-CH" dirty="0"/>
+              <a:t>Luca Ramos</a:t>
+            </a:r>
+          </a:p>
+          <a:p>
+            <a:pPr lvl="1"/>
+            <a:r>
+              <a:rPr lang="de-CH" dirty="0"/>
+              <a:t>UML Domain Model</a:t>
+            </a:r>
+          </a:p>
+          <a:p>
+            <a:pPr lvl="1"/>
+            <a:r>
+              <a:rPr lang="de-CH" dirty="0" err="1"/>
+              <a:t>Sequence</a:t>
+            </a:r>
+            <a:r>
+              <a:rPr lang="de-CH" dirty="0"/>
+              <a:t> </a:t>
+            </a:r>
+            <a:r>
+              <a:rPr lang="de-CH" dirty="0" err="1"/>
+              <a:t>diagram</a:t>
+            </a:r>
+            <a:endParaRPr lang="de-CH" dirty="0"/>
+          </a:p>
+          <a:p>
+            <a:pPr lvl="1"/>
+            <a:r>
+              <a:rPr lang="de-CH" dirty="0" err="1"/>
+              <a:t>Architectual</a:t>
+            </a:r>
+            <a:r>
+              <a:rPr lang="de-CH" dirty="0"/>
+              <a:t> design </a:t>
+            </a:r>
+            <a:r>
+              <a:rPr lang="de-CH" dirty="0" err="1"/>
+              <a:t>pattern</a:t>
+            </a:r>
+            <a:endParaRPr lang="de-CH" dirty="0"/>
+          </a:p>
+          <a:p>
+            <a:pPr lvl="1"/>
+            <a:r>
+              <a:rPr lang="de-CH" dirty="0"/>
+              <a:t>Software </a:t>
+            </a:r>
+            <a:r>
+              <a:rPr lang="de-CH" dirty="0" err="1"/>
+              <a:t>architecture</a:t>
+            </a:r>
+            <a:endParaRPr lang="de-CH" dirty="0"/>
+          </a:p>
+          <a:p>
+            <a:pPr lvl="1"/>
+            <a:r>
+              <a:rPr lang="de-CH" dirty="0" err="1"/>
+              <a:t>Maven</a:t>
+            </a:r>
+            <a:r>
+              <a:rPr lang="de-CH" dirty="0"/>
+              <a:t> &amp; </a:t>
+            </a:r>
+            <a:r>
+              <a:rPr lang="de-CH" dirty="0" err="1"/>
+              <a:t>Vaadin</a:t>
+            </a:r>
+            <a:r>
+              <a:rPr lang="de-CH" dirty="0"/>
+              <a:t> </a:t>
+            </a:r>
+            <a:r>
+              <a:rPr lang="de-CH" dirty="0" err="1"/>
+              <a:t>configuration</a:t>
+            </a:r>
+            <a:endParaRPr lang="de-CH" dirty="0"/>
+          </a:p>
+          <a:p>
+            <a:pPr lvl="1"/>
+            <a:endParaRPr lang="de-CH" dirty="0"/>
+          </a:p>
+          <a:p>
+            <a:r>
+              <a:rPr lang="de-CH" dirty="0"/>
+              <a:t>Roberto </a:t>
+            </a:r>
+            <a:r>
+              <a:rPr lang="de-CH" dirty="0" err="1"/>
+              <a:t>Tangarife</a:t>
+            </a:r>
+            <a:endParaRPr lang="de-CH" dirty="0"/>
+          </a:p>
+          <a:p>
+            <a:pPr lvl="1"/>
+            <a:r>
+              <a:rPr lang="de-CH" dirty="0"/>
+              <a:t>Research</a:t>
+            </a:r>
+          </a:p>
+          <a:p>
+            <a:pPr lvl="1"/>
+            <a:r>
+              <a:rPr lang="de-CH" dirty="0"/>
+              <a:t>Interview Herr Lehmann</a:t>
+            </a:r>
+          </a:p>
+          <a:p>
+            <a:pPr lvl="1"/>
+            <a:r>
+              <a:rPr lang="de-CH" dirty="0" err="1"/>
+              <a:t>Sequence</a:t>
+            </a:r>
+            <a:r>
+              <a:rPr lang="de-CH" dirty="0"/>
+              <a:t> </a:t>
+            </a:r>
+            <a:r>
+              <a:rPr lang="de-CH" dirty="0" err="1"/>
+              <a:t>diagram</a:t>
+            </a:r>
+            <a:endParaRPr lang="de-CH" dirty="0"/>
+          </a:p>
+          <a:p>
+            <a:pPr lvl="1"/>
+            <a:r>
+              <a:rPr lang="de-CH" dirty="0" err="1"/>
+              <a:t>Scrum</a:t>
+            </a:r>
+            <a:endParaRPr lang="de-CH" dirty="0"/>
+          </a:p>
+          <a:p>
+            <a:pPr lvl="1"/>
+            <a:endParaRPr lang="de-CH" dirty="0"/>
+          </a:p>
+          <a:p>
+            <a:endParaRPr lang="de-DE" dirty="0"/>
+          </a:p>
+        </p:txBody>
+      </p:sp>
+    </p:spTree>
+    <p:extLst>
+      <p:ext uri="{BB962C8B-B14F-4D97-AF65-F5344CB8AC3E}">
+        <p14:creationId xmlns:p14="http://schemas.microsoft.com/office/powerpoint/2010/main" val="3819774897"/>
+      </p:ext>
+    </p:extLst>
+  </p:cSld>
+  <p:clrMapOvr>
+    <a:masterClrMapping/>
+  </p:clrMapOvr>
+  <p:timing>
+    <p:tnLst>
+      <p:par>
+        <p:cTn id="1" dur="indefinite" restart="never" nodeType="tmRoot">
+          <p:childTnLst>
+            <p:seq concurrent="1" nextAc="seek">
+              <p:cTn id="2" dur="indefinite" nodeType="mainSeq">
+                <p:childTnLst>
+                  <p:par>
+                    <p:cTn id="3" fill="hold">
+                      <p:stCondLst>
+                        <p:cond delay="indefinite"/>
+                      </p:stCondLst>
+                      <p:childTnLst>
+                        <p:par>
+                          <p:cTn id="4" fill="hold">
+                            <p:stCondLst>
+                              <p:cond delay="0"/>
+                            </p:stCondLst>
+                            <p:childTnLst>
+                              <p:par>
+                                <p:cTn id="5" presetID="1" presetClass="entr" presetSubtype="0" fill="hold" nodeType="clickEffect">
+                                  <p:stCondLst>
+                                    <p:cond delay="0"/>
+                                  </p:stCondLst>
+                                  <p:childTnLst>
+                                    <p:set>
+                                      <p:cBhvr>
+                                        <p:cTn id="6" dur="1" fill="hold">
+                                          <p:stCondLst>
+                                            <p:cond delay="0"/>
+                                          </p:stCondLst>
+                                        </p:cTn>
+                                        <p:tgtEl>
+                                          <p:spTgt spid="3">
+                                            <p:txEl>
+                                              <p:pRg st="0" end="0"/>
+                                            </p:txEl>
+                                          </p:spTgt>
+                                        </p:tgtEl>
+                                        <p:attrNameLst>
+                                          <p:attrName>style.visibility</p:attrName>
+                                        </p:attrNameLst>
+                                      </p:cBhvr>
+                                      <p:to>
+                                        <p:strVal val="visible"/>
+                                      </p:to>
+                                    </p:set>
+                                  </p:childTnLst>
+                                </p:cTn>
+                              </p:par>
+                              <p:par>
+                                <p:cTn id="7" presetID="1" presetClass="entr" presetSubtype="0" fill="hold" nodeType="withEffect">
+                                  <p:stCondLst>
+                                    <p:cond delay="0"/>
+                                  </p:stCondLst>
+                                  <p:childTnLst>
+                                    <p:set>
+                                      <p:cBhvr>
+                                        <p:cTn id="8" dur="1" fill="hold">
+                                          <p:stCondLst>
+                                            <p:cond delay="0"/>
+                                          </p:stCondLst>
+                                        </p:cTn>
+                                        <p:tgtEl>
+                                          <p:spTgt spid="3">
+                                            <p:txEl>
+                                              <p:pRg st="1" end="1"/>
+                                            </p:txEl>
+                                          </p:spTgt>
+                                        </p:tgtEl>
+                                        <p:attrNameLst>
+                                          <p:attrName>style.visibility</p:attrName>
+                                        </p:attrNameLst>
+                                      </p:cBhvr>
+                                      <p:to>
+                                        <p:strVal val="visible"/>
+                                      </p:to>
+                                    </p:set>
+                                  </p:childTnLst>
+                                </p:cTn>
+                              </p:par>
+                              <p:par>
+                                <p:cTn id="9" presetID="1" presetClass="entr" presetSubtype="0" fill="hold" nodeType="withEffect">
+                                  <p:stCondLst>
+                                    <p:cond delay="0"/>
+                                  </p:stCondLst>
+                                  <p:childTnLst>
+                                    <p:set>
+                                      <p:cBhvr>
+                                        <p:cTn id="10" dur="1" fill="hold">
+                                          <p:stCondLst>
+                                            <p:cond delay="0"/>
+                                          </p:stCondLst>
+                                        </p:cTn>
+                                        <p:tgtEl>
+                                          <p:spTgt spid="3">
+                                            <p:txEl>
+                                              <p:pRg st="2" end="2"/>
+                                            </p:txEl>
+                                          </p:spTgt>
+                                        </p:tgtEl>
+                                        <p:attrNameLst>
+                                          <p:attrName>style.visibility</p:attrName>
+                                        </p:attrNameLst>
+                                      </p:cBhvr>
+                                      <p:to>
+                                        <p:strVal val="visible"/>
+                                      </p:to>
+                                    </p:set>
+                                  </p:childTnLst>
+                                </p:cTn>
+                              </p:par>
+                              <p:par>
+                                <p:cTn id="11" presetID="1" presetClass="entr" presetSubtype="0" fill="hold" nodeType="withEffect">
+                                  <p:stCondLst>
+                                    <p:cond delay="0"/>
+                                  </p:stCondLst>
+                                  <p:childTnLst>
+                                    <p:set>
+                                      <p:cBhvr>
+                                        <p:cTn id="12" dur="1" fill="hold">
+                                          <p:stCondLst>
+                                            <p:cond delay="0"/>
+                                          </p:stCondLst>
+                                        </p:cTn>
+                                        <p:tgtEl>
+                                          <p:spTgt spid="3">
+                                            <p:txEl>
+                                              <p:pRg st="3" end="3"/>
+                                            </p:txEl>
+                                          </p:spTgt>
+                                        </p:tgtEl>
+                                        <p:attrNameLst>
+                                          <p:attrName>style.visibility</p:attrName>
+                                        </p:attrNameLst>
+                                      </p:cBhvr>
+                                      <p:to>
+                                        <p:strVal val="visible"/>
+                                      </p:to>
+                                    </p:set>
+                                  </p:childTnLst>
+                                </p:cTn>
+                              </p:par>
+                              <p:par>
+                                <p:cTn id="13" presetID="1" presetClass="entr" presetSubtype="0" fill="hold" nodeType="withEffect">
+                                  <p:stCondLst>
+                                    <p:cond delay="0"/>
+                                  </p:stCondLst>
+                                  <p:childTnLst>
+                                    <p:set>
+                                      <p:cBhvr>
+                                        <p:cTn id="14" dur="1" fill="hold">
+                                          <p:stCondLst>
+                                            <p:cond delay="0"/>
+                                          </p:stCondLst>
+                                        </p:cTn>
+                                        <p:tgtEl>
+                                          <p:spTgt spid="3">
+                                            <p:txEl>
+                                              <p:pRg st="4" end="4"/>
+                                            </p:txEl>
+                                          </p:spTgt>
+                                        </p:tgtEl>
+                                        <p:attrNameLst>
+                                          <p:attrName>style.visibility</p:attrName>
+                                        </p:attrNameLst>
+                                      </p:cBhvr>
+                                      <p:to>
+                                        <p:strVal val="visible"/>
+                                      </p:to>
+                                    </p:set>
+                                  </p:childTnLst>
+                                </p:cTn>
+                              </p:par>
+                              <p:par>
+                                <p:cTn id="15" presetID="1" presetClass="entr" presetSubtype="0" fill="hold" nodeType="withEffect">
+                                  <p:stCondLst>
+                                    <p:cond delay="0"/>
+                                  </p:stCondLst>
+                                  <p:childTnLst>
+                                    <p:set>
+                                      <p:cBhvr>
+                                        <p:cTn id="16" dur="1" fill="hold">
+                                          <p:stCondLst>
+                                            <p:cond delay="0"/>
+                                          </p:stCondLst>
+                                        </p:cTn>
+                                        <p:tgtEl>
+                                          <p:spTgt spid="3">
+                                            <p:txEl>
+                                              <p:pRg st="5" end="5"/>
+                                            </p:txEl>
+                                          </p:spTgt>
+                                        </p:tgtEl>
+                                        <p:attrNameLst>
+                                          <p:attrName>style.visibility</p:attrName>
+                                        </p:attrNameLst>
+                                      </p:cBhvr>
+                                      <p:to>
+                                        <p:strVal val="visible"/>
+                                      </p:to>
+                                    </p:set>
+                                  </p:childTnLst>
+                                </p:cTn>
+                              </p:par>
+                            </p:childTnLst>
+                          </p:cTn>
+                        </p:par>
+                      </p:childTnLst>
+                    </p:cTn>
+                  </p:par>
+                  <p:par>
+                    <p:cTn id="17" fill="hold">
+                      <p:stCondLst>
+                        <p:cond delay="indefinite"/>
+                      </p:stCondLst>
+                      <p:childTnLst>
+                        <p:par>
+                          <p:cTn id="18" fill="hold">
+                            <p:stCondLst>
+                              <p:cond delay="0"/>
+                            </p:stCondLst>
+                            <p:childTnLst>
+                              <p:par>
+                                <p:cTn id="19" presetID="1" presetClass="entr" presetSubtype="0" fill="hold" nodeType="clickEffect">
+                                  <p:stCondLst>
+                                    <p:cond delay="0"/>
+                                  </p:stCondLst>
+                                  <p:childTnLst>
+                                    <p:set>
+                                      <p:cBhvr>
+                                        <p:cTn id="20" dur="1" fill="hold">
+                                          <p:stCondLst>
+                                            <p:cond delay="0"/>
+                                          </p:stCondLst>
+                                        </p:cTn>
+                                        <p:tgtEl>
+                                          <p:spTgt spid="3">
+                                            <p:txEl>
+                                              <p:pRg st="7" end="7"/>
+                                            </p:txEl>
+                                          </p:spTgt>
+                                        </p:tgtEl>
+                                        <p:attrNameLst>
+                                          <p:attrName>style.visibility</p:attrName>
+                                        </p:attrNameLst>
+                                      </p:cBhvr>
+                                      <p:to>
+                                        <p:strVal val="visible"/>
+                                      </p:to>
+                                    </p:set>
+                                  </p:childTnLst>
+                                </p:cTn>
+                              </p:par>
+                              <p:par>
+                                <p:cTn id="21" presetID="1" presetClass="entr" presetSubtype="0" fill="hold" nodeType="withEffect">
+                                  <p:stCondLst>
+                                    <p:cond delay="0"/>
+                                  </p:stCondLst>
+                                  <p:childTnLst>
+                                    <p:set>
+                                      <p:cBhvr>
+                                        <p:cTn id="22" dur="1" fill="hold">
+                                          <p:stCondLst>
+                                            <p:cond delay="0"/>
+                                          </p:stCondLst>
+                                        </p:cTn>
+                                        <p:tgtEl>
+                                          <p:spTgt spid="3">
+                                            <p:txEl>
+                                              <p:pRg st="8" end="8"/>
+                                            </p:txEl>
+                                          </p:spTgt>
+                                        </p:tgtEl>
+                                        <p:attrNameLst>
+                                          <p:attrName>style.visibility</p:attrName>
+                                        </p:attrNameLst>
+                                      </p:cBhvr>
+                                      <p:to>
+                                        <p:strVal val="visible"/>
+                                      </p:to>
+                                    </p:set>
+                                  </p:childTnLst>
+                                </p:cTn>
+                              </p:par>
+                              <p:par>
+                                <p:cTn id="23" presetID="1" presetClass="entr" presetSubtype="0" fill="hold" nodeType="withEffect">
+                                  <p:stCondLst>
+                                    <p:cond delay="0"/>
+                                  </p:stCondLst>
+                                  <p:childTnLst>
+                                    <p:set>
+                                      <p:cBhvr>
+                                        <p:cTn id="24" dur="1" fill="hold">
+                                          <p:stCondLst>
+                                            <p:cond delay="0"/>
+                                          </p:stCondLst>
+                                        </p:cTn>
+                                        <p:tgtEl>
+                                          <p:spTgt spid="3">
+                                            <p:txEl>
+                                              <p:pRg st="9" end="9"/>
+                                            </p:txEl>
+                                          </p:spTgt>
+                                        </p:tgtEl>
+                                        <p:attrNameLst>
+                                          <p:attrName>style.visibility</p:attrName>
+                                        </p:attrNameLst>
+                                      </p:cBhvr>
+                                      <p:to>
+                                        <p:strVal val="visible"/>
+                                      </p:to>
+                                    </p:set>
+                                  </p:childTnLst>
+                                </p:cTn>
+                              </p:par>
+                              <p:par>
+                                <p:cTn id="25" presetID="1" presetClass="entr" presetSubtype="0" fill="hold" nodeType="withEffect">
+                                  <p:stCondLst>
+                                    <p:cond delay="0"/>
+                                  </p:stCondLst>
+                                  <p:childTnLst>
+                                    <p:set>
+                                      <p:cBhvr>
+                                        <p:cTn id="26" dur="1" fill="hold">
+                                          <p:stCondLst>
+                                            <p:cond delay="0"/>
+                                          </p:stCondLst>
+                                        </p:cTn>
+                                        <p:tgtEl>
+                                          <p:spTgt spid="3">
+                                            <p:txEl>
+                                              <p:pRg st="10" end="10"/>
+                                            </p:txEl>
+                                          </p:spTgt>
+                                        </p:tgtEl>
+                                        <p:attrNameLst>
+                                          <p:attrName>style.visibility</p:attrName>
+                                        </p:attrNameLst>
+                                      </p:cBhvr>
+                                      <p:to>
+                                        <p:strVal val="visible"/>
+                                      </p:to>
+                                    </p:set>
+                                  </p:childTnLst>
+                                </p:cTn>
+                              </p:par>
+                              <p:par>
+                                <p:cTn id="27" presetID="1" presetClass="entr" presetSubtype="0" fill="hold" nodeType="withEffect">
+                                  <p:stCondLst>
+                                    <p:cond delay="0"/>
+                                  </p:stCondLst>
+                                  <p:childTnLst>
+                                    <p:set>
+                                      <p:cBhvr>
+                                        <p:cTn id="28" dur="1" fill="hold">
+                                          <p:stCondLst>
+                                            <p:cond delay="0"/>
+                                          </p:stCondLst>
+                                        </p:cTn>
+                                        <p:tgtEl>
+                                          <p:spTgt spid="3">
+                                            <p:txEl>
+                                              <p:pRg st="11" end="11"/>
+                                            </p:txEl>
+                                          </p:spTgt>
+                                        </p:tgtEl>
+                                        <p:attrNameLst>
+                                          <p:attrName>style.visibility</p:attrName>
+                                        </p:attrNameLst>
+                                      </p:cBhvr>
+                                      <p:to>
+                                        <p:strVal val="visible"/>
+                                      </p:to>
+                                    </p:set>
+                                  </p:childTnLst>
+                                </p:cTn>
+                              </p:par>
+                            </p:childTnLst>
+                          </p:cTn>
+                        </p:par>
+                      </p:childTnLst>
+                    </p:cTn>
+                  </p:par>
+                </p:childTnLst>
+              </p:cTn>
+              <p:prevCondLst>
+                <p:cond evt="onPrev" delay="0">
+                  <p:tgtEl>
+                    <p:sldTgt/>
+                  </p:tgtEl>
+                </p:cond>
+              </p:prevCondLst>
+              <p:nextCondLst>
+                <p:cond evt="onNext" delay="0">
+                  <p:tgtEl>
+                    <p:sldTgt/>
+                  </p:tgtEl>
+                </p:cond>
+              </p:nextCondLst>
+            </p:seq>
+          </p:childTnLst>
+        </p:cTn>
+      </p:par>
+    </p:tnLst>
+  </p:timing>
+</p:sld>
+</file>
+
+<file path=ppt/slides/slide9.xml><?xml version="1.0" encoding="utf-8"?>
 <p:sld xmlns:a="http://schemas.openxmlformats.org/drawingml/2006/main" xmlns:r="http://schemas.openxmlformats.org/officeDocument/2006/relationships" xmlns:p="http://schemas.openxmlformats.org/presentationml/2006/main">
   <p:cSld>
     <p:spTree>
@@ -5567,941 +10101,161 @@
   <p:clrMapOvr>
     <a:masterClrMapping/>
   </p:clrMapOvr>
-</p:sld>
-</file>
-
-<file path=ppt/slides/slide5.xml><?xml version="1.0" encoding="utf-8"?>
-<p:sld xmlns:a="http://schemas.openxmlformats.org/drawingml/2006/main" xmlns:r="http://schemas.openxmlformats.org/officeDocument/2006/relationships" xmlns:p="http://schemas.openxmlformats.org/presentationml/2006/main">
-  <p:cSld>
-    <p:spTree>
-      <p:nvGrpSpPr>
-        <p:cNvPr id="1" name=""/>
-        <p:cNvGrpSpPr/>
-        <p:nvPr/>
-      </p:nvGrpSpPr>
-      <p:grpSpPr>
-        <a:xfrm>
-          <a:off x="0" y="0"/>
-          <a:ext cx="0" cy="0"/>
-          <a:chOff x="0" y="0"/>
-          <a:chExt cx="0" cy="0"/>
-        </a:xfrm>
-      </p:grpSpPr>
-      <p:sp>
-        <p:nvSpPr>
-          <p:cNvPr id="2" name="Titel 1"/>
-          <p:cNvSpPr>
-            <a:spLocks noGrp="1"/>
-          </p:cNvSpPr>
-          <p:nvPr>
-            <p:ph type="title"/>
-          </p:nvPr>
-        </p:nvSpPr>
-        <p:spPr/>
-        <p:txBody>
-          <a:bodyPr/>
-          <a:lstStyle/>
-          <a:p>
-            <a:r>
-              <a:rPr lang="de-CH" dirty="0" err="1">
-                <a:solidFill>
-                  <a:srgbClr val="FF0000"/>
-                </a:solidFill>
-              </a:rPr>
-              <a:t>Lessons</a:t>
-            </a:r>
-            <a:r>
-              <a:rPr lang="de-CH" dirty="0">
-                <a:solidFill>
-                  <a:srgbClr val="FF0000"/>
-                </a:solidFill>
-              </a:rPr>
-              <a:t> </a:t>
-            </a:r>
-            <a:r>
-              <a:rPr lang="de-CH" dirty="0" err="1">
-                <a:solidFill>
-                  <a:srgbClr val="FF0000"/>
-                </a:solidFill>
-              </a:rPr>
-              <a:t>learned</a:t>
-            </a:r>
-            <a:endParaRPr lang="de-DE" dirty="0">
-              <a:solidFill>
-                <a:srgbClr val="FF0000"/>
-              </a:solidFill>
-            </a:endParaRPr>
-          </a:p>
-        </p:txBody>
-      </p:sp>
-      <p:sp>
-        <p:nvSpPr>
-          <p:cNvPr id="3" name="Inhaltsplatzhalter 2"/>
-          <p:cNvSpPr>
-            <a:spLocks noGrp="1"/>
-          </p:cNvSpPr>
-          <p:nvPr>
-            <p:ph idx="1"/>
-          </p:nvPr>
-        </p:nvSpPr>
-        <p:spPr/>
-        <p:txBody>
-          <a:bodyPr/>
-          <a:lstStyle/>
-          <a:p>
-            <a:r>
-              <a:rPr lang="de-CH" dirty="0" err="1"/>
-              <a:t>Requirements</a:t>
-            </a:r>
-            <a:endParaRPr lang="de-CH" dirty="0"/>
-          </a:p>
-          <a:p>
-            <a:pPr lvl="1"/>
-            <a:r>
-              <a:rPr lang="de-CH" dirty="0"/>
-              <a:t>Früh </a:t>
-            </a:r>
-            <a:r>
-              <a:rPr lang="de-CH" dirty="0" err="1"/>
-              <a:t>gefreezed</a:t>
-            </a:r>
-            <a:endParaRPr lang="de-CH" dirty="0"/>
-          </a:p>
-          <a:p>
-            <a:pPr lvl="1"/>
-            <a:endParaRPr lang="de-CH" dirty="0"/>
-          </a:p>
-          <a:p>
-            <a:pPr lvl="1"/>
-            <a:r>
-              <a:rPr lang="de-CH" dirty="0"/>
-              <a:t>Field </a:t>
-            </a:r>
-            <a:r>
-              <a:rPr lang="de-CH" dirty="0" err="1"/>
-              <a:t>study</a:t>
-            </a:r>
-            <a:endParaRPr lang="de-CH" dirty="0"/>
-          </a:p>
-          <a:p>
-            <a:pPr lvl="1"/>
-            <a:endParaRPr lang="de-CH" dirty="0"/>
-          </a:p>
-          <a:p>
-            <a:pPr lvl="1"/>
-            <a:r>
-              <a:rPr lang="de-CH" dirty="0"/>
-              <a:t>Validiert durch Interview</a:t>
-            </a:r>
-          </a:p>
-          <a:p>
-            <a:endParaRPr lang="de-CH" dirty="0"/>
-          </a:p>
-          <a:p>
-            <a:pPr lvl="1"/>
-            <a:endParaRPr lang="de-CH" dirty="0"/>
-          </a:p>
-          <a:p>
-            <a:pPr lvl="1"/>
-            <a:endParaRPr lang="de-DE" dirty="0"/>
-          </a:p>
-          <a:p>
-            <a:endParaRPr lang="de-DE" dirty="0"/>
-          </a:p>
-        </p:txBody>
-      </p:sp>
-      <p:pic>
-        <p:nvPicPr>
-          <p:cNvPr id="6" name="Inhaltsplatzhalter 3"/>
-          <p:cNvPicPr>
-            <a:picLocks noChangeAspect="1"/>
-          </p:cNvPicPr>
-          <p:nvPr/>
-        </p:nvPicPr>
-        <p:blipFill>
-          <a:blip r:embed="rId2">
-            <a:extLst>
-              <a:ext uri="{28A0092B-C50C-407E-A947-70E740481C1C}">
-                <a14:useLocalDpi xmlns:a14="http://schemas.microsoft.com/office/drawing/2010/main" val="0"/>
-              </a:ext>
-            </a:extLst>
-          </a:blip>
-          <a:stretch>
-            <a:fillRect/>
-          </a:stretch>
-        </p:blipFill>
-        <p:spPr>
-          <a:xfrm>
-            <a:off x="3557850" y="1420847"/>
-            <a:ext cx="8545484" cy="5700650"/>
-          </a:xfrm>
-          <a:prstGeom prst="rect">
-            <a:avLst/>
-          </a:prstGeom>
-        </p:spPr>
-      </p:pic>
-    </p:spTree>
-    <p:extLst>
-      <p:ext uri="{BB962C8B-B14F-4D97-AF65-F5344CB8AC3E}">
-        <p14:creationId xmlns:p14="http://schemas.microsoft.com/office/powerpoint/2010/main" val="854606116"/>
-      </p:ext>
-    </p:extLst>
-  </p:cSld>
-  <p:clrMapOvr>
-    <a:masterClrMapping/>
-  </p:clrMapOvr>
-</p:sld>
-</file>
-
-<file path=ppt/slides/slide6.xml><?xml version="1.0" encoding="utf-8"?>
-<p:sld xmlns:a="http://schemas.openxmlformats.org/drawingml/2006/main" xmlns:r="http://schemas.openxmlformats.org/officeDocument/2006/relationships" xmlns:p="http://schemas.openxmlformats.org/presentationml/2006/main">
-  <p:cSld>
-    <p:spTree>
-      <p:nvGrpSpPr>
-        <p:cNvPr id="1" name=""/>
-        <p:cNvGrpSpPr/>
-        <p:nvPr/>
-      </p:nvGrpSpPr>
-      <p:grpSpPr>
-        <a:xfrm>
-          <a:off x="0" y="0"/>
-          <a:ext cx="0" cy="0"/>
-          <a:chOff x="0" y="0"/>
-          <a:chExt cx="0" cy="0"/>
-        </a:xfrm>
-      </p:grpSpPr>
-      <p:sp>
-        <p:nvSpPr>
-          <p:cNvPr id="2" name="Titel 1"/>
-          <p:cNvSpPr>
-            <a:spLocks noGrp="1"/>
-          </p:cNvSpPr>
-          <p:nvPr>
-            <p:ph type="title"/>
-          </p:nvPr>
-        </p:nvSpPr>
-        <p:spPr/>
-        <p:txBody>
-          <a:bodyPr/>
-          <a:lstStyle/>
-          <a:p>
-            <a:r>
-              <a:rPr lang="de-CH" dirty="0" err="1">
-                <a:solidFill>
-                  <a:srgbClr val="FF0000"/>
-                </a:solidFill>
-              </a:rPr>
-              <a:t>Lessons</a:t>
-            </a:r>
-            <a:r>
-              <a:rPr lang="de-CH" dirty="0">
-                <a:solidFill>
-                  <a:srgbClr val="FF0000"/>
-                </a:solidFill>
-              </a:rPr>
-              <a:t> </a:t>
-            </a:r>
-            <a:r>
-              <a:rPr lang="de-CH" dirty="0" err="1">
-                <a:solidFill>
-                  <a:srgbClr val="FF0000"/>
-                </a:solidFill>
-              </a:rPr>
-              <a:t>learned</a:t>
-            </a:r>
-            <a:endParaRPr lang="de-DE" dirty="0">
-              <a:solidFill>
-                <a:srgbClr val="FF0000"/>
-              </a:solidFill>
-            </a:endParaRPr>
-          </a:p>
-        </p:txBody>
-      </p:sp>
-      <p:sp>
-        <p:nvSpPr>
-          <p:cNvPr id="3" name="Inhaltsplatzhalter 2"/>
-          <p:cNvSpPr>
-            <a:spLocks noGrp="1"/>
-          </p:cNvSpPr>
-          <p:nvPr>
-            <p:ph idx="1"/>
-          </p:nvPr>
-        </p:nvSpPr>
-        <p:spPr/>
-        <p:txBody>
-          <a:bodyPr/>
-          <a:lstStyle/>
-          <a:p>
-            <a:r>
-              <a:rPr lang="de-CH" dirty="0"/>
-              <a:t>Design</a:t>
-            </a:r>
-          </a:p>
-          <a:p>
-            <a:pPr lvl="1"/>
-            <a:r>
-              <a:rPr lang="de-CH" dirty="0"/>
-              <a:t>Mock-</a:t>
-            </a:r>
-            <a:r>
-              <a:rPr lang="de-CH" dirty="0" err="1"/>
-              <a:t>up</a:t>
-            </a:r>
-            <a:r>
-              <a:rPr lang="de-CH" dirty="0"/>
-              <a:t> auf Papier genau sein</a:t>
-            </a:r>
-          </a:p>
-          <a:p>
-            <a:pPr lvl="1"/>
-            <a:r>
-              <a:rPr lang="de-CH" dirty="0"/>
-              <a:t> Datenbankmodel</a:t>
-            </a:r>
-          </a:p>
-          <a:p>
-            <a:pPr lvl="1"/>
-            <a:endParaRPr lang="de-CH" dirty="0"/>
-          </a:p>
-          <a:p>
-            <a:endParaRPr lang="de-CH" dirty="0"/>
-          </a:p>
-          <a:p>
-            <a:pPr lvl="1"/>
-            <a:endParaRPr lang="de-CH" dirty="0"/>
-          </a:p>
-          <a:p>
-            <a:pPr lvl="1"/>
-            <a:endParaRPr lang="de-DE" dirty="0"/>
-          </a:p>
-          <a:p>
-            <a:endParaRPr lang="de-DE" dirty="0"/>
-          </a:p>
-        </p:txBody>
-      </p:sp>
-      <p:pic>
-        <p:nvPicPr>
-          <p:cNvPr id="7" name="Grafik 6"/>
-          <p:cNvPicPr>
-            <a:picLocks noChangeAspect="1"/>
-          </p:cNvPicPr>
-          <p:nvPr/>
-        </p:nvPicPr>
-        <p:blipFill rotWithShape="1">
-          <a:blip r:embed="rId2" cstate="print">
-            <a:extLst>
-              <a:ext uri="{28A0092B-C50C-407E-A947-70E740481C1C}">
-                <a14:useLocalDpi xmlns:a14="http://schemas.microsoft.com/office/drawing/2010/main" val="0"/>
-              </a:ext>
-            </a:extLst>
-          </a:blip>
-          <a:srcRect l="7239" t="34927" r="6353" b="7101"/>
-          <a:stretch/>
-        </p:blipFill>
-        <p:spPr>
-          <a:xfrm>
-            <a:off x="5906133" y="558967"/>
-            <a:ext cx="6079435" cy="5748875"/>
-          </a:xfrm>
-          <a:prstGeom prst="rect">
-            <a:avLst/>
-          </a:prstGeom>
-        </p:spPr>
-      </p:pic>
-    </p:spTree>
-    <p:extLst>
-      <p:ext uri="{BB962C8B-B14F-4D97-AF65-F5344CB8AC3E}">
-        <p14:creationId xmlns:p14="http://schemas.microsoft.com/office/powerpoint/2010/main" val="3635984796"/>
-      </p:ext>
-    </p:extLst>
-  </p:cSld>
-  <p:clrMapOvr>
-    <a:masterClrMapping/>
-  </p:clrMapOvr>
-</p:sld>
-</file>
-
-<file path=ppt/slides/slide7.xml><?xml version="1.0" encoding="utf-8"?>
-<p:sld xmlns:a="http://schemas.openxmlformats.org/drawingml/2006/main" xmlns:r="http://schemas.openxmlformats.org/officeDocument/2006/relationships" xmlns:p="http://schemas.openxmlformats.org/presentationml/2006/main">
-  <p:cSld>
-    <p:spTree>
-      <p:nvGrpSpPr>
-        <p:cNvPr id="1" name=""/>
-        <p:cNvGrpSpPr/>
-        <p:nvPr/>
-      </p:nvGrpSpPr>
-      <p:grpSpPr>
-        <a:xfrm>
-          <a:off x="0" y="0"/>
-          <a:ext cx="0" cy="0"/>
-          <a:chOff x="0" y="0"/>
-          <a:chExt cx="0" cy="0"/>
-        </a:xfrm>
-      </p:grpSpPr>
-      <p:sp>
-        <p:nvSpPr>
-          <p:cNvPr id="2" name="Titel 1"/>
-          <p:cNvSpPr>
-            <a:spLocks noGrp="1"/>
-          </p:cNvSpPr>
-          <p:nvPr>
-            <p:ph type="title"/>
-          </p:nvPr>
-        </p:nvSpPr>
-        <p:spPr/>
-        <p:txBody>
-          <a:bodyPr/>
-          <a:lstStyle/>
-          <a:p>
-            <a:r>
-              <a:rPr lang="de-CH" dirty="0" err="1">
-                <a:solidFill>
-                  <a:srgbClr val="FF0000"/>
-                </a:solidFill>
-              </a:rPr>
-              <a:t>Lessons</a:t>
-            </a:r>
-            <a:r>
-              <a:rPr lang="de-CH" dirty="0">
-                <a:solidFill>
-                  <a:srgbClr val="FF0000"/>
-                </a:solidFill>
-              </a:rPr>
-              <a:t> </a:t>
-            </a:r>
-            <a:r>
-              <a:rPr lang="de-CH" dirty="0" err="1">
-                <a:solidFill>
-                  <a:srgbClr val="FF0000"/>
-                </a:solidFill>
-              </a:rPr>
-              <a:t>learned</a:t>
-            </a:r>
-            <a:endParaRPr lang="de-DE" dirty="0">
-              <a:solidFill>
-                <a:srgbClr val="FF0000"/>
-              </a:solidFill>
-            </a:endParaRPr>
-          </a:p>
-        </p:txBody>
-      </p:sp>
-      <p:sp>
-        <p:nvSpPr>
-          <p:cNvPr id="3" name="Inhaltsplatzhalter 2"/>
-          <p:cNvSpPr>
-            <a:spLocks noGrp="1"/>
-          </p:cNvSpPr>
-          <p:nvPr>
-            <p:ph idx="1"/>
-          </p:nvPr>
-        </p:nvSpPr>
-        <p:spPr/>
-        <p:txBody>
-          <a:bodyPr/>
-          <a:lstStyle/>
-          <a:p>
-            <a:r>
-              <a:rPr lang="de-CH" dirty="0"/>
-              <a:t>Design</a:t>
-            </a:r>
-          </a:p>
-          <a:p>
-            <a:pPr lvl="1"/>
-            <a:r>
-              <a:rPr lang="de-CH" dirty="0"/>
-              <a:t>Mock-</a:t>
-            </a:r>
-            <a:r>
-              <a:rPr lang="de-CH" dirty="0" err="1"/>
-              <a:t>up</a:t>
-            </a:r>
-            <a:r>
-              <a:rPr lang="de-CH" dirty="0"/>
-              <a:t> auf Papier genau sein</a:t>
-            </a:r>
-          </a:p>
-          <a:p>
-            <a:pPr lvl="1"/>
-            <a:r>
-              <a:rPr lang="de-CH" dirty="0"/>
-              <a:t> Datenbankmodel</a:t>
-            </a:r>
-          </a:p>
-          <a:p>
-            <a:endParaRPr lang="de-CH" dirty="0"/>
-          </a:p>
-          <a:p>
-            <a:pPr lvl="1"/>
-            <a:endParaRPr lang="de-CH" dirty="0"/>
-          </a:p>
-          <a:p>
-            <a:pPr lvl="1"/>
-            <a:endParaRPr lang="de-DE" dirty="0"/>
-          </a:p>
-          <a:p>
-            <a:endParaRPr lang="de-DE" dirty="0"/>
-          </a:p>
-        </p:txBody>
-      </p:sp>
-      <p:pic>
-        <p:nvPicPr>
-          <p:cNvPr id="7" name="Grafik 6"/>
-          <p:cNvPicPr>
-            <a:picLocks noChangeAspect="1"/>
-          </p:cNvPicPr>
-          <p:nvPr/>
-        </p:nvPicPr>
-        <p:blipFill rotWithShape="1">
-          <a:blip r:embed="rId2" cstate="print">
-            <a:extLst>
-              <a:ext uri="{28A0092B-C50C-407E-A947-70E740481C1C}">
-                <a14:useLocalDpi xmlns:a14="http://schemas.microsoft.com/office/drawing/2010/main" val="0"/>
-              </a:ext>
-            </a:extLst>
-          </a:blip>
-          <a:srcRect l="7239" t="34927" r="6353" b="7101"/>
-          <a:stretch/>
-        </p:blipFill>
-        <p:spPr>
-          <a:xfrm>
-            <a:off x="5906133" y="558967"/>
-            <a:ext cx="6079435" cy="5748875"/>
-          </a:xfrm>
-          <a:prstGeom prst="rect">
-            <a:avLst/>
-          </a:prstGeom>
-        </p:spPr>
-      </p:pic>
-      <p:pic>
-        <p:nvPicPr>
-          <p:cNvPr id="10" name="Grafik 9"/>
-          <p:cNvPicPr>
-            <a:picLocks noChangeAspect="1"/>
-          </p:cNvPicPr>
-          <p:nvPr/>
-        </p:nvPicPr>
-        <p:blipFill>
-          <a:blip r:embed="rId3">
-            <a:extLst>
-              <a:ext uri="{28A0092B-C50C-407E-A947-70E740481C1C}">
-                <a14:useLocalDpi xmlns:a14="http://schemas.microsoft.com/office/drawing/2010/main" val="0"/>
-              </a:ext>
-            </a:extLst>
-          </a:blip>
-          <a:stretch>
-            <a:fillRect/>
-          </a:stretch>
-        </p:blipFill>
-        <p:spPr>
-          <a:xfrm>
-            <a:off x="0" y="406731"/>
-            <a:ext cx="12192000" cy="6044537"/>
-          </a:xfrm>
-          <a:prstGeom prst="rect">
-            <a:avLst/>
-          </a:prstGeom>
-        </p:spPr>
-      </p:pic>
-    </p:spTree>
-    <p:extLst>
-      <p:ext uri="{BB962C8B-B14F-4D97-AF65-F5344CB8AC3E}">
-        <p14:creationId xmlns:p14="http://schemas.microsoft.com/office/powerpoint/2010/main" val="3787966195"/>
-      </p:ext>
-    </p:extLst>
-  </p:cSld>
-  <p:clrMapOvr>
-    <a:masterClrMapping/>
-  </p:clrMapOvr>
-</p:sld>
-</file>
-
-<file path=ppt/slides/slide8.xml><?xml version="1.0" encoding="utf-8"?>
-<p:sld xmlns:a="http://schemas.openxmlformats.org/drawingml/2006/main" xmlns:r="http://schemas.openxmlformats.org/officeDocument/2006/relationships" xmlns:p="http://schemas.openxmlformats.org/presentationml/2006/main">
-  <p:cSld>
-    <p:spTree>
-      <p:nvGrpSpPr>
-        <p:cNvPr id="1" name=""/>
-        <p:cNvGrpSpPr/>
-        <p:nvPr/>
-      </p:nvGrpSpPr>
-      <p:grpSpPr>
-        <a:xfrm>
-          <a:off x="0" y="0"/>
-          <a:ext cx="0" cy="0"/>
-          <a:chOff x="0" y="0"/>
-          <a:chExt cx="0" cy="0"/>
-        </a:xfrm>
-      </p:grpSpPr>
-      <p:sp>
-        <p:nvSpPr>
-          <p:cNvPr id="2" name="Titel 1"/>
-          <p:cNvSpPr>
-            <a:spLocks noGrp="1"/>
-          </p:cNvSpPr>
-          <p:nvPr>
-            <p:ph type="title"/>
-          </p:nvPr>
-        </p:nvSpPr>
-        <p:spPr/>
-        <p:txBody>
-          <a:bodyPr/>
-          <a:lstStyle/>
-          <a:p>
-            <a:r>
-              <a:rPr lang="de-CH" dirty="0" err="1">
-                <a:solidFill>
-                  <a:srgbClr val="FF0000"/>
-                </a:solidFill>
-              </a:rPr>
-              <a:t>Lessons</a:t>
-            </a:r>
-            <a:r>
-              <a:rPr lang="de-CH" dirty="0">
-                <a:solidFill>
-                  <a:srgbClr val="FF0000"/>
-                </a:solidFill>
-              </a:rPr>
-              <a:t> </a:t>
-            </a:r>
-            <a:r>
-              <a:rPr lang="de-CH" dirty="0" err="1">
-                <a:solidFill>
-                  <a:srgbClr val="FF0000"/>
-                </a:solidFill>
-              </a:rPr>
-              <a:t>learned</a:t>
-            </a:r>
-            <a:endParaRPr lang="de-DE" dirty="0">
-              <a:solidFill>
-                <a:srgbClr val="FF0000"/>
-              </a:solidFill>
-            </a:endParaRPr>
-          </a:p>
-        </p:txBody>
-      </p:sp>
-      <p:sp>
-        <p:nvSpPr>
-          <p:cNvPr id="3" name="Inhaltsplatzhalter 2"/>
-          <p:cNvSpPr>
-            <a:spLocks noGrp="1"/>
-          </p:cNvSpPr>
-          <p:nvPr>
-            <p:ph idx="1"/>
-          </p:nvPr>
-        </p:nvSpPr>
-        <p:spPr/>
-        <p:txBody>
-          <a:bodyPr/>
-          <a:lstStyle/>
-          <a:p>
-            <a:r>
-              <a:rPr lang="de-CH" dirty="0"/>
-              <a:t>Design</a:t>
-            </a:r>
-          </a:p>
-          <a:p>
-            <a:pPr lvl="1"/>
-            <a:r>
-              <a:rPr lang="de-CH" dirty="0"/>
-              <a:t>Mock-</a:t>
-            </a:r>
-            <a:r>
-              <a:rPr lang="de-CH" dirty="0" err="1"/>
-              <a:t>up</a:t>
-            </a:r>
-            <a:r>
-              <a:rPr lang="de-CH" dirty="0"/>
-              <a:t> auf Papier genau sein</a:t>
-            </a:r>
-          </a:p>
-          <a:p>
-            <a:pPr lvl="1"/>
-            <a:r>
-              <a:rPr lang="de-CH" dirty="0"/>
-              <a:t> Datenbankmodel</a:t>
-            </a:r>
-          </a:p>
-          <a:p>
-            <a:pPr lvl="1"/>
-            <a:r>
-              <a:rPr lang="de-CH" dirty="0"/>
-              <a:t>CRC Karten hilfreich</a:t>
-            </a:r>
-          </a:p>
-          <a:p>
-            <a:r>
-              <a:rPr lang="de-CH" dirty="0"/>
-              <a:t>Implementation</a:t>
-            </a:r>
-          </a:p>
-          <a:p>
-            <a:pPr lvl="1"/>
-            <a:r>
-              <a:rPr lang="de-CH" dirty="0"/>
-              <a:t>Keine Erfahrung mit </a:t>
-            </a:r>
-            <a:r>
-              <a:rPr lang="de-CH" dirty="0" err="1"/>
-              <a:t>Vaadin</a:t>
-            </a:r>
-            <a:endParaRPr lang="de-CH" dirty="0"/>
-          </a:p>
-          <a:p>
-            <a:pPr lvl="1"/>
-            <a:r>
-              <a:rPr lang="de-CH" dirty="0"/>
-              <a:t>Kompetenzen verschieden</a:t>
-            </a:r>
-          </a:p>
-          <a:p>
-            <a:pPr lvl="1"/>
-            <a:r>
-              <a:rPr lang="de-CH" dirty="0"/>
-              <a:t>Designfragen nachhohlen</a:t>
-            </a:r>
-          </a:p>
-          <a:p>
-            <a:pPr lvl="1"/>
-            <a:r>
-              <a:rPr lang="de-CH" dirty="0"/>
-              <a:t>Refresh funktionierte nicht gut</a:t>
-            </a:r>
-          </a:p>
-          <a:p>
-            <a:pPr lvl="1"/>
-            <a:endParaRPr lang="de-CH" dirty="0"/>
-          </a:p>
-          <a:p>
-            <a:pPr lvl="1"/>
-            <a:endParaRPr lang="de-DE" dirty="0"/>
-          </a:p>
-          <a:p>
-            <a:endParaRPr lang="de-DE" dirty="0"/>
-          </a:p>
-        </p:txBody>
-      </p:sp>
-      <p:pic>
-        <p:nvPicPr>
-          <p:cNvPr id="7" name="Grafik 6"/>
-          <p:cNvPicPr>
-            <a:picLocks noChangeAspect="1"/>
-          </p:cNvPicPr>
-          <p:nvPr/>
-        </p:nvPicPr>
-        <p:blipFill rotWithShape="1">
-          <a:blip r:embed="rId2" cstate="print">
-            <a:extLst>
-              <a:ext uri="{28A0092B-C50C-407E-A947-70E740481C1C}">
-                <a14:useLocalDpi xmlns:a14="http://schemas.microsoft.com/office/drawing/2010/main" val="0"/>
-              </a:ext>
-            </a:extLst>
-          </a:blip>
-          <a:srcRect l="7239" t="34927" r="6353" b="7101"/>
-          <a:stretch/>
-        </p:blipFill>
-        <p:spPr>
-          <a:xfrm>
-            <a:off x="5906133" y="558967"/>
-            <a:ext cx="6079435" cy="5748875"/>
-          </a:xfrm>
-          <a:prstGeom prst="rect">
-            <a:avLst/>
-          </a:prstGeom>
-        </p:spPr>
-      </p:pic>
-    </p:spTree>
-    <p:extLst>
-      <p:ext uri="{BB962C8B-B14F-4D97-AF65-F5344CB8AC3E}">
-        <p14:creationId xmlns:p14="http://schemas.microsoft.com/office/powerpoint/2010/main" val="99153034"/>
-      </p:ext>
-    </p:extLst>
-  </p:cSld>
-  <p:clrMapOvr>
-    <a:masterClrMapping/>
-  </p:clrMapOvr>
-</p:sld>
-</file>
-
-<file path=ppt/slides/slide9.xml><?xml version="1.0" encoding="utf-8"?>
-<p:sld xmlns:a="http://schemas.openxmlformats.org/drawingml/2006/main" xmlns:r="http://schemas.openxmlformats.org/officeDocument/2006/relationships" xmlns:p="http://schemas.openxmlformats.org/presentationml/2006/main">
-  <p:cSld>
-    <p:spTree>
-      <p:nvGrpSpPr>
-        <p:cNvPr id="1" name=""/>
-        <p:cNvGrpSpPr/>
-        <p:nvPr/>
-      </p:nvGrpSpPr>
-      <p:grpSpPr>
-        <a:xfrm>
-          <a:off x="0" y="0"/>
-          <a:ext cx="0" cy="0"/>
-          <a:chOff x="0" y="0"/>
-          <a:chExt cx="0" cy="0"/>
-        </a:xfrm>
-      </p:grpSpPr>
-      <p:sp>
-        <p:nvSpPr>
-          <p:cNvPr id="2" name="Titel 1"/>
-          <p:cNvSpPr>
-            <a:spLocks noGrp="1"/>
-          </p:cNvSpPr>
-          <p:nvPr>
-            <p:ph type="title"/>
-          </p:nvPr>
-        </p:nvSpPr>
-        <p:spPr/>
-        <p:txBody>
-          <a:bodyPr/>
-          <a:lstStyle/>
-          <a:p>
-            <a:r>
-              <a:rPr lang="de-CH" dirty="0" err="1">
-                <a:solidFill>
-                  <a:srgbClr val="FF0000"/>
-                </a:solidFill>
-              </a:rPr>
-              <a:t>Lessons</a:t>
-            </a:r>
-            <a:r>
-              <a:rPr lang="de-CH" dirty="0">
-                <a:solidFill>
-                  <a:srgbClr val="FF0000"/>
-                </a:solidFill>
-              </a:rPr>
-              <a:t> </a:t>
-            </a:r>
-            <a:r>
-              <a:rPr lang="de-CH" dirty="0" err="1">
-                <a:solidFill>
-                  <a:srgbClr val="FF0000"/>
-                </a:solidFill>
-              </a:rPr>
-              <a:t>learned</a:t>
-            </a:r>
-            <a:endParaRPr lang="de-DE" dirty="0">
-              <a:solidFill>
-                <a:srgbClr val="FF0000"/>
-              </a:solidFill>
-            </a:endParaRPr>
-          </a:p>
-        </p:txBody>
-      </p:sp>
-      <p:sp>
-        <p:nvSpPr>
-          <p:cNvPr id="3" name="Inhaltsplatzhalter 2"/>
-          <p:cNvSpPr>
-            <a:spLocks noGrp="1"/>
-          </p:cNvSpPr>
-          <p:nvPr>
-            <p:ph idx="1"/>
-          </p:nvPr>
-        </p:nvSpPr>
-        <p:spPr/>
-        <p:txBody>
-          <a:bodyPr/>
-          <a:lstStyle/>
-          <a:p>
-            <a:r>
-              <a:rPr lang="de-CH" dirty="0" err="1"/>
-              <a:t>Scrum</a:t>
-            </a:r>
-            <a:r>
-              <a:rPr lang="de-CH" dirty="0"/>
-              <a:t> </a:t>
-            </a:r>
-            <a:r>
-              <a:rPr lang="de-CH" dirty="0" err="1"/>
-              <a:t>retrospective</a:t>
-            </a:r>
-            <a:endParaRPr lang="de-CH" dirty="0"/>
-          </a:p>
-          <a:p>
-            <a:pPr lvl="1"/>
-            <a:r>
-              <a:rPr lang="de-CH" dirty="0"/>
-              <a:t>Erster </a:t>
-            </a:r>
-            <a:r>
-              <a:rPr lang="de-CH" dirty="0" err="1"/>
-              <a:t>Product</a:t>
-            </a:r>
-            <a:r>
-              <a:rPr lang="de-CH" dirty="0"/>
-              <a:t> </a:t>
-            </a:r>
-            <a:r>
-              <a:rPr lang="de-CH" dirty="0" err="1"/>
-              <a:t>Backlog</a:t>
-            </a:r>
-            <a:r>
-              <a:rPr lang="de-CH" dirty="0"/>
-              <a:t> zu unspezifisch</a:t>
-            </a:r>
-          </a:p>
-          <a:p>
-            <a:pPr lvl="1"/>
-            <a:endParaRPr lang="de-CH" dirty="0"/>
-          </a:p>
-          <a:p>
-            <a:pPr lvl="1"/>
-            <a:endParaRPr lang="de-CH" dirty="0"/>
-          </a:p>
-          <a:p>
-            <a:endParaRPr lang="de-CH" dirty="0"/>
-          </a:p>
-          <a:p>
-            <a:pPr lvl="1"/>
-            <a:endParaRPr lang="de-CH" dirty="0"/>
-          </a:p>
-          <a:p>
-            <a:pPr lvl="1"/>
-            <a:endParaRPr lang="de-DE" dirty="0"/>
-          </a:p>
-          <a:p>
-            <a:endParaRPr lang="de-DE" dirty="0"/>
-          </a:p>
-        </p:txBody>
-      </p:sp>
-      <p:pic>
-        <p:nvPicPr>
-          <p:cNvPr id="5" name="Inhaltsplatzhalter 3"/>
-          <p:cNvPicPr>
-            <a:picLocks noChangeAspect="1"/>
-          </p:cNvPicPr>
-          <p:nvPr/>
-        </p:nvPicPr>
-        <p:blipFill>
-          <a:blip r:embed="rId2">
-            <a:extLst>
-              <a:ext uri="{28A0092B-C50C-407E-A947-70E740481C1C}">
-                <a14:useLocalDpi xmlns:a14="http://schemas.microsoft.com/office/drawing/2010/main" val="0"/>
-              </a:ext>
-            </a:extLst>
-          </a:blip>
-          <a:stretch>
-            <a:fillRect/>
-          </a:stretch>
-        </p:blipFill>
-        <p:spPr>
-          <a:xfrm>
-            <a:off x="39197" y="2703262"/>
-            <a:ext cx="12088498" cy="2922494"/>
-          </a:xfrm>
-          <a:prstGeom prst="rect">
-            <a:avLst/>
-          </a:prstGeom>
-        </p:spPr>
-      </p:pic>
-    </p:spTree>
-    <p:extLst>
-      <p:ext uri="{BB962C8B-B14F-4D97-AF65-F5344CB8AC3E}">
-        <p14:creationId xmlns:p14="http://schemas.microsoft.com/office/powerpoint/2010/main" val="2266546869"/>
-      </p:ext>
-    </p:extLst>
-  </p:cSld>
-  <p:clrMapOvr>
-    <a:masterClrMapping/>
-  </p:clrMapOvr>
+  <p:timing>
+    <p:tnLst>
+      <p:par>
+        <p:cTn id="1" dur="indefinite" restart="never" nodeType="tmRoot">
+          <p:childTnLst>
+            <p:seq concurrent="1" nextAc="seek">
+              <p:cTn id="2" dur="indefinite" nodeType="mainSeq">
+                <p:childTnLst>
+                  <p:par>
+                    <p:cTn id="3" fill="hold">
+                      <p:stCondLst>
+                        <p:cond delay="indefinite"/>
+                      </p:stCondLst>
+                      <p:childTnLst>
+                        <p:par>
+                          <p:cTn id="4" fill="hold">
+                            <p:stCondLst>
+                              <p:cond delay="0"/>
+                            </p:stCondLst>
+                            <p:childTnLst>
+                              <p:par>
+                                <p:cTn id="5" presetID="10" presetClass="entr" presetSubtype="0" fill="hold" grpId="0" nodeType="clickEffect">
+                                  <p:stCondLst>
+                                    <p:cond delay="0"/>
+                                  </p:stCondLst>
+                                  <p:childTnLst>
+                                    <p:set>
+                                      <p:cBhvr>
+                                        <p:cTn id="6" dur="1" fill="hold">
+                                          <p:stCondLst>
+                                            <p:cond delay="0"/>
+                                          </p:stCondLst>
+                                        </p:cTn>
+                                        <p:tgtEl>
+                                          <p:spTgt spid="3">
+                                            <p:txEl>
+                                              <p:pRg st="1" end="1"/>
+                                            </p:txEl>
+                                          </p:spTgt>
+                                        </p:tgtEl>
+                                        <p:attrNameLst>
+                                          <p:attrName>style.visibility</p:attrName>
+                                        </p:attrNameLst>
+                                      </p:cBhvr>
+                                      <p:to>
+                                        <p:strVal val="visible"/>
+                                      </p:to>
+                                    </p:set>
+                                    <p:animEffect transition="in" filter="fade">
+                                      <p:cBhvr>
+                                        <p:cTn id="7" dur="500"/>
+                                        <p:tgtEl>
+                                          <p:spTgt spid="3">
+                                            <p:txEl>
+                                              <p:pRg st="1" end="1"/>
+                                            </p:txEl>
+                                          </p:spTgt>
+                                        </p:tgtEl>
+                                      </p:cBhvr>
+                                    </p:animEffect>
+                                  </p:childTnLst>
+                                </p:cTn>
+                              </p:par>
+                            </p:childTnLst>
+                          </p:cTn>
+                        </p:par>
+                      </p:childTnLst>
+                    </p:cTn>
+                  </p:par>
+                  <p:par>
+                    <p:cTn id="8" fill="hold">
+                      <p:stCondLst>
+                        <p:cond delay="indefinite"/>
+                      </p:stCondLst>
+                      <p:childTnLst>
+                        <p:par>
+                          <p:cTn id="9" fill="hold">
+                            <p:stCondLst>
+                              <p:cond delay="0"/>
+                            </p:stCondLst>
+                            <p:childTnLst>
+                              <p:par>
+                                <p:cTn id="10" presetID="10" presetClass="entr" presetSubtype="0" fill="hold" grpId="0" nodeType="clickEffect">
+                                  <p:stCondLst>
+                                    <p:cond delay="0"/>
+                                  </p:stCondLst>
+                                  <p:childTnLst>
+                                    <p:set>
+                                      <p:cBhvr>
+                                        <p:cTn id="11" dur="1" fill="hold">
+                                          <p:stCondLst>
+                                            <p:cond delay="0"/>
+                                          </p:stCondLst>
+                                        </p:cTn>
+                                        <p:tgtEl>
+                                          <p:spTgt spid="3">
+                                            <p:txEl>
+                                              <p:pRg st="2" end="2"/>
+                                            </p:txEl>
+                                          </p:spTgt>
+                                        </p:tgtEl>
+                                        <p:attrNameLst>
+                                          <p:attrName>style.visibility</p:attrName>
+                                        </p:attrNameLst>
+                                      </p:cBhvr>
+                                      <p:to>
+                                        <p:strVal val="visible"/>
+                                      </p:to>
+                                    </p:set>
+                                    <p:animEffect transition="in" filter="fade">
+                                      <p:cBhvr>
+                                        <p:cTn id="12" dur="500"/>
+                                        <p:tgtEl>
+                                          <p:spTgt spid="3">
+                                            <p:txEl>
+                                              <p:pRg st="2" end="2"/>
+                                            </p:txEl>
+                                          </p:spTgt>
+                                        </p:tgtEl>
+                                      </p:cBhvr>
+                                    </p:animEffect>
+                                  </p:childTnLst>
+                                </p:cTn>
+                              </p:par>
+                            </p:childTnLst>
+                          </p:cTn>
+                        </p:par>
+                      </p:childTnLst>
+                    </p:cTn>
+                  </p:par>
+                </p:childTnLst>
+              </p:cTn>
+              <p:prevCondLst>
+                <p:cond evt="onPrev" delay="0">
+                  <p:tgtEl>
+                    <p:sldTgt/>
+                  </p:tgtEl>
+                </p:cond>
+              </p:prevCondLst>
+              <p:nextCondLst>
+                <p:cond evt="onNext" delay="0">
+                  <p:tgtEl>
+                    <p:sldTgt/>
+                  </p:tgtEl>
+                </p:cond>
+              </p:nextCondLst>
+            </p:seq>
+          </p:childTnLst>
+        </p:cTn>
+      </p:par>
+    </p:tnLst>
+    <p:bldLst>
+      <p:bldP spid="3" grpId="0" uiExpand="1" build="p"/>
+    </p:bldLst>
+  </p:timing>
 </p:sld>
 </file>
 

--- a/doc/task14/final presentation.pptx
+++ b/doc/task14/final presentation.pptx
@@ -4,6 +4,9 @@
   <p:sldMasterIdLst>
     <p:sldMasterId id="2147483648" r:id="rId1"/>
   </p:sldMasterIdLst>
+  <p:notesMasterIdLst>
+    <p:notesMasterId r:id="rId22"/>
+  </p:notesMasterIdLst>
   <p:sldIdLst>
     <p:sldId id="257" r:id="rId2"/>
     <p:sldId id="264" r:id="rId3"/>
@@ -14,16 +17,17 @@
     <p:sldId id="281" r:id="rId8"/>
     <p:sldId id="282" r:id="rId9"/>
     <p:sldId id="265" r:id="rId10"/>
-    <p:sldId id="266" r:id="rId11"/>
-    <p:sldId id="267" r:id="rId12"/>
-    <p:sldId id="268" r:id="rId13"/>
-    <p:sldId id="269" r:id="rId14"/>
-    <p:sldId id="270" r:id="rId15"/>
-    <p:sldId id="272" r:id="rId16"/>
-    <p:sldId id="273" r:id="rId17"/>
-    <p:sldId id="274" r:id="rId18"/>
-    <p:sldId id="275" r:id="rId19"/>
-    <p:sldId id="259" r:id="rId20"/>
+    <p:sldId id="283" r:id="rId11"/>
+    <p:sldId id="266" r:id="rId12"/>
+    <p:sldId id="267" r:id="rId13"/>
+    <p:sldId id="268" r:id="rId14"/>
+    <p:sldId id="269" r:id="rId15"/>
+    <p:sldId id="270" r:id="rId16"/>
+    <p:sldId id="272" r:id="rId17"/>
+    <p:sldId id="273" r:id="rId18"/>
+    <p:sldId id="274" r:id="rId19"/>
+    <p:sldId id="275" r:id="rId20"/>
+    <p:sldId id="259" r:id="rId21"/>
   </p:sldIdLst>
   <p:sldSz cx="12192000" cy="6858000"/>
   <p:notesSz cx="6858000" cy="9144000"/>
@@ -130,6 +134,1418 @@
 </p:presentation>
 </file>
 
+<file path=ppt/notesMasters/notesMaster1.xml><?xml version="1.0" encoding="utf-8"?>
+<p:notesMaster xmlns:a="http://schemas.openxmlformats.org/drawingml/2006/main" xmlns:r="http://schemas.openxmlformats.org/officeDocument/2006/relationships" xmlns:p="http://schemas.openxmlformats.org/presentationml/2006/main">
+  <p:cSld>
+    <p:bg>
+      <p:bgRef idx="1001">
+        <a:schemeClr val="bg1"/>
+      </p:bgRef>
+    </p:bg>
+    <p:spTree>
+      <p:nvGrpSpPr>
+        <p:cNvPr id="1" name=""/>
+        <p:cNvGrpSpPr/>
+        <p:nvPr/>
+      </p:nvGrpSpPr>
+      <p:grpSpPr>
+        <a:xfrm>
+          <a:off x="0" y="0"/>
+          <a:ext cx="0" cy="0"/>
+          <a:chOff x="0" y="0"/>
+          <a:chExt cx="0" cy="0"/>
+        </a:xfrm>
+      </p:grpSpPr>
+      <p:sp>
+        <p:nvSpPr>
+          <p:cNvPr id="2" name="Kopfzeilenplatzhalter 1"/>
+          <p:cNvSpPr>
+            <a:spLocks noGrp="1"/>
+          </p:cNvSpPr>
+          <p:nvPr>
+            <p:ph type="hdr" sz="quarter"/>
+          </p:nvPr>
+        </p:nvSpPr>
+        <p:spPr>
+          <a:xfrm>
+            <a:off x="0" y="0"/>
+            <a:ext cx="2971800" cy="458788"/>
+          </a:xfrm>
+          <a:prstGeom prst="rect">
+            <a:avLst/>
+          </a:prstGeom>
+        </p:spPr>
+        <p:txBody>
+          <a:bodyPr vert="horz" lIns="91440" tIns="45720" rIns="91440" bIns="45720" rtlCol="0"/>
+          <a:lstStyle>
+            <a:lvl1pPr algn="l">
+              <a:defRPr sz="1200"/>
+            </a:lvl1pPr>
+          </a:lstStyle>
+          <a:p>
+            <a:endParaRPr lang="de-CH"/>
+          </a:p>
+        </p:txBody>
+      </p:sp>
+      <p:sp>
+        <p:nvSpPr>
+          <p:cNvPr id="3" name="Datumsplatzhalter 2"/>
+          <p:cNvSpPr>
+            <a:spLocks noGrp="1"/>
+          </p:cNvSpPr>
+          <p:nvPr>
+            <p:ph type="dt" idx="1"/>
+          </p:nvPr>
+        </p:nvSpPr>
+        <p:spPr>
+          <a:xfrm>
+            <a:off x="3884613" y="0"/>
+            <a:ext cx="2971800" cy="458788"/>
+          </a:xfrm>
+          <a:prstGeom prst="rect">
+            <a:avLst/>
+          </a:prstGeom>
+        </p:spPr>
+        <p:txBody>
+          <a:bodyPr vert="horz" lIns="91440" tIns="45720" rIns="91440" bIns="45720" rtlCol="0"/>
+          <a:lstStyle>
+            <a:lvl1pPr algn="r">
+              <a:defRPr sz="1200"/>
+            </a:lvl1pPr>
+          </a:lstStyle>
+          <a:p>
+            <a:fld id="{17EDF21E-BDAD-2147-B0C6-3B0C6B36D627}" type="datetimeFigureOut">
+              <a:rPr lang="de-CH" smtClean="0"/>
+              <a:t>19.01.17</a:t>
+            </a:fld>
+            <a:endParaRPr lang="de-CH"/>
+          </a:p>
+        </p:txBody>
+      </p:sp>
+      <p:sp>
+        <p:nvSpPr>
+          <p:cNvPr id="4" name="Folienbildplatzhalter 3"/>
+          <p:cNvSpPr>
+            <a:spLocks noGrp="1" noRot="1" noChangeAspect="1"/>
+          </p:cNvSpPr>
+          <p:nvPr>
+            <p:ph type="sldImg" idx="2"/>
+          </p:nvPr>
+        </p:nvSpPr>
+        <p:spPr>
+          <a:xfrm>
+            <a:off x="685800" y="1143000"/>
+            <a:ext cx="5486400" cy="3086100"/>
+          </a:xfrm>
+          <a:prstGeom prst="rect">
+            <a:avLst/>
+          </a:prstGeom>
+          <a:noFill/>
+          <a:ln w="12700">
+            <a:solidFill>
+              <a:prstClr val="black"/>
+            </a:solidFill>
+          </a:ln>
+        </p:spPr>
+        <p:txBody>
+          <a:bodyPr vert="horz" lIns="91440" tIns="45720" rIns="91440" bIns="45720" rtlCol="0" anchor="ctr"/>
+          <a:lstStyle/>
+          <a:p>
+            <a:endParaRPr lang="de-CH"/>
+          </a:p>
+        </p:txBody>
+      </p:sp>
+      <p:sp>
+        <p:nvSpPr>
+          <p:cNvPr id="5" name="Notizenplatzhalter 4"/>
+          <p:cNvSpPr>
+            <a:spLocks noGrp="1"/>
+          </p:cNvSpPr>
+          <p:nvPr>
+            <p:ph type="body" sz="quarter" idx="3"/>
+          </p:nvPr>
+        </p:nvSpPr>
+        <p:spPr>
+          <a:xfrm>
+            <a:off x="685800" y="4400550"/>
+            <a:ext cx="5486400" cy="3600450"/>
+          </a:xfrm>
+          <a:prstGeom prst="rect">
+            <a:avLst/>
+          </a:prstGeom>
+        </p:spPr>
+        <p:txBody>
+          <a:bodyPr vert="horz" lIns="91440" tIns="45720" rIns="91440" bIns="45720" rtlCol="0"/>
+          <a:lstStyle/>
+          <a:p>
+            <a:pPr lvl="0"/>
+            <a:r>
+              <a:rPr lang="de-DE" smtClean="0"/>
+              <a:t>Mastertextformat bearbeiten</a:t>
+            </a:r>
+          </a:p>
+          <a:p>
+            <a:pPr lvl="1"/>
+            <a:r>
+              <a:rPr lang="de-DE" smtClean="0"/>
+              <a:t>Zweite Ebene</a:t>
+            </a:r>
+          </a:p>
+          <a:p>
+            <a:pPr lvl="2"/>
+            <a:r>
+              <a:rPr lang="de-DE" smtClean="0"/>
+              <a:t>Dritte Ebene</a:t>
+            </a:r>
+          </a:p>
+          <a:p>
+            <a:pPr lvl="3"/>
+            <a:r>
+              <a:rPr lang="de-DE" smtClean="0"/>
+              <a:t>Vierte Ebene</a:t>
+            </a:r>
+          </a:p>
+          <a:p>
+            <a:pPr lvl="4"/>
+            <a:r>
+              <a:rPr lang="de-DE" smtClean="0"/>
+              <a:t>Fünfte Ebene</a:t>
+            </a:r>
+            <a:endParaRPr lang="de-CH"/>
+          </a:p>
+        </p:txBody>
+      </p:sp>
+      <p:sp>
+        <p:nvSpPr>
+          <p:cNvPr id="6" name="Fußzeilenplatzhalter 5"/>
+          <p:cNvSpPr>
+            <a:spLocks noGrp="1"/>
+          </p:cNvSpPr>
+          <p:nvPr>
+            <p:ph type="ftr" sz="quarter" idx="4"/>
+          </p:nvPr>
+        </p:nvSpPr>
+        <p:spPr>
+          <a:xfrm>
+            <a:off x="0" y="8685213"/>
+            <a:ext cx="2971800" cy="458787"/>
+          </a:xfrm>
+          <a:prstGeom prst="rect">
+            <a:avLst/>
+          </a:prstGeom>
+        </p:spPr>
+        <p:txBody>
+          <a:bodyPr vert="horz" lIns="91440" tIns="45720" rIns="91440" bIns="45720" rtlCol="0" anchor="b"/>
+          <a:lstStyle>
+            <a:lvl1pPr algn="l">
+              <a:defRPr sz="1200"/>
+            </a:lvl1pPr>
+          </a:lstStyle>
+          <a:p>
+            <a:endParaRPr lang="de-CH"/>
+          </a:p>
+        </p:txBody>
+      </p:sp>
+      <p:sp>
+        <p:nvSpPr>
+          <p:cNvPr id="7" name="Foliennummernplatzhalter 6"/>
+          <p:cNvSpPr>
+            <a:spLocks noGrp="1"/>
+          </p:cNvSpPr>
+          <p:nvPr>
+            <p:ph type="sldNum" sz="quarter" idx="5"/>
+          </p:nvPr>
+        </p:nvSpPr>
+        <p:spPr>
+          <a:xfrm>
+            <a:off x="3884613" y="8685213"/>
+            <a:ext cx="2971800" cy="458787"/>
+          </a:xfrm>
+          <a:prstGeom prst="rect">
+            <a:avLst/>
+          </a:prstGeom>
+        </p:spPr>
+        <p:txBody>
+          <a:bodyPr vert="horz" lIns="91440" tIns="45720" rIns="91440" bIns="45720" rtlCol="0" anchor="b"/>
+          <a:lstStyle>
+            <a:lvl1pPr algn="r">
+              <a:defRPr sz="1200"/>
+            </a:lvl1pPr>
+          </a:lstStyle>
+          <a:p>
+            <a:fld id="{DA591D63-5CDF-C14E-8CB7-DEC48F63DDF3}" type="slidenum">
+              <a:rPr lang="de-CH" smtClean="0"/>
+              <a:t>‹Nr.›</a:t>
+            </a:fld>
+            <a:endParaRPr lang="de-CH"/>
+          </a:p>
+        </p:txBody>
+      </p:sp>
+    </p:spTree>
+    <p:extLst>
+      <p:ext uri="{BB962C8B-B14F-4D97-AF65-F5344CB8AC3E}">
+        <p14:creationId xmlns:p14="http://schemas.microsoft.com/office/powerpoint/2010/main" val="635873932"/>
+      </p:ext>
+    </p:extLst>
+  </p:cSld>
+  <p:clrMap bg1="lt1" tx1="dk1" bg2="lt2" tx2="dk2" accent1="accent1" accent2="accent2" accent3="accent3" accent4="accent4" accent5="accent5" accent6="accent6" hlink="hlink" folHlink="folHlink"/>
+  <p:notesStyle>
+    <a:lvl1pPr marL="0" algn="l" defTabSz="914400" rtl="0" eaLnBrk="1" latinLnBrk="0" hangingPunct="1">
+      <a:defRPr sz="1200" kern="1200">
+        <a:solidFill>
+          <a:schemeClr val="tx1"/>
+        </a:solidFill>
+        <a:latin typeface="+mn-lt"/>
+        <a:ea typeface="+mn-ea"/>
+        <a:cs typeface="+mn-cs"/>
+      </a:defRPr>
+    </a:lvl1pPr>
+    <a:lvl2pPr marL="457200" algn="l" defTabSz="914400" rtl="0" eaLnBrk="1" latinLnBrk="0" hangingPunct="1">
+      <a:defRPr sz="1200" kern="1200">
+        <a:solidFill>
+          <a:schemeClr val="tx1"/>
+        </a:solidFill>
+        <a:latin typeface="+mn-lt"/>
+        <a:ea typeface="+mn-ea"/>
+        <a:cs typeface="+mn-cs"/>
+      </a:defRPr>
+    </a:lvl2pPr>
+    <a:lvl3pPr marL="914400" algn="l" defTabSz="914400" rtl="0" eaLnBrk="1" latinLnBrk="0" hangingPunct="1">
+      <a:defRPr sz="1200" kern="1200">
+        <a:solidFill>
+          <a:schemeClr val="tx1"/>
+        </a:solidFill>
+        <a:latin typeface="+mn-lt"/>
+        <a:ea typeface="+mn-ea"/>
+        <a:cs typeface="+mn-cs"/>
+      </a:defRPr>
+    </a:lvl3pPr>
+    <a:lvl4pPr marL="1371600" algn="l" defTabSz="914400" rtl="0" eaLnBrk="1" latinLnBrk="0" hangingPunct="1">
+      <a:defRPr sz="1200" kern="1200">
+        <a:solidFill>
+          <a:schemeClr val="tx1"/>
+        </a:solidFill>
+        <a:latin typeface="+mn-lt"/>
+        <a:ea typeface="+mn-ea"/>
+        <a:cs typeface="+mn-cs"/>
+      </a:defRPr>
+    </a:lvl4pPr>
+    <a:lvl5pPr marL="1828800" algn="l" defTabSz="914400" rtl="0" eaLnBrk="1" latinLnBrk="0" hangingPunct="1">
+      <a:defRPr sz="1200" kern="1200">
+        <a:solidFill>
+          <a:schemeClr val="tx1"/>
+        </a:solidFill>
+        <a:latin typeface="+mn-lt"/>
+        <a:ea typeface="+mn-ea"/>
+        <a:cs typeface="+mn-cs"/>
+      </a:defRPr>
+    </a:lvl5pPr>
+    <a:lvl6pPr marL="2286000" algn="l" defTabSz="914400" rtl="0" eaLnBrk="1" latinLnBrk="0" hangingPunct="1">
+      <a:defRPr sz="1200" kern="1200">
+        <a:solidFill>
+          <a:schemeClr val="tx1"/>
+        </a:solidFill>
+        <a:latin typeface="+mn-lt"/>
+        <a:ea typeface="+mn-ea"/>
+        <a:cs typeface="+mn-cs"/>
+      </a:defRPr>
+    </a:lvl6pPr>
+    <a:lvl7pPr marL="2743200" algn="l" defTabSz="914400" rtl="0" eaLnBrk="1" latinLnBrk="0" hangingPunct="1">
+      <a:defRPr sz="1200" kern="1200">
+        <a:solidFill>
+          <a:schemeClr val="tx1"/>
+        </a:solidFill>
+        <a:latin typeface="+mn-lt"/>
+        <a:ea typeface="+mn-ea"/>
+        <a:cs typeface="+mn-cs"/>
+      </a:defRPr>
+    </a:lvl7pPr>
+    <a:lvl8pPr marL="3200400" algn="l" defTabSz="914400" rtl="0" eaLnBrk="1" latinLnBrk="0" hangingPunct="1">
+      <a:defRPr sz="1200" kern="1200">
+        <a:solidFill>
+          <a:schemeClr val="tx1"/>
+        </a:solidFill>
+        <a:latin typeface="+mn-lt"/>
+        <a:ea typeface="+mn-ea"/>
+        <a:cs typeface="+mn-cs"/>
+      </a:defRPr>
+    </a:lvl8pPr>
+    <a:lvl9pPr marL="3657600" algn="l" defTabSz="914400" rtl="0" eaLnBrk="1" latinLnBrk="0" hangingPunct="1">
+      <a:defRPr sz="1200" kern="1200">
+        <a:solidFill>
+          <a:schemeClr val="tx1"/>
+        </a:solidFill>
+        <a:latin typeface="+mn-lt"/>
+        <a:ea typeface="+mn-ea"/>
+        <a:cs typeface="+mn-cs"/>
+      </a:defRPr>
+    </a:lvl9pPr>
+  </p:notesStyle>
+</p:notesMaster>
+</file>
+
+<file path=ppt/notesSlides/notesSlide1.xml><?xml version="1.0" encoding="utf-8"?>
+<p:notes xmlns:a="http://schemas.openxmlformats.org/drawingml/2006/main" xmlns:r="http://schemas.openxmlformats.org/officeDocument/2006/relationships" xmlns:p="http://schemas.openxmlformats.org/presentationml/2006/main">
+  <p:cSld>
+    <p:spTree>
+      <p:nvGrpSpPr>
+        <p:cNvPr id="1" name=""/>
+        <p:cNvGrpSpPr/>
+        <p:nvPr/>
+      </p:nvGrpSpPr>
+      <p:grpSpPr>
+        <a:xfrm>
+          <a:off x="0" y="0"/>
+          <a:ext cx="0" cy="0"/>
+          <a:chOff x="0" y="0"/>
+          <a:chExt cx="0" cy="0"/>
+        </a:xfrm>
+      </p:grpSpPr>
+      <p:sp>
+        <p:nvSpPr>
+          <p:cNvPr id="2" name="Folienbildplatzhalter 1"/>
+          <p:cNvSpPr>
+            <a:spLocks noGrp="1" noRot="1" noChangeAspect="1"/>
+          </p:cNvSpPr>
+          <p:nvPr>
+            <p:ph type="sldImg"/>
+          </p:nvPr>
+        </p:nvSpPr>
+        <p:spPr/>
+      </p:sp>
+      <p:sp>
+        <p:nvSpPr>
+          <p:cNvPr id="3" name="Notizenplatzhalter 2"/>
+          <p:cNvSpPr>
+            <a:spLocks noGrp="1"/>
+          </p:cNvSpPr>
+          <p:nvPr>
+            <p:ph type="body" idx="1"/>
+          </p:nvPr>
+        </p:nvSpPr>
+        <p:spPr/>
+        <p:txBody>
+          <a:bodyPr/>
+          <a:lstStyle/>
+          <a:p>
+            <a:pPr marL="171450" indent="-171450">
+              <a:buFont typeface="Wingdings" charset="2"/>
+              <a:buChar char="à"/>
+            </a:pPr>
+            <a:r>
+              <a:rPr lang="de-DE" sz="1200" b="0" i="0" kern="1200" dirty="0" smtClean="0">
+                <a:solidFill>
+                  <a:schemeClr val="tx1"/>
+                </a:solidFill>
+                <a:effectLst/>
+                <a:latin typeface="+mn-lt"/>
+                <a:ea typeface="+mn-ea"/>
+                <a:cs typeface="+mn-cs"/>
+              </a:rPr>
+              <a:t>Ein </a:t>
+            </a:r>
+            <a:r>
+              <a:rPr lang="de-DE" sz="1200" b="1" i="0" kern="1200" dirty="0" smtClean="0">
+                <a:solidFill>
+                  <a:schemeClr val="tx1"/>
+                </a:solidFill>
+                <a:effectLst/>
+                <a:latin typeface="+mn-lt"/>
+                <a:ea typeface="+mn-ea"/>
+                <a:cs typeface="+mn-cs"/>
+              </a:rPr>
+              <a:t>Storyboard</a:t>
+            </a:r>
+            <a:r>
+              <a:rPr lang="de-DE" sz="1200" b="0" i="0" kern="1200" dirty="0" smtClean="0">
+                <a:solidFill>
+                  <a:schemeClr val="tx1"/>
+                </a:solidFill>
+                <a:effectLst/>
+                <a:latin typeface="+mn-lt"/>
+                <a:ea typeface="+mn-ea"/>
+                <a:cs typeface="+mn-cs"/>
+              </a:rPr>
+              <a:t> </a:t>
+            </a:r>
+            <a:r>
+              <a:rPr lang="de-DE" sz="1200" b="0" i="0" kern="1200" dirty="0" smtClean="0">
+                <a:solidFill>
+                  <a:schemeClr val="tx1"/>
+                </a:solidFill>
+                <a:effectLst/>
+                <a:latin typeface="+mn-lt"/>
+                <a:ea typeface="+mn-ea"/>
+                <a:cs typeface="+mn-cs"/>
+                <a:sym typeface="Wingdings"/>
+              </a:rPr>
+              <a:t> </a:t>
+            </a:r>
+            <a:r>
+              <a:rPr lang="de-DE" sz="1200" b="0" i="0" kern="1200" dirty="0" smtClean="0">
+                <a:solidFill>
+                  <a:schemeClr val="tx1"/>
+                </a:solidFill>
+                <a:effectLst/>
+                <a:latin typeface="+mn-lt"/>
+                <a:ea typeface="+mn-ea"/>
+                <a:cs typeface="+mn-cs"/>
+              </a:rPr>
+              <a:t>Visualisierung eines Konzeptes oder einer Idee</a:t>
+            </a:r>
+            <a:endParaRPr lang="de-CH" dirty="0"/>
+          </a:p>
+        </p:txBody>
+      </p:sp>
+      <p:sp>
+        <p:nvSpPr>
+          <p:cNvPr id="4" name="Foliennummernplatzhalter 3"/>
+          <p:cNvSpPr>
+            <a:spLocks noGrp="1"/>
+          </p:cNvSpPr>
+          <p:nvPr>
+            <p:ph type="sldNum" sz="quarter" idx="10"/>
+          </p:nvPr>
+        </p:nvSpPr>
+        <p:spPr/>
+        <p:txBody>
+          <a:bodyPr/>
+          <a:lstStyle/>
+          <a:p>
+            <a:fld id="{DA591D63-5CDF-C14E-8CB7-DEC48F63DDF3}" type="slidenum">
+              <a:rPr lang="de-CH" smtClean="0"/>
+              <a:t>9</a:t>
+            </a:fld>
+            <a:endParaRPr lang="de-CH"/>
+          </a:p>
+        </p:txBody>
+      </p:sp>
+    </p:spTree>
+    <p:extLst>
+      <p:ext uri="{BB962C8B-B14F-4D97-AF65-F5344CB8AC3E}">
+        <p14:creationId xmlns:p14="http://schemas.microsoft.com/office/powerpoint/2010/main" val="691023884"/>
+      </p:ext>
+    </p:extLst>
+  </p:cSld>
+  <p:clrMapOvr>
+    <a:masterClrMapping/>
+  </p:clrMapOvr>
+</p:notes>
+</file>
+
+<file path=ppt/notesSlides/notesSlide2.xml><?xml version="1.0" encoding="utf-8"?>
+<p:notes xmlns:a="http://schemas.openxmlformats.org/drawingml/2006/main" xmlns:r="http://schemas.openxmlformats.org/officeDocument/2006/relationships" xmlns:p="http://schemas.openxmlformats.org/presentationml/2006/main">
+  <p:cSld>
+    <p:spTree>
+      <p:nvGrpSpPr>
+        <p:cNvPr id="1" name=""/>
+        <p:cNvGrpSpPr/>
+        <p:nvPr/>
+      </p:nvGrpSpPr>
+      <p:grpSpPr>
+        <a:xfrm>
+          <a:off x="0" y="0"/>
+          <a:ext cx="0" cy="0"/>
+          <a:chOff x="0" y="0"/>
+          <a:chExt cx="0" cy="0"/>
+        </a:xfrm>
+      </p:grpSpPr>
+      <p:sp>
+        <p:nvSpPr>
+          <p:cNvPr id="2" name="Folienbildplatzhalter 1"/>
+          <p:cNvSpPr>
+            <a:spLocks noGrp="1" noRot="1" noChangeAspect="1"/>
+          </p:cNvSpPr>
+          <p:nvPr>
+            <p:ph type="sldImg"/>
+          </p:nvPr>
+        </p:nvSpPr>
+        <p:spPr/>
+      </p:sp>
+      <p:sp>
+        <p:nvSpPr>
+          <p:cNvPr id="3" name="Notizenplatzhalter 2"/>
+          <p:cNvSpPr>
+            <a:spLocks noGrp="1"/>
+          </p:cNvSpPr>
+          <p:nvPr>
+            <p:ph type="body" idx="1"/>
+          </p:nvPr>
+        </p:nvSpPr>
+        <p:spPr/>
+        <p:txBody>
+          <a:bodyPr/>
+          <a:lstStyle/>
+          <a:p>
+            <a:r>
+              <a:rPr lang="de-CH" dirty="0" smtClean="0">
+                <a:sym typeface="Wingdings"/>
+              </a:rPr>
+              <a:t> Datenaufnahme, Datenbank-Eintrag, Cloud,</a:t>
+            </a:r>
+            <a:r>
+              <a:rPr lang="de-CH" baseline="0" dirty="0" smtClean="0">
+                <a:sym typeface="Wingdings"/>
+              </a:rPr>
+              <a:t> Verifikation (per </a:t>
+            </a:r>
+            <a:r>
+              <a:rPr lang="de-CH" baseline="0" dirty="0" err="1" smtClean="0">
+                <a:sym typeface="Wingdings"/>
+              </a:rPr>
+              <a:t>login</a:t>
+            </a:r>
+            <a:r>
+              <a:rPr lang="de-CH" baseline="0" dirty="0" smtClean="0">
+                <a:sym typeface="Wingdings"/>
+              </a:rPr>
+              <a:t>) &amp; die Mitarbeiter können sich per App auf den neusten Stand bringen</a:t>
+            </a:r>
+            <a:endParaRPr lang="de-CH" dirty="0"/>
+          </a:p>
+        </p:txBody>
+      </p:sp>
+      <p:sp>
+        <p:nvSpPr>
+          <p:cNvPr id="4" name="Foliennummernplatzhalter 3"/>
+          <p:cNvSpPr>
+            <a:spLocks noGrp="1"/>
+          </p:cNvSpPr>
+          <p:nvPr>
+            <p:ph type="sldNum" sz="quarter" idx="10"/>
+          </p:nvPr>
+        </p:nvSpPr>
+        <p:spPr/>
+        <p:txBody>
+          <a:bodyPr/>
+          <a:lstStyle/>
+          <a:p>
+            <a:fld id="{DA591D63-5CDF-C14E-8CB7-DEC48F63DDF3}" type="slidenum">
+              <a:rPr lang="de-CH" smtClean="0"/>
+              <a:t>10</a:t>
+            </a:fld>
+            <a:endParaRPr lang="de-CH"/>
+          </a:p>
+        </p:txBody>
+      </p:sp>
+    </p:spTree>
+    <p:extLst>
+      <p:ext uri="{BB962C8B-B14F-4D97-AF65-F5344CB8AC3E}">
+        <p14:creationId xmlns:p14="http://schemas.microsoft.com/office/powerpoint/2010/main" val="242324476"/>
+      </p:ext>
+    </p:extLst>
+  </p:cSld>
+  <p:clrMapOvr>
+    <a:masterClrMapping/>
+  </p:clrMapOvr>
+</p:notes>
+</file>
+
+<file path=ppt/notesSlides/notesSlide3.xml><?xml version="1.0" encoding="utf-8"?>
+<p:notes xmlns:a="http://schemas.openxmlformats.org/drawingml/2006/main" xmlns:r="http://schemas.openxmlformats.org/officeDocument/2006/relationships" xmlns:p="http://schemas.openxmlformats.org/presentationml/2006/main">
+  <p:cSld>
+    <p:spTree>
+      <p:nvGrpSpPr>
+        <p:cNvPr id="1" name=""/>
+        <p:cNvGrpSpPr/>
+        <p:nvPr/>
+      </p:nvGrpSpPr>
+      <p:grpSpPr>
+        <a:xfrm>
+          <a:off x="0" y="0"/>
+          <a:ext cx="0" cy="0"/>
+          <a:chOff x="0" y="0"/>
+          <a:chExt cx="0" cy="0"/>
+        </a:xfrm>
+      </p:grpSpPr>
+      <p:sp>
+        <p:nvSpPr>
+          <p:cNvPr id="2" name="Folienbildplatzhalter 1"/>
+          <p:cNvSpPr>
+            <a:spLocks noGrp="1" noRot="1" noChangeAspect="1"/>
+          </p:cNvSpPr>
+          <p:nvPr>
+            <p:ph type="sldImg"/>
+          </p:nvPr>
+        </p:nvSpPr>
+        <p:spPr/>
+      </p:sp>
+      <p:sp>
+        <p:nvSpPr>
+          <p:cNvPr id="3" name="Notizenplatzhalter 2"/>
+          <p:cNvSpPr>
+            <a:spLocks noGrp="1"/>
+          </p:cNvSpPr>
+          <p:nvPr>
+            <p:ph type="body" idx="1"/>
+          </p:nvPr>
+        </p:nvSpPr>
+        <p:spPr/>
+        <p:txBody>
+          <a:bodyPr/>
+          <a:lstStyle/>
+          <a:p>
+            <a:pPr marL="171450" indent="-171450">
+              <a:buFont typeface="Wingdings" charset="2"/>
+              <a:buChar char="à"/>
+            </a:pPr>
+            <a:r>
+              <a:rPr lang="de-CH" dirty="0" smtClean="0"/>
+              <a:t>durch Feldstudie Informationen</a:t>
+            </a:r>
+            <a:r>
+              <a:rPr lang="de-CH" baseline="0" dirty="0" smtClean="0"/>
+              <a:t> gesammelt</a:t>
+            </a:r>
+            <a:endParaRPr lang="de-CH" dirty="0" smtClean="0"/>
+          </a:p>
+          <a:p>
+            <a:pPr marL="171450" indent="-171450">
+              <a:buFont typeface="Wingdings" charset="2"/>
+              <a:buChar char="à"/>
+            </a:pPr>
+            <a:r>
+              <a:rPr lang="de-CH" dirty="0" smtClean="0"/>
+              <a:t>definiert &amp; nicht mehr geändert</a:t>
+            </a:r>
+          </a:p>
+          <a:p>
+            <a:pPr marL="171450" indent="-171450">
+              <a:buFont typeface="Wingdings" charset="2"/>
+              <a:buChar char="à"/>
+            </a:pPr>
+            <a:r>
+              <a:rPr lang="de-CH" dirty="0" smtClean="0"/>
+              <a:t>geprüft</a:t>
+            </a:r>
+            <a:endParaRPr lang="de-CH" dirty="0"/>
+          </a:p>
+        </p:txBody>
+      </p:sp>
+      <p:sp>
+        <p:nvSpPr>
+          <p:cNvPr id="4" name="Foliennummernplatzhalter 3"/>
+          <p:cNvSpPr>
+            <a:spLocks noGrp="1"/>
+          </p:cNvSpPr>
+          <p:nvPr>
+            <p:ph type="sldNum" sz="quarter" idx="10"/>
+          </p:nvPr>
+        </p:nvSpPr>
+        <p:spPr/>
+        <p:txBody>
+          <a:bodyPr/>
+          <a:lstStyle/>
+          <a:p>
+            <a:fld id="{DA591D63-5CDF-C14E-8CB7-DEC48F63DDF3}" type="slidenum">
+              <a:rPr lang="de-CH" smtClean="0"/>
+              <a:t>11</a:t>
+            </a:fld>
+            <a:endParaRPr lang="de-CH"/>
+          </a:p>
+        </p:txBody>
+      </p:sp>
+    </p:spTree>
+    <p:extLst>
+      <p:ext uri="{BB962C8B-B14F-4D97-AF65-F5344CB8AC3E}">
+        <p14:creationId xmlns:p14="http://schemas.microsoft.com/office/powerpoint/2010/main" val="474576162"/>
+      </p:ext>
+    </p:extLst>
+  </p:cSld>
+  <p:clrMapOvr>
+    <a:masterClrMapping/>
+  </p:clrMapOvr>
+</p:notes>
+</file>
+
+<file path=ppt/notesSlides/notesSlide4.xml><?xml version="1.0" encoding="utf-8"?>
+<p:notes xmlns:a="http://schemas.openxmlformats.org/drawingml/2006/main" xmlns:r="http://schemas.openxmlformats.org/officeDocument/2006/relationships" xmlns:p="http://schemas.openxmlformats.org/presentationml/2006/main">
+  <p:cSld>
+    <p:spTree>
+      <p:nvGrpSpPr>
+        <p:cNvPr id="1" name=""/>
+        <p:cNvGrpSpPr/>
+        <p:nvPr/>
+      </p:nvGrpSpPr>
+      <p:grpSpPr>
+        <a:xfrm>
+          <a:off x="0" y="0"/>
+          <a:ext cx="0" cy="0"/>
+          <a:chOff x="0" y="0"/>
+          <a:chExt cx="0" cy="0"/>
+        </a:xfrm>
+      </p:grpSpPr>
+      <p:sp>
+        <p:nvSpPr>
+          <p:cNvPr id="2" name="Folienbildplatzhalter 1"/>
+          <p:cNvSpPr>
+            <a:spLocks noGrp="1" noRot="1" noChangeAspect="1"/>
+          </p:cNvSpPr>
+          <p:nvPr>
+            <p:ph type="sldImg"/>
+          </p:nvPr>
+        </p:nvSpPr>
+        <p:spPr/>
+      </p:sp>
+      <p:sp>
+        <p:nvSpPr>
+          <p:cNvPr id="3" name="Notizenplatzhalter 2"/>
+          <p:cNvSpPr>
+            <a:spLocks noGrp="1"/>
+          </p:cNvSpPr>
+          <p:nvPr>
+            <p:ph type="body" idx="1"/>
+          </p:nvPr>
+        </p:nvSpPr>
+        <p:spPr/>
+        <p:txBody>
+          <a:bodyPr/>
+          <a:lstStyle/>
+          <a:p>
+            <a:pPr marL="0" marR="0" indent="0" algn="l" defTabSz="914400" rtl="0" eaLnBrk="1" fontAlgn="auto" latinLnBrk="0" hangingPunct="1">
+              <a:lnSpc>
+                <a:spcPct val="100000"/>
+              </a:lnSpc>
+              <a:spcBef>
+                <a:spcPts val="0"/>
+              </a:spcBef>
+              <a:spcAft>
+                <a:spcPts val="0"/>
+              </a:spcAft>
+              <a:buClrTx/>
+              <a:buSzTx/>
+              <a:buFontTx/>
+              <a:buNone/>
+              <a:tabLst/>
+              <a:defRPr/>
+            </a:pPr>
+            <a:r>
+              <a:rPr lang="de-CH" dirty="0" smtClean="0">
+                <a:sym typeface="Wingdings"/>
+              </a:rPr>
+              <a:t> </a:t>
+            </a:r>
+            <a:r>
+              <a:rPr lang="de-CH" dirty="0" smtClean="0"/>
+              <a:t>Modell, Nachbildung</a:t>
+            </a:r>
+          </a:p>
+          <a:p>
+            <a:endParaRPr lang="de-CH" dirty="0"/>
+          </a:p>
+        </p:txBody>
+      </p:sp>
+      <p:sp>
+        <p:nvSpPr>
+          <p:cNvPr id="4" name="Foliennummernplatzhalter 3"/>
+          <p:cNvSpPr>
+            <a:spLocks noGrp="1"/>
+          </p:cNvSpPr>
+          <p:nvPr>
+            <p:ph type="sldNum" sz="quarter" idx="10"/>
+          </p:nvPr>
+        </p:nvSpPr>
+        <p:spPr/>
+        <p:txBody>
+          <a:bodyPr/>
+          <a:lstStyle/>
+          <a:p>
+            <a:fld id="{DA591D63-5CDF-C14E-8CB7-DEC48F63DDF3}" type="slidenum">
+              <a:rPr lang="de-CH" smtClean="0"/>
+              <a:t>12</a:t>
+            </a:fld>
+            <a:endParaRPr lang="de-CH"/>
+          </a:p>
+        </p:txBody>
+      </p:sp>
+    </p:spTree>
+    <p:extLst>
+      <p:ext uri="{BB962C8B-B14F-4D97-AF65-F5344CB8AC3E}">
+        <p14:creationId xmlns:p14="http://schemas.microsoft.com/office/powerpoint/2010/main" val="1963646294"/>
+      </p:ext>
+    </p:extLst>
+  </p:cSld>
+  <p:clrMapOvr>
+    <a:masterClrMapping/>
+  </p:clrMapOvr>
+</p:notes>
+</file>
+
+<file path=ppt/notesSlides/notesSlide5.xml><?xml version="1.0" encoding="utf-8"?>
+<p:notes xmlns:a="http://schemas.openxmlformats.org/drawingml/2006/main" xmlns:r="http://schemas.openxmlformats.org/officeDocument/2006/relationships" xmlns:p="http://schemas.openxmlformats.org/presentationml/2006/main">
+  <p:cSld>
+    <p:spTree>
+      <p:nvGrpSpPr>
+        <p:cNvPr id="1" name=""/>
+        <p:cNvGrpSpPr/>
+        <p:nvPr/>
+      </p:nvGrpSpPr>
+      <p:grpSpPr>
+        <a:xfrm>
+          <a:off x="0" y="0"/>
+          <a:ext cx="0" cy="0"/>
+          <a:chOff x="0" y="0"/>
+          <a:chExt cx="0" cy="0"/>
+        </a:xfrm>
+      </p:grpSpPr>
+      <p:sp>
+        <p:nvSpPr>
+          <p:cNvPr id="2" name="Folienbildplatzhalter 1"/>
+          <p:cNvSpPr>
+            <a:spLocks noGrp="1" noRot="1" noChangeAspect="1"/>
+          </p:cNvSpPr>
+          <p:nvPr>
+            <p:ph type="sldImg"/>
+          </p:nvPr>
+        </p:nvSpPr>
+        <p:spPr/>
+      </p:sp>
+      <p:sp>
+        <p:nvSpPr>
+          <p:cNvPr id="3" name="Notizenplatzhalter 2"/>
+          <p:cNvSpPr>
+            <a:spLocks noGrp="1"/>
+          </p:cNvSpPr>
+          <p:nvPr>
+            <p:ph type="body" idx="1"/>
+          </p:nvPr>
+        </p:nvSpPr>
+        <p:spPr/>
+        <p:txBody>
+          <a:bodyPr/>
+          <a:lstStyle/>
+          <a:p>
+            <a:r>
+              <a:rPr lang="de-CH" dirty="0" smtClean="0"/>
+              <a:t>Class-</a:t>
+            </a:r>
+            <a:r>
+              <a:rPr lang="de-CH" dirty="0" err="1" smtClean="0"/>
+              <a:t>Responsibility</a:t>
+            </a:r>
+            <a:r>
+              <a:rPr lang="de-CH" dirty="0" smtClean="0"/>
+              <a:t>-</a:t>
+            </a:r>
+            <a:r>
+              <a:rPr lang="de-CH" dirty="0" err="1" smtClean="0"/>
+              <a:t>Collaboration</a:t>
+            </a:r>
+            <a:r>
+              <a:rPr lang="de-CH" dirty="0" smtClean="0"/>
+              <a:t>-Karten</a:t>
+            </a:r>
+          </a:p>
+          <a:p>
+            <a:pPr marL="0" marR="0" indent="0" algn="l" defTabSz="914400" rtl="0" eaLnBrk="1" fontAlgn="auto" latinLnBrk="0" hangingPunct="1">
+              <a:lnSpc>
+                <a:spcPct val="100000"/>
+              </a:lnSpc>
+              <a:spcBef>
+                <a:spcPts val="0"/>
+              </a:spcBef>
+              <a:spcAft>
+                <a:spcPts val="0"/>
+              </a:spcAft>
+              <a:buClrTx/>
+              <a:buSzTx/>
+              <a:buFontTx/>
+              <a:buNone/>
+              <a:tabLst/>
+              <a:defRPr/>
+            </a:pPr>
+            <a:r>
+              <a:rPr lang="de-CH" dirty="0" smtClean="0">
+                <a:sym typeface="Wingdings"/>
+              </a:rPr>
+              <a:t> </a:t>
+            </a:r>
+            <a:r>
+              <a:rPr lang="de-CH" sz="1200" b="0" i="0" kern="1200" dirty="0" smtClean="0">
+                <a:solidFill>
+                  <a:schemeClr val="tx1"/>
+                </a:solidFill>
+                <a:effectLst/>
+                <a:latin typeface="+mn-lt"/>
+                <a:ea typeface="+mn-ea"/>
+                <a:cs typeface="+mn-cs"/>
+              </a:rPr>
+              <a:t>Der Vorteil der CRC-Karten liegt in der einfachen Handhabung. Man kann problemlos Informationen hinzufügen oder streichen. </a:t>
+            </a:r>
+            <a:endParaRPr lang="de-CH" dirty="0" smtClean="0"/>
+          </a:p>
+          <a:p>
+            <a:pPr marL="0" marR="0" indent="0" algn="l" defTabSz="914400" rtl="0" eaLnBrk="1" fontAlgn="auto" latinLnBrk="0" hangingPunct="1">
+              <a:lnSpc>
+                <a:spcPct val="100000"/>
+              </a:lnSpc>
+              <a:spcBef>
+                <a:spcPts val="0"/>
+              </a:spcBef>
+              <a:spcAft>
+                <a:spcPts val="0"/>
+              </a:spcAft>
+              <a:buClrTx/>
+              <a:buSzTx/>
+              <a:buFontTx/>
+              <a:buNone/>
+              <a:tabLst/>
+              <a:defRPr/>
+            </a:pPr>
+            <a:r>
+              <a:rPr lang="de-CH" i="1" dirty="0" smtClean="0">
+                <a:sym typeface="Wingdings"/>
+              </a:rPr>
+              <a:t> </a:t>
+            </a:r>
+            <a:r>
+              <a:rPr lang="de-CH" i="1" dirty="0" smtClean="0"/>
+              <a:t>Das Grundprinzip besteht darin, für jede Klasse eine Karteikarte zu erstellen und auf dieser deren Eigenschaften zu notieren</a:t>
+            </a:r>
+            <a:r>
+              <a:rPr lang="de-CH" dirty="0" smtClean="0"/>
+              <a:t/>
+            </a:r>
+            <a:br>
+              <a:rPr lang="de-CH" dirty="0" smtClean="0"/>
+            </a:br>
+            <a:endParaRPr lang="de-CH" dirty="0"/>
+          </a:p>
+        </p:txBody>
+      </p:sp>
+      <p:sp>
+        <p:nvSpPr>
+          <p:cNvPr id="4" name="Foliennummernplatzhalter 3"/>
+          <p:cNvSpPr>
+            <a:spLocks noGrp="1"/>
+          </p:cNvSpPr>
+          <p:nvPr>
+            <p:ph type="sldNum" sz="quarter" idx="10"/>
+          </p:nvPr>
+        </p:nvSpPr>
+        <p:spPr/>
+        <p:txBody>
+          <a:bodyPr/>
+          <a:lstStyle/>
+          <a:p>
+            <a:fld id="{DA591D63-5CDF-C14E-8CB7-DEC48F63DDF3}" type="slidenum">
+              <a:rPr lang="de-CH" smtClean="0"/>
+              <a:t>14</a:t>
+            </a:fld>
+            <a:endParaRPr lang="de-CH"/>
+          </a:p>
+        </p:txBody>
+      </p:sp>
+    </p:spTree>
+    <p:extLst>
+      <p:ext uri="{BB962C8B-B14F-4D97-AF65-F5344CB8AC3E}">
+        <p14:creationId xmlns:p14="http://schemas.microsoft.com/office/powerpoint/2010/main" val="1254547652"/>
+      </p:ext>
+    </p:extLst>
+  </p:cSld>
+  <p:clrMapOvr>
+    <a:masterClrMapping/>
+  </p:clrMapOvr>
+</p:notes>
+</file>
+
+<file path=ppt/notesSlides/notesSlide6.xml><?xml version="1.0" encoding="utf-8"?>
+<p:notes xmlns:a="http://schemas.openxmlformats.org/drawingml/2006/main" xmlns:r="http://schemas.openxmlformats.org/officeDocument/2006/relationships" xmlns:p="http://schemas.openxmlformats.org/presentationml/2006/main">
+  <p:cSld>
+    <p:spTree>
+      <p:nvGrpSpPr>
+        <p:cNvPr id="1" name=""/>
+        <p:cNvGrpSpPr/>
+        <p:nvPr/>
+      </p:nvGrpSpPr>
+      <p:grpSpPr>
+        <a:xfrm>
+          <a:off x="0" y="0"/>
+          <a:ext cx="0" cy="0"/>
+          <a:chOff x="0" y="0"/>
+          <a:chExt cx="0" cy="0"/>
+        </a:xfrm>
+      </p:grpSpPr>
+      <p:sp>
+        <p:nvSpPr>
+          <p:cNvPr id="2" name="Folienbildplatzhalter 1"/>
+          <p:cNvSpPr>
+            <a:spLocks noGrp="1" noRot="1" noChangeAspect="1"/>
+          </p:cNvSpPr>
+          <p:nvPr>
+            <p:ph type="sldImg"/>
+          </p:nvPr>
+        </p:nvSpPr>
+        <p:spPr/>
+      </p:sp>
+      <p:sp>
+        <p:nvSpPr>
+          <p:cNvPr id="3" name="Notizenplatzhalter 2"/>
+          <p:cNvSpPr>
+            <a:spLocks noGrp="1"/>
+          </p:cNvSpPr>
+          <p:nvPr>
+            <p:ph type="body" idx="1"/>
+          </p:nvPr>
+        </p:nvSpPr>
+        <p:spPr/>
+        <p:txBody>
+          <a:bodyPr/>
+          <a:lstStyle/>
+          <a:p>
+            <a:r>
+              <a:rPr lang="de-CH" dirty="0" smtClean="0">
+                <a:sym typeface="Wingdings"/>
+              </a:rPr>
+              <a:t> priorisierte</a:t>
+            </a:r>
+            <a:r>
+              <a:rPr lang="de-CH" baseline="0" dirty="0" smtClean="0">
+                <a:sym typeface="Wingdings"/>
+              </a:rPr>
+              <a:t> Liste von Anforderungen</a:t>
+            </a:r>
+            <a:endParaRPr lang="de-CH" dirty="0"/>
+          </a:p>
+        </p:txBody>
+      </p:sp>
+      <p:sp>
+        <p:nvSpPr>
+          <p:cNvPr id="4" name="Foliennummernplatzhalter 3"/>
+          <p:cNvSpPr>
+            <a:spLocks noGrp="1"/>
+          </p:cNvSpPr>
+          <p:nvPr>
+            <p:ph type="sldNum" sz="quarter" idx="10"/>
+          </p:nvPr>
+        </p:nvSpPr>
+        <p:spPr/>
+        <p:txBody>
+          <a:bodyPr/>
+          <a:lstStyle/>
+          <a:p>
+            <a:fld id="{DA591D63-5CDF-C14E-8CB7-DEC48F63DDF3}" type="slidenum">
+              <a:rPr lang="de-CH" smtClean="0"/>
+              <a:t>15</a:t>
+            </a:fld>
+            <a:endParaRPr lang="de-CH"/>
+          </a:p>
+        </p:txBody>
+      </p:sp>
+    </p:spTree>
+    <p:extLst>
+      <p:ext uri="{BB962C8B-B14F-4D97-AF65-F5344CB8AC3E}">
+        <p14:creationId xmlns:p14="http://schemas.microsoft.com/office/powerpoint/2010/main" val="319983965"/>
+      </p:ext>
+    </p:extLst>
+  </p:cSld>
+  <p:clrMapOvr>
+    <a:masterClrMapping/>
+  </p:clrMapOvr>
+</p:notes>
+</file>
+
+<file path=ppt/notesSlides/notesSlide7.xml><?xml version="1.0" encoding="utf-8"?>
+<p:notes xmlns:a="http://schemas.openxmlformats.org/drawingml/2006/main" xmlns:r="http://schemas.openxmlformats.org/officeDocument/2006/relationships" xmlns:p="http://schemas.openxmlformats.org/presentationml/2006/main">
+  <p:cSld>
+    <p:spTree>
+      <p:nvGrpSpPr>
+        <p:cNvPr id="1" name=""/>
+        <p:cNvGrpSpPr/>
+        <p:nvPr/>
+      </p:nvGrpSpPr>
+      <p:grpSpPr>
+        <a:xfrm>
+          <a:off x="0" y="0"/>
+          <a:ext cx="0" cy="0"/>
+          <a:chOff x="0" y="0"/>
+          <a:chExt cx="0" cy="0"/>
+        </a:xfrm>
+      </p:grpSpPr>
+      <p:sp>
+        <p:nvSpPr>
+          <p:cNvPr id="2" name="Folienbildplatzhalter 1"/>
+          <p:cNvSpPr>
+            <a:spLocks noGrp="1" noRot="1" noChangeAspect="1"/>
+          </p:cNvSpPr>
+          <p:nvPr>
+            <p:ph type="sldImg"/>
+          </p:nvPr>
+        </p:nvSpPr>
+        <p:spPr/>
+      </p:sp>
+      <p:sp>
+        <p:nvSpPr>
+          <p:cNvPr id="3" name="Notizenplatzhalter 2"/>
+          <p:cNvSpPr>
+            <a:spLocks noGrp="1"/>
+          </p:cNvSpPr>
+          <p:nvPr>
+            <p:ph type="body" idx="1"/>
+          </p:nvPr>
+        </p:nvSpPr>
+        <p:spPr/>
+        <p:txBody>
+          <a:bodyPr/>
+          <a:lstStyle/>
+          <a:p>
+            <a:pPr marL="171450" indent="-171450">
+              <a:buFont typeface="Wingdings" charset="2"/>
+              <a:buChar char="à"/>
+            </a:pPr>
+            <a:r>
+              <a:rPr lang="de-CH" baseline="0" dirty="0" smtClean="0">
+                <a:sym typeface="Wingdings"/>
+              </a:rPr>
+              <a:t> aufgrund dessen geändert…</a:t>
+            </a:r>
+            <a:endParaRPr lang="de-CH" dirty="0" smtClean="0">
+              <a:sym typeface="Wingdings"/>
+            </a:endParaRPr>
+          </a:p>
+          <a:p>
+            <a:pPr marL="171450" indent="-171450">
+              <a:buFont typeface="Wingdings" charset="2"/>
+              <a:buChar char="à"/>
+            </a:pPr>
+            <a:r>
+              <a:rPr lang="de-CH" dirty="0" smtClean="0">
+                <a:sym typeface="Wingdings"/>
+              </a:rPr>
+              <a:t> Prioritäten geändert</a:t>
+            </a:r>
+            <a:r>
+              <a:rPr lang="de-CH" baseline="0" dirty="0" smtClean="0">
+                <a:sym typeface="Wingdings"/>
+              </a:rPr>
+              <a:t> zu medium</a:t>
+            </a:r>
+          </a:p>
+          <a:p>
+            <a:pPr marL="171450" indent="-171450">
+              <a:buFont typeface="Wingdings" charset="2"/>
+              <a:buChar char="à"/>
+            </a:pPr>
+            <a:endParaRPr lang="de-CH" baseline="0" dirty="0" smtClean="0">
+              <a:sym typeface="Wingdings"/>
+            </a:endParaRPr>
+          </a:p>
+          <a:p>
+            <a:pPr marL="171450" indent="-171450">
+              <a:buFont typeface="Wingdings" charset="2"/>
+              <a:buChar char="à"/>
+            </a:pPr>
+            <a:r>
+              <a:rPr lang="de-CH" baseline="0" dirty="0" smtClean="0">
+                <a:sym typeface="Wingdings"/>
+              </a:rPr>
+              <a:t> danach die Statistik</a:t>
+            </a:r>
+          </a:p>
+          <a:p>
+            <a:pPr marL="171450" indent="-171450">
+              <a:buFont typeface="Wingdings" charset="2"/>
+              <a:buChar char="à"/>
+            </a:pPr>
+            <a:r>
+              <a:rPr lang="de-CH" baseline="0" dirty="0" smtClean="0">
+                <a:sym typeface="Wingdings"/>
+              </a:rPr>
+              <a:t> und dann ab der 7 Veränderung </a:t>
+            </a:r>
+            <a:r>
+              <a:rPr lang="de-CH" baseline="0" dirty="0" err="1" smtClean="0">
+                <a:sym typeface="Wingdings"/>
+              </a:rPr>
+              <a:t>updated</a:t>
+            </a:r>
+            <a:endParaRPr lang="de-CH" baseline="0" dirty="0" smtClean="0">
+              <a:sym typeface="Wingdings"/>
+            </a:endParaRPr>
+          </a:p>
+          <a:p>
+            <a:pPr marL="171450" indent="-171450">
+              <a:buFont typeface="Wingdings" charset="2"/>
+              <a:buChar char="à"/>
+            </a:pPr>
+            <a:endParaRPr lang="de-CH" baseline="0" dirty="0" smtClean="0">
+              <a:sym typeface="Wingdings"/>
+            </a:endParaRPr>
+          </a:p>
+          <a:p>
+            <a:pPr marL="171450" indent="-171450">
+              <a:buFont typeface="Wingdings" charset="2"/>
+              <a:buChar char="à"/>
+            </a:pPr>
+            <a:endParaRPr lang="de-CH" baseline="0" dirty="0" smtClean="0">
+              <a:sym typeface="Wingdings"/>
+            </a:endParaRPr>
+          </a:p>
+        </p:txBody>
+      </p:sp>
+      <p:sp>
+        <p:nvSpPr>
+          <p:cNvPr id="4" name="Foliennummernplatzhalter 3"/>
+          <p:cNvSpPr>
+            <a:spLocks noGrp="1"/>
+          </p:cNvSpPr>
+          <p:nvPr>
+            <p:ph type="sldNum" sz="quarter" idx="10"/>
+          </p:nvPr>
+        </p:nvSpPr>
+        <p:spPr/>
+        <p:txBody>
+          <a:bodyPr/>
+          <a:lstStyle/>
+          <a:p>
+            <a:fld id="{DA591D63-5CDF-C14E-8CB7-DEC48F63DDF3}" type="slidenum">
+              <a:rPr lang="de-CH" smtClean="0"/>
+              <a:t>16</a:t>
+            </a:fld>
+            <a:endParaRPr lang="de-CH"/>
+          </a:p>
+        </p:txBody>
+      </p:sp>
+    </p:spTree>
+    <p:extLst>
+      <p:ext uri="{BB962C8B-B14F-4D97-AF65-F5344CB8AC3E}">
+        <p14:creationId xmlns:p14="http://schemas.microsoft.com/office/powerpoint/2010/main" val="1671831941"/>
+      </p:ext>
+    </p:extLst>
+  </p:cSld>
+  <p:clrMapOvr>
+    <a:masterClrMapping/>
+  </p:clrMapOvr>
+</p:notes>
+</file>
+
+<file path=ppt/notesSlides/notesSlide8.xml><?xml version="1.0" encoding="utf-8"?>
+<p:notes xmlns:a="http://schemas.openxmlformats.org/drawingml/2006/main" xmlns:r="http://schemas.openxmlformats.org/officeDocument/2006/relationships" xmlns:p="http://schemas.openxmlformats.org/presentationml/2006/main">
+  <p:cSld>
+    <p:spTree>
+      <p:nvGrpSpPr>
+        <p:cNvPr id="1" name=""/>
+        <p:cNvGrpSpPr/>
+        <p:nvPr/>
+      </p:nvGrpSpPr>
+      <p:grpSpPr>
+        <a:xfrm>
+          <a:off x="0" y="0"/>
+          <a:ext cx="0" cy="0"/>
+          <a:chOff x="0" y="0"/>
+          <a:chExt cx="0" cy="0"/>
+        </a:xfrm>
+      </p:grpSpPr>
+      <p:sp>
+        <p:nvSpPr>
+          <p:cNvPr id="2" name="Folienbildplatzhalter 1"/>
+          <p:cNvSpPr>
+            <a:spLocks noGrp="1" noRot="1" noChangeAspect="1"/>
+          </p:cNvSpPr>
+          <p:nvPr>
+            <p:ph type="sldImg"/>
+          </p:nvPr>
+        </p:nvSpPr>
+        <p:spPr/>
+      </p:sp>
+      <p:sp>
+        <p:nvSpPr>
+          <p:cNvPr id="3" name="Notizenplatzhalter 2"/>
+          <p:cNvSpPr>
+            <a:spLocks noGrp="1"/>
+          </p:cNvSpPr>
+          <p:nvPr>
+            <p:ph type="body" idx="1"/>
+          </p:nvPr>
+        </p:nvSpPr>
+        <p:spPr/>
+        <p:txBody>
+          <a:bodyPr/>
+          <a:lstStyle/>
+          <a:p>
+            <a:pPr marL="171450" indent="-171450">
+              <a:buFont typeface="Wingdings" charset="2"/>
+              <a:buChar char="à"/>
+            </a:pPr>
+            <a:r>
+              <a:rPr lang="de-CH" dirty="0" smtClean="0"/>
+              <a:t> 2.4, 2.5</a:t>
+            </a:r>
+            <a:r>
+              <a:rPr lang="de-CH" baseline="0" dirty="0" smtClean="0"/>
+              <a:t> | hier weniger </a:t>
+            </a:r>
+            <a:r>
+              <a:rPr lang="de-CH" baseline="0" dirty="0" err="1" smtClean="0"/>
+              <a:t>actual</a:t>
+            </a:r>
+            <a:endParaRPr lang="de-CH" baseline="0" dirty="0" smtClean="0"/>
+          </a:p>
+          <a:p>
+            <a:pPr marL="171450" indent="-171450">
+              <a:buFont typeface="Wingdings" charset="2"/>
+              <a:buChar char="à"/>
+            </a:pPr>
+            <a:r>
+              <a:rPr lang="de-CH" baseline="0" dirty="0" smtClean="0"/>
+              <a:t> </a:t>
+            </a:r>
+            <a:r>
+              <a:rPr lang="de-CH" baseline="0" dirty="0" err="1" smtClean="0"/>
+              <a:t>functionality</a:t>
+            </a:r>
+            <a:r>
+              <a:rPr lang="de-CH" baseline="0" dirty="0" smtClean="0"/>
+              <a:t> mit 35 &amp; </a:t>
+            </a:r>
+            <a:r>
+              <a:rPr lang="de-CH" baseline="0" dirty="0" err="1" smtClean="0"/>
+              <a:t>Persistence</a:t>
+            </a:r>
+            <a:r>
+              <a:rPr lang="de-CH" baseline="0" dirty="0" smtClean="0"/>
+              <a:t> nahmen am meisten Zeit ein</a:t>
+            </a:r>
+            <a:endParaRPr lang="de-CH" dirty="0"/>
+          </a:p>
+        </p:txBody>
+      </p:sp>
+      <p:sp>
+        <p:nvSpPr>
+          <p:cNvPr id="4" name="Foliennummernplatzhalter 3"/>
+          <p:cNvSpPr>
+            <a:spLocks noGrp="1"/>
+          </p:cNvSpPr>
+          <p:nvPr>
+            <p:ph type="sldNum" sz="quarter" idx="10"/>
+          </p:nvPr>
+        </p:nvSpPr>
+        <p:spPr/>
+        <p:txBody>
+          <a:bodyPr/>
+          <a:lstStyle/>
+          <a:p>
+            <a:fld id="{DA591D63-5CDF-C14E-8CB7-DEC48F63DDF3}" type="slidenum">
+              <a:rPr lang="de-CH" smtClean="0"/>
+              <a:t>18</a:t>
+            </a:fld>
+            <a:endParaRPr lang="de-CH"/>
+          </a:p>
+        </p:txBody>
+      </p:sp>
+    </p:spTree>
+    <p:extLst>
+      <p:ext uri="{BB962C8B-B14F-4D97-AF65-F5344CB8AC3E}">
+        <p14:creationId xmlns:p14="http://schemas.microsoft.com/office/powerpoint/2010/main" val="1261300266"/>
+      </p:ext>
+    </p:extLst>
+  </p:cSld>
+  <p:clrMapOvr>
+    <a:masterClrMapping/>
+  </p:clrMapOvr>
+</p:notes>
+</file>
+
 <file path=ppt/slideLayouts/slideLayout1.xml><?xml version="1.0" encoding="utf-8"?>
 <p:sldLayout xmlns:a="http://schemas.openxmlformats.org/drawingml/2006/main" xmlns:r="http://schemas.openxmlformats.org/officeDocument/2006/relationships" xmlns:p="http://schemas.openxmlformats.org/presentationml/2006/main" type="title" preserve="1">
   <p:cSld name="Titelfolie">
@@ -261,7 +1677,7 @@
           <a:p>
             <a:fld id="{4681F75E-962A-45C3-98CE-8645D5A252DE}" type="datetimeFigureOut">
               <a:rPr lang="de-CH" smtClean="0"/>
-              <a:t>19.01.2017</a:t>
+              <a:t>19.01.17</a:t>
             </a:fld>
             <a:endParaRPr lang="de-CH"/>
           </a:p>
@@ -431,7 +1847,7 @@
           <a:p>
             <a:fld id="{4681F75E-962A-45C3-98CE-8645D5A252DE}" type="datetimeFigureOut">
               <a:rPr lang="de-CH" smtClean="0"/>
-              <a:t>19.01.2017</a:t>
+              <a:t>19.01.17</a:t>
             </a:fld>
             <a:endParaRPr lang="de-CH"/>
           </a:p>
@@ -611,7 +2027,7 @@
           <a:p>
             <a:fld id="{4681F75E-962A-45C3-98CE-8645D5A252DE}" type="datetimeFigureOut">
               <a:rPr lang="de-CH" smtClean="0"/>
-              <a:t>19.01.2017</a:t>
+              <a:t>19.01.17</a:t>
             </a:fld>
             <a:endParaRPr lang="de-CH"/>
           </a:p>
@@ -1810,7 +3226,7 @@
           <a:p>
             <a:fld id="{4681F75E-962A-45C3-98CE-8645D5A252DE}" type="datetimeFigureOut">
               <a:rPr lang="de-CH" smtClean="0"/>
-              <a:t>19.01.2017</a:t>
+              <a:t>19.01.17</a:t>
             </a:fld>
             <a:endParaRPr lang="de-CH"/>
           </a:p>
@@ -2056,7 +3472,7 @@
           <a:p>
             <a:fld id="{4681F75E-962A-45C3-98CE-8645D5A252DE}" type="datetimeFigureOut">
               <a:rPr lang="de-CH" smtClean="0"/>
-              <a:t>19.01.2017</a:t>
+              <a:t>19.01.17</a:t>
             </a:fld>
             <a:endParaRPr lang="de-CH"/>
           </a:p>
@@ -2288,7 +3704,7 @@
           <a:p>
             <a:fld id="{4681F75E-962A-45C3-98CE-8645D5A252DE}" type="datetimeFigureOut">
               <a:rPr lang="de-CH" smtClean="0"/>
-              <a:t>19.01.2017</a:t>
+              <a:t>19.01.17</a:t>
             </a:fld>
             <a:endParaRPr lang="de-CH"/>
           </a:p>
@@ -2655,7 +4071,7 @@
           <a:p>
             <a:fld id="{4681F75E-962A-45C3-98CE-8645D5A252DE}" type="datetimeFigureOut">
               <a:rPr lang="de-CH" smtClean="0"/>
-              <a:t>19.01.2017</a:t>
+              <a:t>19.01.17</a:t>
             </a:fld>
             <a:endParaRPr lang="de-CH"/>
           </a:p>
@@ -2773,7 +4189,7 @@
           <a:p>
             <a:fld id="{4681F75E-962A-45C3-98CE-8645D5A252DE}" type="datetimeFigureOut">
               <a:rPr lang="de-CH" smtClean="0"/>
-              <a:t>19.01.2017</a:t>
+              <a:t>19.01.17</a:t>
             </a:fld>
             <a:endParaRPr lang="de-CH"/>
           </a:p>
@@ -2868,7 +4284,7 @@
           <a:p>
             <a:fld id="{4681F75E-962A-45C3-98CE-8645D5A252DE}" type="datetimeFigureOut">
               <a:rPr lang="de-CH" smtClean="0"/>
-              <a:t>19.01.2017</a:t>
+              <a:t>19.01.17</a:t>
             </a:fld>
             <a:endParaRPr lang="de-CH"/>
           </a:p>
@@ -3145,7 +4561,7 @@
           <a:p>
             <a:fld id="{4681F75E-962A-45C3-98CE-8645D5A252DE}" type="datetimeFigureOut">
               <a:rPr lang="de-CH" smtClean="0"/>
-              <a:t>19.01.2017</a:t>
+              <a:t>19.01.17</a:t>
             </a:fld>
             <a:endParaRPr lang="de-CH"/>
           </a:p>
@@ -3398,7 +4814,7 @@
           <a:p>
             <a:fld id="{4681F75E-962A-45C3-98CE-8645D5A252DE}" type="datetimeFigureOut">
               <a:rPr lang="de-CH" smtClean="0"/>
-              <a:t>19.01.2017</a:t>
+              <a:t>19.01.17</a:t>
             </a:fld>
             <a:endParaRPr lang="de-CH"/>
           </a:p>
@@ -3611,7 +5027,7 @@
           <a:p>
             <a:fld id="{4681F75E-962A-45C3-98CE-8645D5A252DE}" type="datetimeFigureOut">
               <a:rPr lang="de-CH" smtClean="0"/>
-              <a:t>19.01.2017</a:t>
+              <a:t>19.01.17</a:t>
             </a:fld>
             <a:endParaRPr lang="de-CH"/>
           </a:p>
@@ -4099,6 +5515,13 @@
   <p:clrMapOvr>
     <a:masterClrMapping/>
   </p:clrMapOvr>
+  <p:timing>
+    <p:tnLst>
+      <p:par>
+        <p:cTn id="1" dur="indefinite" restart="never" nodeType="tmRoot"/>
+      </p:par>
+    </p:tnLst>
+  </p:timing>
 </p:sld>
 </file>
 
@@ -4181,6 +5604,232 @@
           <a:bodyPr/>
           <a:lstStyle/>
           <a:p>
+            <a:pPr lvl="1"/>
+            <a:endParaRPr lang="de-CH" dirty="0"/>
+          </a:p>
+          <a:p>
+            <a:endParaRPr lang="de-CH" dirty="0"/>
+          </a:p>
+          <a:p>
+            <a:pPr lvl="1"/>
+            <a:endParaRPr lang="de-CH" dirty="0"/>
+          </a:p>
+          <a:p>
+            <a:pPr lvl="1"/>
+            <a:endParaRPr lang="de-DE" dirty="0"/>
+          </a:p>
+          <a:p>
+            <a:endParaRPr lang="de-DE" dirty="0"/>
+          </a:p>
+        </p:txBody>
+      </p:sp>
+      <p:pic>
+        <p:nvPicPr>
+          <p:cNvPr id="5" name="Inhaltsplatzhalter 3"/>
+          <p:cNvPicPr>
+            <a:picLocks noChangeAspect="1"/>
+          </p:cNvPicPr>
+          <p:nvPr/>
+        </p:nvPicPr>
+        <p:blipFill rotWithShape="1">
+          <a:blip r:embed="rId3" cstate="print">
+            <a:extLst>
+              <a:ext uri="{28A0092B-C50C-407E-A947-70E740481C1C}">
+                <a14:useLocalDpi xmlns:a14="http://schemas.microsoft.com/office/drawing/2010/main" val="0"/>
+              </a:ext>
+            </a:extLst>
+          </a:blip>
+          <a:srcRect t="11253"/>
+          <a:stretch/>
+        </p:blipFill>
+        <p:spPr>
+          <a:xfrm>
+            <a:off x="1864483" y="1750349"/>
+            <a:ext cx="8463034" cy="4426614"/>
+          </a:xfrm>
+          <a:prstGeom prst="rect">
+            <a:avLst/>
+          </a:prstGeom>
+        </p:spPr>
+      </p:pic>
+    </p:spTree>
+    <p:extLst>
+      <p:ext uri="{BB962C8B-B14F-4D97-AF65-F5344CB8AC3E}">
+        <p14:creationId xmlns:p14="http://schemas.microsoft.com/office/powerpoint/2010/main" val="337216230"/>
+      </p:ext>
+    </p:extLst>
+  </p:cSld>
+  <p:clrMapOvr>
+    <a:masterClrMapping/>
+  </p:clrMapOvr>
+  <p:timing>
+    <p:tnLst>
+      <p:par>
+        <p:cTn id="1" dur="indefinite" restart="never" nodeType="tmRoot">
+          <p:childTnLst>
+            <p:seq concurrent="1" nextAc="seek">
+              <p:cTn id="2" dur="indefinite" nodeType="mainSeq">
+                <p:childTnLst>
+                  <p:par>
+                    <p:cTn id="3" fill="hold">
+                      <p:stCondLst>
+                        <p:cond delay="indefinite"/>
+                        <p:cond evt="onBegin" delay="0">
+                          <p:tn val="2"/>
+                        </p:cond>
+                      </p:stCondLst>
+                      <p:childTnLst>
+                        <p:par>
+                          <p:cTn id="4" fill="hold">
+                            <p:stCondLst>
+                              <p:cond delay="0"/>
+                            </p:stCondLst>
+                            <p:childTnLst>
+                              <p:par>
+                                <p:cTn id="5" presetID="10" presetClass="entr" presetSubtype="0" fill="hold" nodeType="withEffect">
+                                  <p:stCondLst>
+                                    <p:cond delay="0"/>
+                                  </p:stCondLst>
+                                  <p:childTnLst>
+                                    <p:set>
+                                      <p:cBhvr>
+                                        <p:cTn id="6" dur="1" fill="hold">
+                                          <p:stCondLst>
+                                            <p:cond delay="0"/>
+                                          </p:stCondLst>
+                                        </p:cTn>
+                                        <p:tgtEl>
+                                          <p:spTgt spid="5"/>
+                                        </p:tgtEl>
+                                        <p:attrNameLst>
+                                          <p:attrName>style.visibility</p:attrName>
+                                        </p:attrNameLst>
+                                      </p:cBhvr>
+                                      <p:to>
+                                        <p:strVal val="visible"/>
+                                      </p:to>
+                                    </p:set>
+                                    <p:animEffect transition="in" filter="fade">
+                                      <p:cBhvr>
+                                        <p:cTn id="7" dur="500"/>
+                                        <p:tgtEl>
+                                          <p:spTgt spid="5"/>
+                                        </p:tgtEl>
+                                      </p:cBhvr>
+                                    </p:animEffect>
+                                  </p:childTnLst>
+                                </p:cTn>
+                              </p:par>
+                            </p:childTnLst>
+                          </p:cTn>
+                        </p:par>
+                      </p:childTnLst>
+                    </p:cTn>
+                  </p:par>
+                </p:childTnLst>
+              </p:cTn>
+              <p:prevCondLst>
+                <p:cond evt="onPrev" delay="0">
+                  <p:tgtEl>
+                    <p:sldTgt/>
+                  </p:tgtEl>
+                </p:cond>
+              </p:prevCondLst>
+              <p:nextCondLst>
+                <p:cond evt="onNext" delay="0">
+                  <p:tgtEl>
+                    <p:sldTgt/>
+                  </p:tgtEl>
+                </p:cond>
+              </p:nextCondLst>
+            </p:seq>
+          </p:childTnLst>
+        </p:cTn>
+      </p:par>
+    </p:tnLst>
+  </p:timing>
+</p:sld>
+</file>
+
+<file path=ppt/slides/slide11.xml><?xml version="1.0" encoding="utf-8"?>
+<p:sld xmlns:a="http://schemas.openxmlformats.org/drawingml/2006/main" xmlns:r="http://schemas.openxmlformats.org/officeDocument/2006/relationships" xmlns:p="http://schemas.openxmlformats.org/presentationml/2006/main">
+  <p:cSld>
+    <p:spTree>
+      <p:nvGrpSpPr>
+        <p:cNvPr id="1" name=""/>
+        <p:cNvGrpSpPr/>
+        <p:nvPr/>
+      </p:nvGrpSpPr>
+      <p:grpSpPr>
+        <a:xfrm>
+          <a:off x="0" y="0"/>
+          <a:ext cx="0" cy="0"/>
+          <a:chOff x="0" y="0"/>
+          <a:chExt cx="0" cy="0"/>
+        </a:xfrm>
+      </p:grpSpPr>
+      <p:sp>
+        <p:nvSpPr>
+          <p:cNvPr id="2" name="Titel 1"/>
+          <p:cNvSpPr>
+            <a:spLocks noGrp="1"/>
+          </p:cNvSpPr>
+          <p:nvPr>
+            <p:ph type="title"/>
+          </p:nvPr>
+        </p:nvSpPr>
+        <p:spPr/>
+        <p:txBody>
+          <a:bodyPr/>
+          <a:lstStyle/>
+          <a:p>
+            <a:r>
+              <a:rPr lang="de-CH" dirty="0" err="1">
+                <a:solidFill>
+                  <a:srgbClr val="FF0000"/>
+                </a:solidFill>
+              </a:rPr>
+              <a:t>Lessons</a:t>
+            </a:r>
+            <a:r>
+              <a:rPr lang="de-CH" dirty="0">
+                <a:solidFill>
+                  <a:srgbClr val="FF0000"/>
+                </a:solidFill>
+              </a:rPr>
+              <a:t> </a:t>
+            </a:r>
+            <a:r>
+              <a:rPr lang="de-CH" dirty="0" err="1">
+                <a:solidFill>
+                  <a:srgbClr val="FF0000"/>
+                </a:solidFill>
+              </a:rPr>
+              <a:t>learned</a:t>
+            </a:r>
+            <a:endParaRPr lang="de-DE" dirty="0">
+              <a:solidFill>
+                <a:srgbClr val="FF0000"/>
+              </a:solidFill>
+            </a:endParaRPr>
+          </a:p>
+        </p:txBody>
+      </p:sp>
+      <p:sp>
+        <p:nvSpPr>
+          <p:cNvPr id="3" name="Inhaltsplatzhalter 2"/>
+          <p:cNvSpPr>
+            <a:spLocks noGrp="1"/>
+          </p:cNvSpPr>
+          <p:nvPr>
+            <p:ph idx="1"/>
+          </p:nvPr>
+        </p:nvSpPr>
+        <p:spPr/>
+        <p:txBody>
+          <a:bodyPr/>
+          <a:lstStyle/>
+          <a:p>
             <a:r>
               <a:rPr lang="de-CH" dirty="0" err="1"/>
               <a:t>Requirements</a:t>
@@ -4251,7 +5900,7 @@
           <p:nvPr/>
         </p:nvPicPr>
         <p:blipFill>
-          <a:blip r:embed="rId2">
+          <a:blip r:embed="rId3">
             <a:extLst>
               <a:ext uri="{28A0092B-C50C-407E-A947-70E740481C1C}">
                 <a14:useLocalDpi xmlns:a14="http://schemas.microsoft.com/office/drawing/2010/main" val="0"/>
@@ -4465,7 +6114,7 @@
 </p:sld>
 </file>
 
-<file path=ppt/slides/slide11.xml><?xml version="1.0" encoding="utf-8"?>
+<file path=ppt/slides/slide12.xml><?xml version="1.0" encoding="utf-8"?>
 <p:sld xmlns:a="http://schemas.openxmlformats.org/drawingml/2006/main" xmlns:r="http://schemas.openxmlformats.org/officeDocument/2006/relationships" xmlns:p="http://schemas.openxmlformats.org/presentationml/2006/main">
   <p:cSld>
     <p:spTree>
@@ -4600,7 +6249,7 @@
           <p:nvPr/>
         </p:nvPicPr>
         <p:blipFill rotWithShape="1">
-          <a:blip r:embed="rId2" cstate="print">
+          <a:blip r:embed="rId3" cstate="print">
             <a:extLst>
               <a:ext uri="{28A0092B-C50C-407E-A947-70E740481C1C}">
                 <a14:useLocalDpi xmlns:a14="http://schemas.microsoft.com/office/drawing/2010/main" val="0"/>
@@ -4764,7 +6413,7 @@
 </p:sld>
 </file>
 
-<file path=ppt/slides/slide12.xml><?xml version="1.0" encoding="utf-8"?>
+<file path=ppt/slides/slide13.xml><?xml version="1.0" encoding="utf-8"?>
 <p:sld xmlns:a="http://schemas.openxmlformats.org/drawingml/2006/main" xmlns:r="http://schemas.openxmlformats.org/officeDocument/2006/relationships" xmlns:p="http://schemas.openxmlformats.org/presentationml/2006/main">
   <p:cSld>
     <p:spTree>
@@ -4955,10 +6604,17 @@
   <p:clrMapOvr>
     <a:masterClrMapping/>
   </p:clrMapOvr>
+  <p:timing>
+    <p:tnLst>
+      <p:par>
+        <p:cTn id="1" dur="indefinite" restart="never" nodeType="tmRoot"/>
+      </p:par>
+    </p:tnLst>
+  </p:timing>
 </p:sld>
 </file>
 
-<file path=ppt/slides/slide13.xml><?xml version="1.0" encoding="utf-8"?>
+<file path=ppt/slides/slide14.xml><?xml version="1.0" encoding="utf-8"?>
 <p:sld xmlns:a="http://schemas.openxmlformats.org/drawingml/2006/main" xmlns:r="http://schemas.openxmlformats.org/officeDocument/2006/relationships" xmlns:p="http://schemas.openxmlformats.org/presentationml/2006/main">
   <p:cSld>
     <p:spTree>
@@ -5132,7 +6788,7 @@
           <p:nvPr/>
         </p:nvPicPr>
         <p:blipFill rotWithShape="1">
-          <a:blip r:embed="rId2" cstate="print">
+          <a:blip r:embed="rId3" cstate="print">
             <a:extLst>
               <a:ext uri="{28A0092B-C50C-407E-A947-70E740481C1C}">
                 <a14:useLocalDpi xmlns:a14="http://schemas.microsoft.com/office/drawing/2010/main" val="0"/>
@@ -5492,7 +7148,7 @@
 </p:sld>
 </file>
 
-<file path=ppt/slides/slide14.xml><?xml version="1.0" encoding="utf-8"?>
+<file path=ppt/slides/slide15.xml><?xml version="1.0" encoding="utf-8"?>
 <p:sld xmlns:a="http://schemas.openxmlformats.org/drawingml/2006/main" xmlns:r="http://schemas.openxmlformats.org/officeDocument/2006/relationships" xmlns:p="http://schemas.openxmlformats.org/presentationml/2006/main">
   <p:cSld>
     <p:spTree>
@@ -5641,7 +7297,7 @@
           <p:nvPr/>
         </p:nvPicPr>
         <p:blipFill>
-          <a:blip r:embed="rId2">
+          <a:blip r:embed="rId3">
             <a:extLst>
               <a:ext uri="{28A0092B-C50C-407E-A947-70E740481C1C}">
                 <a14:useLocalDpi xmlns:a14="http://schemas.microsoft.com/office/drawing/2010/main" val="0"/>
@@ -5672,10 +7328,17 @@
   <p:clrMapOvr>
     <a:masterClrMapping/>
   </p:clrMapOvr>
+  <p:timing>
+    <p:tnLst>
+      <p:par>
+        <p:cTn id="1" dur="indefinite" restart="never" nodeType="tmRoot"/>
+      </p:par>
+    </p:tnLst>
+  </p:timing>
 </p:sld>
 </file>
 
-<file path=ppt/slides/slide15.xml><?xml version="1.0" encoding="utf-8"?>
+<file path=ppt/slides/slide16.xml><?xml version="1.0" encoding="utf-8"?>
 <p:sld xmlns:a="http://schemas.openxmlformats.org/drawingml/2006/main" xmlns:r="http://schemas.openxmlformats.org/officeDocument/2006/relationships" xmlns:p="http://schemas.openxmlformats.org/presentationml/2006/main">
   <p:cSld>
     <p:spTree>
@@ -5809,7 +7472,7 @@
           <p:nvPr/>
         </p:nvPicPr>
         <p:blipFill>
-          <a:blip r:embed="rId2"/>
+          <a:blip r:embed="rId3"/>
           <a:stretch>
             <a:fillRect/>
           </a:stretch>
@@ -5912,148 +7575,6 @@
 </p:sld>
 </file>
 
-<file path=ppt/slides/slide16.xml><?xml version="1.0" encoding="utf-8"?>
-<p:sld xmlns:a="http://schemas.openxmlformats.org/drawingml/2006/main" xmlns:r="http://schemas.openxmlformats.org/officeDocument/2006/relationships" xmlns:p="http://schemas.openxmlformats.org/presentationml/2006/main">
-  <p:cSld>
-    <p:spTree>
-      <p:nvGrpSpPr>
-        <p:cNvPr id="1" name=""/>
-        <p:cNvGrpSpPr/>
-        <p:nvPr/>
-      </p:nvGrpSpPr>
-      <p:grpSpPr>
-        <a:xfrm>
-          <a:off x="0" y="0"/>
-          <a:ext cx="0" cy="0"/>
-          <a:chOff x="0" y="0"/>
-          <a:chExt cx="0" cy="0"/>
-        </a:xfrm>
-      </p:grpSpPr>
-      <p:sp>
-        <p:nvSpPr>
-          <p:cNvPr id="2" name="Titel 1"/>
-          <p:cNvSpPr>
-            <a:spLocks noGrp="1"/>
-          </p:cNvSpPr>
-          <p:nvPr>
-            <p:ph type="title"/>
-          </p:nvPr>
-        </p:nvSpPr>
-        <p:spPr/>
-        <p:txBody>
-          <a:bodyPr/>
-          <a:lstStyle/>
-          <a:p>
-            <a:r>
-              <a:rPr lang="de-CH" dirty="0" err="1">
-                <a:solidFill>
-                  <a:srgbClr val="FF0000"/>
-                </a:solidFill>
-              </a:rPr>
-              <a:t>Lessons</a:t>
-            </a:r>
-            <a:r>
-              <a:rPr lang="de-CH" dirty="0">
-                <a:solidFill>
-                  <a:srgbClr val="FF0000"/>
-                </a:solidFill>
-              </a:rPr>
-              <a:t> </a:t>
-            </a:r>
-            <a:r>
-              <a:rPr lang="de-CH" dirty="0" err="1">
-                <a:solidFill>
-                  <a:srgbClr val="FF0000"/>
-                </a:solidFill>
-              </a:rPr>
-              <a:t>learned</a:t>
-            </a:r>
-            <a:endParaRPr lang="de-DE" dirty="0">
-              <a:solidFill>
-                <a:srgbClr val="FF0000"/>
-              </a:solidFill>
-            </a:endParaRPr>
-          </a:p>
-        </p:txBody>
-      </p:sp>
-      <p:sp>
-        <p:nvSpPr>
-          <p:cNvPr id="3" name="Inhaltsplatzhalter 2"/>
-          <p:cNvSpPr>
-            <a:spLocks noGrp="1"/>
-          </p:cNvSpPr>
-          <p:nvPr>
-            <p:ph idx="1"/>
-          </p:nvPr>
-        </p:nvSpPr>
-        <p:spPr/>
-        <p:txBody>
-          <a:bodyPr/>
-          <a:lstStyle/>
-          <a:p>
-            <a:r>
-              <a:rPr lang="de-CH" dirty="0" err="1"/>
-              <a:t>Scrum</a:t>
-            </a:r>
-            <a:r>
-              <a:rPr lang="de-CH" dirty="0"/>
-              <a:t> </a:t>
-            </a:r>
-            <a:r>
-              <a:rPr lang="de-CH" dirty="0" err="1"/>
-              <a:t>retrospective</a:t>
-            </a:r>
-            <a:endParaRPr lang="de-CH" dirty="0"/>
-          </a:p>
-          <a:p>
-            <a:pPr lvl="1"/>
-            <a:r>
-              <a:rPr lang="de-CH" dirty="0"/>
-              <a:t>Sprint </a:t>
-            </a:r>
-            <a:r>
-              <a:rPr lang="de-CH" dirty="0" err="1"/>
-              <a:t>backlog</a:t>
-            </a:r>
-            <a:endParaRPr lang="de-CH" dirty="0"/>
-          </a:p>
-          <a:p>
-            <a:pPr lvl="1"/>
-            <a:endParaRPr lang="de-CH" dirty="0"/>
-          </a:p>
-          <a:p>
-            <a:pPr lvl="1"/>
-            <a:endParaRPr lang="de-CH" dirty="0"/>
-          </a:p>
-          <a:p>
-            <a:endParaRPr lang="de-CH" dirty="0"/>
-          </a:p>
-          <a:p>
-            <a:pPr lvl="1"/>
-            <a:endParaRPr lang="de-CH" dirty="0"/>
-          </a:p>
-          <a:p>
-            <a:pPr lvl="1"/>
-            <a:endParaRPr lang="de-DE" dirty="0"/>
-          </a:p>
-          <a:p>
-            <a:endParaRPr lang="de-DE" dirty="0"/>
-          </a:p>
-        </p:txBody>
-      </p:sp>
-    </p:spTree>
-    <p:extLst>
-      <p:ext uri="{BB962C8B-B14F-4D97-AF65-F5344CB8AC3E}">
-        <p14:creationId xmlns:p14="http://schemas.microsoft.com/office/powerpoint/2010/main" val="666962226"/>
-      </p:ext>
-    </p:extLst>
-  </p:cSld>
-  <p:clrMapOvr>
-    <a:masterClrMapping/>
-  </p:clrMapOvr>
-</p:sld>
-</file>
-
 <file path=ppt/slides/slide17.xml><?xml version="1.0" encoding="utf-8"?>
 <p:sld xmlns:a="http://schemas.openxmlformats.org/drawingml/2006/main" xmlns:r="http://schemas.openxmlformats.org/officeDocument/2006/relationships" xmlns:p="http://schemas.openxmlformats.org/presentationml/2006/main">
   <p:cSld>
@@ -6183,6 +7704,155 @@
           </a:p>
         </p:txBody>
       </p:sp>
+    </p:spTree>
+    <p:extLst>
+      <p:ext uri="{BB962C8B-B14F-4D97-AF65-F5344CB8AC3E}">
+        <p14:creationId xmlns:p14="http://schemas.microsoft.com/office/powerpoint/2010/main" val="666962226"/>
+      </p:ext>
+    </p:extLst>
+  </p:cSld>
+  <p:clrMapOvr>
+    <a:masterClrMapping/>
+  </p:clrMapOvr>
+  <p:timing>
+    <p:tnLst>
+      <p:par>
+        <p:cTn id="1" dur="indefinite" restart="never" nodeType="tmRoot"/>
+      </p:par>
+    </p:tnLst>
+  </p:timing>
+</p:sld>
+</file>
+
+<file path=ppt/slides/slide18.xml><?xml version="1.0" encoding="utf-8"?>
+<p:sld xmlns:a="http://schemas.openxmlformats.org/drawingml/2006/main" xmlns:r="http://schemas.openxmlformats.org/officeDocument/2006/relationships" xmlns:p="http://schemas.openxmlformats.org/presentationml/2006/main">
+  <p:cSld>
+    <p:spTree>
+      <p:nvGrpSpPr>
+        <p:cNvPr id="1" name=""/>
+        <p:cNvGrpSpPr/>
+        <p:nvPr/>
+      </p:nvGrpSpPr>
+      <p:grpSpPr>
+        <a:xfrm>
+          <a:off x="0" y="0"/>
+          <a:ext cx="0" cy="0"/>
+          <a:chOff x="0" y="0"/>
+          <a:chExt cx="0" cy="0"/>
+        </a:xfrm>
+      </p:grpSpPr>
+      <p:sp>
+        <p:nvSpPr>
+          <p:cNvPr id="2" name="Titel 1"/>
+          <p:cNvSpPr>
+            <a:spLocks noGrp="1"/>
+          </p:cNvSpPr>
+          <p:nvPr>
+            <p:ph type="title"/>
+          </p:nvPr>
+        </p:nvSpPr>
+        <p:spPr/>
+        <p:txBody>
+          <a:bodyPr/>
+          <a:lstStyle/>
+          <a:p>
+            <a:r>
+              <a:rPr lang="de-CH" dirty="0" err="1">
+                <a:solidFill>
+                  <a:srgbClr val="FF0000"/>
+                </a:solidFill>
+              </a:rPr>
+              <a:t>Lessons</a:t>
+            </a:r>
+            <a:r>
+              <a:rPr lang="de-CH" dirty="0">
+                <a:solidFill>
+                  <a:srgbClr val="FF0000"/>
+                </a:solidFill>
+              </a:rPr>
+              <a:t> </a:t>
+            </a:r>
+            <a:r>
+              <a:rPr lang="de-CH" dirty="0" err="1">
+                <a:solidFill>
+                  <a:srgbClr val="FF0000"/>
+                </a:solidFill>
+              </a:rPr>
+              <a:t>learned</a:t>
+            </a:r>
+            <a:endParaRPr lang="de-DE" dirty="0">
+              <a:solidFill>
+                <a:srgbClr val="FF0000"/>
+              </a:solidFill>
+            </a:endParaRPr>
+          </a:p>
+        </p:txBody>
+      </p:sp>
+      <p:sp>
+        <p:nvSpPr>
+          <p:cNvPr id="3" name="Inhaltsplatzhalter 2"/>
+          <p:cNvSpPr>
+            <a:spLocks noGrp="1"/>
+          </p:cNvSpPr>
+          <p:nvPr>
+            <p:ph idx="1"/>
+          </p:nvPr>
+        </p:nvSpPr>
+        <p:spPr/>
+        <p:txBody>
+          <a:bodyPr/>
+          <a:lstStyle/>
+          <a:p>
+            <a:r>
+              <a:rPr lang="de-CH" dirty="0" err="1"/>
+              <a:t>Scrum</a:t>
+            </a:r>
+            <a:r>
+              <a:rPr lang="de-CH" dirty="0"/>
+              <a:t> </a:t>
+            </a:r>
+            <a:r>
+              <a:rPr lang="de-CH" dirty="0" err="1"/>
+              <a:t>retrospective</a:t>
+            </a:r>
+            <a:endParaRPr lang="de-CH" dirty="0"/>
+          </a:p>
+          <a:p>
+            <a:pPr lvl="1"/>
+            <a:r>
+              <a:rPr lang="de-CH" dirty="0"/>
+              <a:t>Sprint </a:t>
+            </a:r>
+            <a:r>
+              <a:rPr lang="de-CH" dirty="0" err="1"/>
+              <a:t>backlog</a:t>
+            </a:r>
+            <a:endParaRPr lang="de-CH" dirty="0"/>
+          </a:p>
+          <a:p>
+            <a:pPr lvl="1"/>
+            <a:endParaRPr lang="de-CH" dirty="0"/>
+          </a:p>
+          <a:p>
+            <a:pPr lvl="1"/>
+            <a:endParaRPr lang="de-CH" dirty="0"/>
+          </a:p>
+          <a:p>
+            <a:endParaRPr lang="de-CH" dirty="0"/>
+          </a:p>
+          <a:p>
+            <a:pPr lvl="1"/>
+            <a:endParaRPr lang="de-CH" dirty="0"/>
+          </a:p>
+          <a:p>
+            <a:pPr lvl="1"/>
+            <a:endParaRPr lang="de-DE" dirty="0"/>
+          </a:p>
+          <a:p>
+            <a:endParaRPr lang="de-DE" dirty="0"/>
+          </a:p>
+        </p:txBody>
+      </p:sp>
       <p:pic>
         <p:nvPicPr>
           <p:cNvPr id="4" name="Grafik 3"/>
@@ -6192,7 +7862,7 @@
           <p:nvPr/>
         </p:nvPicPr>
         <p:blipFill>
-          <a:blip r:embed="rId2"/>
+          <a:blip r:embed="rId3"/>
           <a:stretch>
             <a:fillRect/>
           </a:stretch>
@@ -6217,10 +7887,17 @@
   <p:clrMapOvr>
     <a:masterClrMapping/>
   </p:clrMapOvr>
+  <p:timing>
+    <p:tnLst>
+      <p:par>
+        <p:cTn id="1" dur="indefinite" restart="never" nodeType="tmRoot"/>
+      </p:par>
+    </p:tnLst>
+  </p:timing>
 </p:sld>
 </file>
 
-<file path=ppt/slides/slide18.xml><?xml version="1.0" encoding="utf-8"?>
+<file path=ppt/slides/slide19.xml><?xml version="1.0" encoding="utf-8"?>
 <p:sld xmlns:a="http://schemas.openxmlformats.org/drawingml/2006/main" xmlns:r="http://schemas.openxmlformats.org/officeDocument/2006/relationships" xmlns:p="http://schemas.openxmlformats.org/presentationml/2006/main">
   <p:cSld>
     <p:spTree>
@@ -6741,59 +8418,6 @@
 </p:sld>
 </file>
 
-<file path=ppt/slides/slide19.xml><?xml version="1.0" encoding="utf-8"?>
-<p:sld xmlns:a="http://schemas.openxmlformats.org/drawingml/2006/main" xmlns:r="http://schemas.openxmlformats.org/officeDocument/2006/relationships" xmlns:p="http://schemas.openxmlformats.org/presentationml/2006/main">
-  <p:cSld>
-    <p:spTree>
-      <p:nvGrpSpPr>
-        <p:cNvPr id="1" name=""/>
-        <p:cNvGrpSpPr/>
-        <p:nvPr/>
-      </p:nvGrpSpPr>
-      <p:grpSpPr>
-        <a:xfrm>
-          <a:off x="0" y="0"/>
-          <a:ext cx="0" cy="0"/>
-          <a:chOff x="0" y="0"/>
-          <a:chExt cx="0" cy="0"/>
-        </a:xfrm>
-      </p:grpSpPr>
-      <p:sp>
-        <p:nvSpPr>
-          <p:cNvPr id="2" name="Titel 1"/>
-          <p:cNvSpPr>
-            <a:spLocks noGrp="1"/>
-          </p:cNvSpPr>
-          <p:nvPr>
-            <p:ph type="ctrTitle"/>
-          </p:nvPr>
-        </p:nvSpPr>
-        <p:spPr/>
-        <p:txBody>
-          <a:bodyPr/>
-          <a:lstStyle/>
-          <a:p>
-            <a:r>
-              <a:rPr lang="de-DE" dirty="0"/>
-              <a:t>Herzlichen Dank!</a:t>
-            </a:r>
-            <a:endParaRPr lang="de-CH" dirty="0"/>
-          </a:p>
-        </p:txBody>
-      </p:sp>
-    </p:spTree>
-    <p:extLst>
-      <p:ext uri="{BB962C8B-B14F-4D97-AF65-F5344CB8AC3E}">
-        <p14:creationId xmlns:p14="http://schemas.microsoft.com/office/powerpoint/2010/main" val="1339203020"/>
-      </p:ext>
-    </p:extLst>
-  </p:cSld>
-  <p:clrMapOvr>
-    <a:masterClrMapping/>
-  </p:clrMapOvr>
-</p:sld>
-</file>
-
 <file path=ppt/slides/slide2.xml><?xml version="1.0" encoding="utf-8"?>
 <p:sld xmlns:a="http://schemas.openxmlformats.org/drawingml/2006/main" xmlns:r="http://schemas.openxmlformats.org/officeDocument/2006/relationships" xmlns:p="http://schemas.openxmlformats.org/presentationml/2006/main">
   <p:cSld>
@@ -6925,6 +8549,66 @@
   <p:clrMapOvr>
     <a:masterClrMapping/>
   </p:clrMapOvr>
+  <p:timing>
+    <p:tnLst>
+      <p:par>
+        <p:cTn id="1" dur="indefinite" restart="never" nodeType="tmRoot"/>
+      </p:par>
+    </p:tnLst>
+  </p:timing>
+</p:sld>
+</file>
+
+<file path=ppt/slides/slide20.xml><?xml version="1.0" encoding="utf-8"?>
+<p:sld xmlns:a="http://schemas.openxmlformats.org/drawingml/2006/main" xmlns:r="http://schemas.openxmlformats.org/officeDocument/2006/relationships" xmlns:p="http://schemas.openxmlformats.org/presentationml/2006/main">
+  <p:cSld>
+    <p:spTree>
+      <p:nvGrpSpPr>
+        <p:cNvPr id="1" name=""/>
+        <p:cNvGrpSpPr/>
+        <p:nvPr/>
+      </p:nvGrpSpPr>
+      <p:grpSpPr>
+        <a:xfrm>
+          <a:off x="0" y="0"/>
+          <a:ext cx="0" cy="0"/>
+          <a:chOff x="0" y="0"/>
+          <a:chExt cx="0" cy="0"/>
+        </a:xfrm>
+      </p:grpSpPr>
+      <p:sp>
+        <p:nvSpPr>
+          <p:cNvPr id="2" name="Titel 1"/>
+          <p:cNvSpPr>
+            <a:spLocks noGrp="1"/>
+          </p:cNvSpPr>
+          <p:nvPr>
+            <p:ph type="ctrTitle"/>
+          </p:nvPr>
+        </p:nvSpPr>
+        <p:spPr/>
+        <p:txBody>
+          <a:bodyPr/>
+          <a:lstStyle/>
+          <a:p>
+            <a:r>
+              <a:rPr lang="de-DE" dirty="0"/>
+              <a:t>Herzlichen Dank!</a:t>
+            </a:r>
+            <a:endParaRPr lang="de-CH" dirty="0"/>
+          </a:p>
+        </p:txBody>
+      </p:sp>
+    </p:spTree>
+    <p:extLst>
+      <p:ext uri="{BB962C8B-B14F-4D97-AF65-F5344CB8AC3E}">
+        <p14:creationId xmlns:p14="http://schemas.microsoft.com/office/powerpoint/2010/main" val="1339203020"/>
+      </p:ext>
+    </p:extLst>
+  </p:cSld>
+  <p:clrMapOvr>
+    <a:masterClrMapping/>
+  </p:clrMapOvr>
 </p:sld>
 </file>
 
@@ -7117,6 +8801,13 @@
   <p:clrMapOvr>
     <a:masterClrMapping/>
   </p:clrMapOvr>
+  <p:timing>
+    <p:tnLst>
+      <p:par>
+        <p:cTn id="1" dur="indefinite" restart="never" nodeType="tmRoot"/>
+      </p:par>
+    </p:tnLst>
+  </p:timing>
 </p:sld>
 </file>
 
@@ -10071,7 +11762,7 @@
           <p:nvPr/>
         </p:nvPicPr>
         <p:blipFill rotWithShape="1">
-          <a:blip r:embed="rId2" cstate="print">
+          <a:blip r:embed="rId3" cstate="print">
             <a:extLst>
               <a:ext uri="{28A0092B-C50C-407E-A947-70E740481C1C}">
                 <a14:useLocalDpi xmlns:a14="http://schemas.microsoft.com/office/drawing/2010/main" val="0"/>
@@ -10083,7 +11774,7 @@
         </p:blipFill>
         <p:spPr>
           <a:xfrm>
-            <a:off x="5569862" y="3291840"/>
+            <a:off x="5383885" y="3260844"/>
             <a:ext cx="6738516" cy="3524600"/>
           </a:xfrm>
           <a:prstGeom prst="rect">
@@ -10518,4 +12209,265 @@
     </a:ext>
   </a:extLst>
 </a:theme>
+</file>
+
+<file path=ppt/theme/theme2.xml><?xml version="1.0" encoding="utf-8"?>
+<a:theme xmlns:a="http://schemas.openxmlformats.org/drawingml/2006/main" name="Office-Design">
+  <a:themeElements>
+    <a:clrScheme name="Office">
+      <a:dk1>
+        <a:sysClr val="windowText" lastClr="000000"/>
+      </a:dk1>
+      <a:lt1>
+        <a:sysClr val="window" lastClr="FFFFFF"/>
+      </a:lt1>
+      <a:dk2>
+        <a:srgbClr val="44546A"/>
+      </a:dk2>
+      <a:lt2>
+        <a:srgbClr val="E7E6E6"/>
+      </a:lt2>
+      <a:accent1>
+        <a:srgbClr val="4472C4"/>
+      </a:accent1>
+      <a:accent2>
+        <a:srgbClr val="ED7D31"/>
+      </a:accent2>
+      <a:accent3>
+        <a:srgbClr val="A5A5A5"/>
+      </a:accent3>
+      <a:accent4>
+        <a:srgbClr val="FFC000"/>
+      </a:accent4>
+      <a:accent5>
+        <a:srgbClr val="5B9BD5"/>
+      </a:accent5>
+      <a:accent6>
+        <a:srgbClr val="70AD47"/>
+      </a:accent6>
+      <a:hlink>
+        <a:srgbClr val="0563C1"/>
+      </a:hlink>
+      <a:folHlink>
+        <a:srgbClr val="954F72"/>
+      </a:folHlink>
+    </a:clrScheme>
+    <a:fontScheme name="Office">
+      <a:majorFont>
+        <a:latin typeface="Calibri Light" panose="020F0302020204030204"/>
+        <a:ea typeface=""/>
+        <a:cs typeface=""/>
+        <a:font script="Jpan" typeface="Yu Gothic Light"/>
+        <a:font script="Hang" typeface="맑은 고딕"/>
+        <a:font script="Hans" typeface="DengXian Light"/>
+        <a:font script="Hant" typeface="新細明體"/>
+        <a:font script="Arab" typeface="Times New Roman"/>
+        <a:font script="Hebr" typeface="Times New Roman"/>
+        <a:font script="Thai" typeface="Angsana New"/>
+        <a:font script="Ethi" typeface="Nyala"/>
+        <a:font script="Beng" typeface="Vrinda"/>
+        <a:font script="Gujr" typeface="Shruti"/>
+        <a:font script="Khmr" typeface="MoolBoran"/>
+        <a:font script="Knda" typeface="Tunga"/>
+        <a:font script="Guru" typeface="Raavi"/>
+        <a:font script="Cans" typeface="Euphemia"/>
+        <a:font script="Cher" typeface="Plantagenet Cherokee"/>
+        <a:font script="Yiii" typeface="Microsoft Yi Baiti"/>
+        <a:font script="Tibt" typeface="Microsoft Himalaya"/>
+        <a:font script="Thaa" typeface="MV Boli"/>
+        <a:font script="Deva" typeface="Mangal"/>
+        <a:font script="Telu" typeface="Gautami"/>
+        <a:font script="Taml" typeface="Latha"/>
+        <a:font script="Syrc" typeface="Estrangelo Edessa"/>
+        <a:font script="Orya" typeface="Kalinga"/>
+        <a:font script="Mlym" typeface="Kartika"/>
+        <a:font script="Laoo" typeface="DokChampa"/>
+        <a:font script="Sinh" typeface="Iskoola Pota"/>
+        <a:font script="Mong" typeface="Mongolian Baiti"/>
+        <a:font script="Viet" typeface="Times New Roman"/>
+        <a:font script="Uigh" typeface="Microsoft Uighur"/>
+        <a:font script="Geor" typeface="Sylfaen"/>
+      </a:majorFont>
+      <a:minorFont>
+        <a:latin typeface="Calibri" panose="020F0502020204030204"/>
+        <a:ea typeface=""/>
+        <a:cs typeface=""/>
+        <a:font script="Jpan" typeface="Yu Gothic"/>
+        <a:font script="Hang" typeface="맑은 고딕"/>
+        <a:font script="Hans" typeface="DengXian"/>
+        <a:font script="Hant" typeface="新細明體"/>
+        <a:font script="Arab" typeface="Arial"/>
+        <a:font script="Hebr" typeface="Arial"/>
+        <a:font script="Thai" typeface="Cordia New"/>
+        <a:font script="Ethi" typeface="Nyala"/>
+        <a:font script="Beng" typeface="Vrinda"/>
+        <a:font script="Gujr" typeface="Shruti"/>
+        <a:font script="Khmr" typeface="DaunPenh"/>
+        <a:font script="Knda" typeface="Tunga"/>
+        <a:font script="Guru" typeface="Raavi"/>
+        <a:font script="Cans" typeface="Euphemia"/>
+        <a:font script="Cher" typeface="Plantagenet Cherokee"/>
+        <a:font script="Yiii" typeface="Microsoft Yi Baiti"/>
+        <a:font script="Tibt" typeface="Microsoft Himalaya"/>
+        <a:font script="Thaa" typeface="MV Boli"/>
+        <a:font script="Deva" typeface="Mangal"/>
+        <a:font script="Telu" typeface="Gautami"/>
+        <a:font script="Taml" typeface="Latha"/>
+        <a:font script="Syrc" typeface="Estrangelo Edessa"/>
+        <a:font script="Orya" typeface="Kalinga"/>
+        <a:font script="Mlym" typeface="Kartika"/>
+        <a:font script="Laoo" typeface="DokChampa"/>
+        <a:font script="Sinh" typeface="Iskoola Pota"/>
+        <a:font script="Mong" typeface="Mongolian Baiti"/>
+        <a:font script="Viet" typeface="Arial"/>
+        <a:font script="Uigh" typeface="Microsoft Uighur"/>
+        <a:font script="Geor" typeface="Sylfaen"/>
+      </a:minorFont>
+    </a:fontScheme>
+    <a:fmtScheme name="Office">
+      <a:fillStyleLst>
+        <a:solidFill>
+          <a:schemeClr val="phClr"/>
+        </a:solidFill>
+        <a:gradFill rotWithShape="1">
+          <a:gsLst>
+            <a:gs pos="0">
+              <a:schemeClr val="phClr">
+                <a:lumMod val="110000"/>
+                <a:satMod val="105000"/>
+                <a:tint val="67000"/>
+              </a:schemeClr>
+            </a:gs>
+            <a:gs pos="50000">
+              <a:schemeClr val="phClr">
+                <a:lumMod val="105000"/>
+                <a:satMod val="103000"/>
+                <a:tint val="73000"/>
+              </a:schemeClr>
+            </a:gs>
+            <a:gs pos="100000">
+              <a:schemeClr val="phClr">
+                <a:lumMod val="105000"/>
+                <a:satMod val="109000"/>
+                <a:tint val="81000"/>
+              </a:schemeClr>
+            </a:gs>
+          </a:gsLst>
+          <a:lin ang="5400000" scaled="0"/>
+        </a:gradFill>
+        <a:gradFill rotWithShape="1">
+          <a:gsLst>
+            <a:gs pos="0">
+              <a:schemeClr val="phClr">
+                <a:satMod val="103000"/>
+                <a:lumMod val="102000"/>
+                <a:tint val="94000"/>
+              </a:schemeClr>
+            </a:gs>
+            <a:gs pos="50000">
+              <a:schemeClr val="phClr">
+                <a:satMod val="110000"/>
+                <a:lumMod val="100000"/>
+                <a:shade val="100000"/>
+              </a:schemeClr>
+            </a:gs>
+            <a:gs pos="100000">
+              <a:schemeClr val="phClr">
+                <a:lumMod val="99000"/>
+                <a:satMod val="120000"/>
+                <a:shade val="78000"/>
+              </a:schemeClr>
+            </a:gs>
+          </a:gsLst>
+          <a:lin ang="5400000" scaled="0"/>
+        </a:gradFill>
+      </a:fillStyleLst>
+      <a:lnStyleLst>
+        <a:ln w="6350" cap="flat" cmpd="sng" algn="ctr">
+          <a:solidFill>
+            <a:schemeClr val="phClr"/>
+          </a:solidFill>
+          <a:prstDash val="solid"/>
+          <a:miter lim="800000"/>
+        </a:ln>
+        <a:ln w="12700" cap="flat" cmpd="sng" algn="ctr">
+          <a:solidFill>
+            <a:schemeClr val="phClr"/>
+          </a:solidFill>
+          <a:prstDash val="solid"/>
+          <a:miter lim="800000"/>
+        </a:ln>
+        <a:ln w="19050" cap="flat" cmpd="sng" algn="ctr">
+          <a:solidFill>
+            <a:schemeClr val="phClr"/>
+          </a:solidFill>
+          <a:prstDash val="solid"/>
+          <a:miter lim="800000"/>
+        </a:ln>
+      </a:lnStyleLst>
+      <a:effectStyleLst>
+        <a:effectStyle>
+          <a:effectLst/>
+        </a:effectStyle>
+        <a:effectStyle>
+          <a:effectLst/>
+        </a:effectStyle>
+        <a:effectStyle>
+          <a:effectLst>
+            <a:outerShdw blurRad="57150" dist="19050" dir="5400000" algn="ctr" rotWithShape="0">
+              <a:srgbClr val="000000">
+                <a:alpha val="63000"/>
+              </a:srgbClr>
+            </a:outerShdw>
+          </a:effectLst>
+        </a:effectStyle>
+      </a:effectStyleLst>
+      <a:bgFillStyleLst>
+        <a:solidFill>
+          <a:schemeClr val="phClr"/>
+        </a:solidFill>
+        <a:solidFill>
+          <a:schemeClr val="phClr">
+            <a:tint val="95000"/>
+            <a:satMod val="170000"/>
+          </a:schemeClr>
+        </a:solidFill>
+        <a:gradFill rotWithShape="1">
+          <a:gsLst>
+            <a:gs pos="0">
+              <a:schemeClr val="phClr">
+                <a:tint val="93000"/>
+                <a:satMod val="150000"/>
+                <a:shade val="98000"/>
+                <a:lumMod val="102000"/>
+              </a:schemeClr>
+            </a:gs>
+            <a:gs pos="50000">
+              <a:schemeClr val="phClr">
+                <a:tint val="98000"/>
+                <a:satMod val="130000"/>
+                <a:shade val="90000"/>
+                <a:lumMod val="103000"/>
+              </a:schemeClr>
+            </a:gs>
+            <a:gs pos="100000">
+              <a:schemeClr val="phClr">
+                <a:shade val="63000"/>
+                <a:satMod val="120000"/>
+              </a:schemeClr>
+            </a:gs>
+          </a:gsLst>
+          <a:lin ang="5400000" scaled="0"/>
+        </a:gradFill>
+      </a:bgFillStyleLst>
+    </a:fmtScheme>
+  </a:themeElements>
+  <a:objectDefaults/>
+  <a:extraClrSchemeLst/>
+  <a:extLst>
+    <a:ext uri="{05A4C25C-085E-4340-85A3-A5531E510DB2}">
+      <thm15:themeFamily xmlns:thm15="http://schemas.microsoft.com/office/thememl/2012/main" name="Office Theme" id="{62F939B6-93AF-4DB8-9C6B-D6C7DFDC589F}" vid="{4A3C46E8-61CC-4603-A589-7422A47A8E4A}"/>
+    </a:ext>
+  </a:extLst>
+</a:theme>
 </file>